--- a/USOS.pptx
+++ b/USOS.pptx
@@ -13,16 +13,11 @@
     <p:sldId id="278" r:id="rId7"/>
     <p:sldId id="262" r:id="rId8"/>
     <p:sldId id="263" r:id="rId9"/>
-    <p:sldId id="272" r:id="rId10"/>
-    <p:sldId id="273" r:id="rId11"/>
-    <p:sldId id="264" r:id="rId12"/>
-    <p:sldId id="265" r:id="rId13"/>
-    <p:sldId id="269" r:id="rId14"/>
-    <p:sldId id="270" r:id="rId15"/>
-    <p:sldId id="271" r:id="rId16"/>
-    <p:sldId id="267" r:id="rId17"/>
-    <p:sldId id="276" r:id="rId18"/>
-    <p:sldId id="274" r:id="rId19"/>
+    <p:sldId id="264" r:id="rId10"/>
+    <p:sldId id="265" r:id="rId11"/>
+    <p:sldId id="267" r:id="rId12"/>
+    <p:sldId id="276" r:id="rId13"/>
+    <p:sldId id="274" r:id="rId14"/>
   </p:sldIdLst>
   <p:sldSz cx="12192000" cy="6858000"/>
   <p:notesSz cx="6858000" cy="9144000"/>
@@ -3047,2317 +3042,6 @@
 </file>
 
 <file path=ppt/slides/slide10.xml><?xml version="1.0" encoding="utf-8"?>
-<p:sld xmlns:a="http://schemas.openxmlformats.org/drawingml/2006/main" xmlns:r="http://schemas.openxmlformats.org/officeDocument/2006/relationships" xmlns:p="http://schemas.openxmlformats.org/presentationml/2006/main">
-  <p:cSld>
-    <p:spTree>
-      <p:nvGrpSpPr>
-        <p:cNvPr id="1" name=""/>
-        <p:cNvGrpSpPr/>
-        <p:nvPr/>
-      </p:nvGrpSpPr>
-      <p:grpSpPr>
-        <a:xfrm>
-          <a:off x="0" y="0"/>
-          <a:ext cx="0" cy="0"/>
-          <a:chOff x="0" y="0"/>
-          <a:chExt cx="0" cy="0"/>
-        </a:xfrm>
-      </p:grpSpPr>
-      <p:sp>
-        <p:nvSpPr>
-          <p:cNvPr id="4" name="CuadroTexto 3"/>
-          <p:cNvSpPr txBox="1"/>
-          <p:nvPr/>
-        </p:nvSpPr>
-        <p:spPr>
-          <a:xfrm>
-            <a:off x="385483" y="452811"/>
-            <a:ext cx="6239434" cy="830997"/>
-          </a:xfrm>
-          <a:prstGeom prst="rect">
-            <a:avLst/>
-          </a:prstGeom>
-          <a:noFill/>
-        </p:spPr>
-        <p:txBody>
-          <a:bodyPr wrap="square" rtlCol="0">
-            <a:spAutoFit/>
-          </a:bodyPr>
-          <a:lstStyle/>
-          <a:p>
-            <a:r>
-              <a:rPr lang="es-EC" sz="4800" dirty="0" smtClean="0">
-                <a:solidFill>
-                  <a:srgbClr val="014455"/>
-                </a:solidFill>
-                <a:latin typeface="+mj-lt"/>
-              </a:rPr>
-              <a:t>El problema</a:t>
-            </a:r>
-            <a:endParaRPr lang="es-EC" sz="4800" dirty="0">
-              <a:solidFill>
-                <a:srgbClr val="014455"/>
-              </a:solidFill>
-              <a:latin typeface="+mj-lt"/>
-            </a:endParaRPr>
-          </a:p>
-        </p:txBody>
-      </p:sp>
-      <p:sp>
-        <p:nvSpPr>
-          <p:cNvPr id="5" name="CuadroTexto 4"/>
-          <p:cNvSpPr txBox="1"/>
-          <p:nvPr/>
-        </p:nvSpPr>
-        <p:spPr>
-          <a:xfrm>
-            <a:off x="1574761" y="6101351"/>
-            <a:ext cx="2617765" cy="461665"/>
-          </a:xfrm>
-          <a:prstGeom prst="rect">
-            <a:avLst/>
-          </a:prstGeom>
-          <a:noFill/>
-        </p:spPr>
-        <p:txBody>
-          <a:bodyPr wrap="square" rtlCol="0">
-            <a:spAutoFit/>
-          </a:bodyPr>
-          <a:lstStyle/>
-          <a:p>
-            <a:pPr algn="ctr"/>
-            <a:r>
-              <a:rPr lang="es-EC" sz="2400" dirty="0">
-                <a:latin typeface="Calibri Light" panose="020F0302020204030204" pitchFamily="34" charset="0"/>
-              </a:rPr>
-              <a:t>antes del desastre</a:t>
-            </a:r>
-          </a:p>
-        </p:txBody>
-      </p:sp>
-      <p:sp>
-        <p:nvSpPr>
-          <p:cNvPr id="6" name="CuadroTexto 5"/>
-          <p:cNvSpPr txBox="1"/>
-          <p:nvPr/>
-        </p:nvSpPr>
-        <p:spPr>
-          <a:xfrm>
-            <a:off x="7621856" y="6101351"/>
-            <a:ext cx="3261777" cy="461665"/>
-          </a:xfrm>
-          <a:prstGeom prst="rect">
-            <a:avLst/>
-          </a:prstGeom>
-          <a:noFill/>
-        </p:spPr>
-        <p:txBody>
-          <a:bodyPr wrap="square" rtlCol="0">
-            <a:spAutoFit/>
-          </a:bodyPr>
-          <a:lstStyle/>
-          <a:p>
-            <a:pPr algn="ctr"/>
-            <a:r>
-              <a:rPr lang="es-EC" sz="2400" dirty="0">
-                <a:latin typeface="Calibri Light" panose="020F0302020204030204" pitchFamily="34" charset="0"/>
-              </a:rPr>
-              <a:t>después del desastre</a:t>
-            </a:r>
-          </a:p>
-        </p:txBody>
-      </p:sp>
-      <p:cxnSp>
-        <p:nvCxnSpPr>
-          <p:cNvPr id="7" name="Conector recto 6"/>
-          <p:cNvCxnSpPr/>
-          <p:nvPr/>
-        </p:nvCxnSpPr>
-        <p:spPr>
-          <a:xfrm>
-            <a:off x="6219825" y="1818495"/>
-            <a:ext cx="0" cy="3702423"/>
-          </a:xfrm>
-          <a:prstGeom prst="line">
-            <a:avLst/>
-          </a:prstGeom>
-          <a:ln w="57150">
-            <a:solidFill>
-              <a:schemeClr val="tx1"/>
-            </a:solidFill>
-          </a:ln>
-        </p:spPr>
-        <p:style>
-          <a:lnRef idx="1">
-            <a:schemeClr val="accent1"/>
-          </a:lnRef>
-          <a:fillRef idx="0">
-            <a:schemeClr val="accent1"/>
-          </a:fillRef>
-          <a:effectRef idx="0">
-            <a:schemeClr val="accent1"/>
-          </a:effectRef>
-          <a:fontRef idx="minor">
-            <a:schemeClr val="tx1"/>
-          </a:fontRef>
-        </p:style>
-      </p:cxnSp>
-      <p:pic>
-        <p:nvPicPr>
-          <p:cNvPr id="8" name="Imagen 7"/>
-          <p:cNvPicPr>
-            <a:picLocks noChangeAspect="1"/>
-          </p:cNvPicPr>
-          <p:nvPr/>
-        </p:nvPicPr>
-        <p:blipFill>
-          <a:blip r:embed="rId2">
-            <a:extLst>
-              <a:ext uri="{28A0092B-C50C-407E-A947-70E740481C1C}">
-                <a14:useLocalDpi xmlns:a14="http://schemas.microsoft.com/office/drawing/2010/main" val="0"/>
-              </a:ext>
-            </a:extLst>
-          </a:blip>
-          <a:stretch>
-            <a:fillRect/>
-          </a:stretch>
-        </p:blipFill>
-        <p:spPr>
-          <a:xfrm>
-            <a:off x="28962" y="2651503"/>
-            <a:ext cx="3386190" cy="3185641"/>
-          </a:xfrm>
-          <a:prstGeom prst="rect">
-            <a:avLst/>
-          </a:prstGeom>
-        </p:spPr>
-      </p:pic>
-      <p:sp>
-        <p:nvSpPr>
-          <p:cNvPr id="9" name="Rectángulo 8"/>
-          <p:cNvSpPr/>
-          <p:nvPr/>
-        </p:nvSpPr>
-        <p:spPr>
-          <a:xfrm>
-            <a:off x="933501" y="4201678"/>
-            <a:ext cx="1577111" cy="1319240"/>
-          </a:xfrm>
-          <a:prstGeom prst="rect">
-            <a:avLst/>
-          </a:prstGeom>
-          <a:solidFill>
-            <a:schemeClr val="bg1"/>
-          </a:solidFill>
-          <a:ln>
-            <a:solidFill>
-              <a:schemeClr val="bg1"/>
-            </a:solidFill>
-          </a:ln>
-        </p:spPr>
-        <p:style>
-          <a:lnRef idx="2">
-            <a:schemeClr val="accent1">
-              <a:shade val="50000"/>
-            </a:schemeClr>
-          </a:lnRef>
-          <a:fillRef idx="1">
-            <a:schemeClr val="accent1"/>
-          </a:fillRef>
-          <a:effectRef idx="0">
-            <a:schemeClr val="accent1"/>
-          </a:effectRef>
-          <a:fontRef idx="minor">
-            <a:schemeClr val="lt1"/>
-          </a:fontRef>
-        </p:style>
-        <p:txBody>
-          <a:bodyPr rtlCol="0" anchor="ctr"/>
-          <a:lstStyle/>
-          <a:p>
-            <a:pPr algn="ctr"/>
-            <a:endParaRPr lang="es-EC"/>
-          </a:p>
-        </p:txBody>
-      </p:sp>
-      <p:pic>
-        <p:nvPicPr>
-          <p:cNvPr id="11" name="Imagen 10"/>
-          <p:cNvPicPr>
-            <a:picLocks noChangeAspect="1"/>
-          </p:cNvPicPr>
-          <p:nvPr/>
-        </p:nvPicPr>
-        <p:blipFill>
-          <a:blip r:embed="rId3" cstate="print">
-            <a:extLst>
-              <a:ext uri="{28A0092B-C50C-407E-A947-70E740481C1C}">
-                <a14:useLocalDpi xmlns:a14="http://schemas.microsoft.com/office/drawing/2010/main" val="0"/>
-              </a:ext>
-            </a:extLst>
-          </a:blip>
-          <a:stretch>
-            <a:fillRect/>
-          </a:stretch>
-        </p:blipFill>
-        <p:spPr>
-          <a:xfrm>
-            <a:off x="1067410" y="4343730"/>
-            <a:ext cx="1309291" cy="1309291"/>
-          </a:xfrm>
-          <a:prstGeom prst="rect">
-            <a:avLst/>
-          </a:prstGeom>
-        </p:spPr>
-      </p:pic>
-      <p:pic>
-        <p:nvPicPr>
-          <p:cNvPr id="13" name="Imagen 12"/>
-          <p:cNvPicPr>
-            <a:picLocks noChangeAspect="1"/>
-          </p:cNvPicPr>
-          <p:nvPr/>
-        </p:nvPicPr>
-        <p:blipFill>
-          <a:blip r:embed="rId4" cstate="print">
-            <a:extLst>
-              <a:ext uri="{28A0092B-C50C-407E-A947-70E740481C1C}">
-                <a14:useLocalDpi xmlns:a14="http://schemas.microsoft.com/office/drawing/2010/main" val="0"/>
-              </a:ext>
-            </a:extLst>
-          </a:blip>
-          <a:stretch>
-            <a:fillRect/>
-          </a:stretch>
-        </p:blipFill>
-        <p:spPr>
-          <a:xfrm>
-            <a:off x="1264025" y="4034698"/>
-            <a:ext cx="619448" cy="619448"/>
-          </a:xfrm>
-          <a:prstGeom prst="rect">
-            <a:avLst/>
-          </a:prstGeom>
-        </p:spPr>
-      </p:pic>
-      <p:sp>
-        <p:nvSpPr>
-          <p:cNvPr id="19" name="Rectángulo 18"/>
-          <p:cNvSpPr/>
-          <p:nvPr/>
-        </p:nvSpPr>
-        <p:spPr>
-          <a:xfrm>
-            <a:off x="7298442" y="4159032"/>
-            <a:ext cx="1577111" cy="1319240"/>
-          </a:xfrm>
-          <a:prstGeom prst="rect">
-            <a:avLst/>
-          </a:prstGeom>
-          <a:solidFill>
-            <a:schemeClr val="bg1"/>
-          </a:solidFill>
-          <a:ln>
-            <a:solidFill>
-              <a:schemeClr val="bg1"/>
-            </a:solidFill>
-          </a:ln>
-        </p:spPr>
-        <p:style>
-          <a:lnRef idx="2">
-            <a:schemeClr val="accent1">
-              <a:shade val="50000"/>
-            </a:schemeClr>
-          </a:lnRef>
-          <a:fillRef idx="1">
-            <a:schemeClr val="accent1"/>
-          </a:fillRef>
-          <a:effectRef idx="0">
-            <a:schemeClr val="accent1"/>
-          </a:effectRef>
-          <a:fontRef idx="minor">
-            <a:schemeClr val="lt1"/>
-          </a:fontRef>
-        </p:style>
-        <p:txBody>
-          <a:bodyPr rtlCol="0" anchor="ctr"/>
-          <a:lstStyle/>
-          <a:p>
-            <a:pPr algn="ctr"/>
-            <a:endParaRPr lang="es-EC"/>
-          </a:p>
-        </p:txBody>
-      </p:sp>
-      <p:pic>
-        <p:nvPicPr>
-          <p:cNvPr id="14" name="Imagen 13"/>
-          <p:cNvPicPr>
-            <a:picLocks noChangeAspect="1"/>
-          </p:cNvPicPr>
-          <p:nvPr/>
-        </p:nvPicPr>
-        <p:blipFill>
-          <a:blip r:embed="rId5" cstate="print">
-            <a:extLst>
-              <a:ext uri="{28A0092B-C50C-407E-A947-70E740481C1C}">
-                <a14:useLocalDpi xmlns:a14="http://schemas.microsoft.com/office/drawing/2010/main" val="0"/>
-              </a:ext>
-            </a:extLst>
-          </a:blip>
-          <a:stretch>
-            <a:fillRect/>
-          </a:stretch>
-        </p:blipFill>
-        <p:spPr>
-          <a:xfrm>
-            <a:off x="7621856" y="3974909"/>
-            <a:ext cx="630624" cy="630624"/>
-          </a:xfrm>
-          <a:prstGeom prst="rect">
-            <a:avLst/>
-          </a:prstGeom>
-        </p:spPr>
-      </p:pic>
-      <p:pic>
-        <p:nvPicPr>
-          <p:cNvPr id="23" name="Imagen 22"/>
-          <p:cNvPicPr>
-            <a:picLocks noChangeAspect="1"/>
-          </p:cNvPicPr>
-          <p:nvPr/>
-        </p:nvPicPr>
-        <p:blipFill rotWithShape="1">
-          <a:blip r:embed="rId6">
-            <a:extLst>
-              <a:ext uri="{28A0092B-C50C-407E-A947-70E740481C1C}">
-                <a14:useLocalDpi xmlns:a14="http://schemas.microsoft.com/office/drawing/2010/main" val="0"/>
-              </a:ext>
-            </a:extLst>
-          </a:blip>
-          <a:srcRect l="6143" r="52201"/>
-          <a:stretch/>
-        </p:blipFill>
-        <p:spPr>
-          <a:xfrm>
-            <a:off x="2743199" y="1381823"/>
-            <a:ext cx="3478307" cy="6121636"/>
-          </a:xfrm>
-          <a:prstGeom prst="rect">
-            <a:avLst/>
-          </a:prstGeom>
-        </p:spPr>
-      </p:pic>
-      <p:pic>
-        <p:nvPicPr>
-          <p:cNvPr id="25" name="Imagen 24"/>
-          <p:cNvPicPr>
-            <a:picLocks noChangeAspect="1"/>
-          </p:cNvPicPr>
-          <p:nvPr/>
-        </p:nvPicPr>
-        <p:blipFill rotWithShape="1">
-          <a:blip r:embed="rId7" cstate="print">
-            <a:extLst>
-              <a:ext uri="{28A0092B-C50C-407E-A947-70E740481C1C}">
-                <a14:useLocalDpi xmlns:a14="http://schemas.microsoft.com/office/drawing/2010/main" val="0"/>
-              </a:ext>
-            </a:extLst>
-          </a:blip>
-          <a:srcRect t="38235" b="30518"/>
-          <a:stretch/>
-        </p:blipFill>
-        <p:spPr>
-          <a:xfrm>
-            <a:off x="3246838" y="2325211"/>
-            <a:ext cx="2056080" cy="642464"/>
-          </a:xfrm>
-          <a:prstGeom prst="rect">
-            <a:avLst/>
-          </a:prstGeom>
-        </p:spPr>
-      </p:pic>
-      <p:pic>
-        <p:nvPicPr>
-          <p:cNvPr id="26" name="Imagen 25"/>
-          <p:cNvPicPr>
-            <a:picLocks noChangeAspect="1"/>
-          </p:cNvPicPr>
-          <p:nvPr/>
-        </p:nvPicPr>
-        <p:blipFill rotWithShape="1">
-          <a:blip r:embed="rId8">
-            <a:extLst>
-              <a:ext uri="{28A0092B-C50C-407E-A947-70E740481C1C}">
-                <a14:useLocalDpi xmlns:a14="http://schemas.microsoft.com/office/drawing/2010/main" val="0"/>
-              </a:ext>
-            </a:extLst>
-          </a:blip>
-          <a:srcRect t="45388" b="24306"/>
-          <a:stretch/>
-        </p:blipFill>
-        <p:spPr>
-          <a:xfrm>
-            <a:off x="9102538" y="2148237"/>
-            <a:ext cx="2503395" cy="758676"/>
-          </a:xfrm>
-          <a:prstGeom prst="rect">
-            <a:avLst/>
-          </a:prstGeom>
-        </p:spPr>
-      </p:pic>
-      <p:sp>
-        <p:nvSpPr>
-          <p:cNvPr id="27" name="CuadroTexto 26"/>
-          <p:cNvSpPr txBox="1"/>
-          <p:nvPr/>
-        </p:nvSpPr>
-        <p:spPr>
-          <a:xfrm>
-            <a:off x="8894315" y="2342909"/>
-            <a:ext cx="548548" cy="369332"/>
-          </a:xfrm>
-          <a:prstGeom prst="rect">
-            <a:avLst/>
-          </a:prstGeom>
-          <a:noFill/>
-        </p:spPr>
-        <p:txBody>
-          <a:bodyPr wrap="none" rtlCol="0">
-            <a:spAutoFit/>
-          </a:bodyPr>
-          <a:lstStyle/>
-          <a:p>
-            <a:r>
-              <a:rPr lang="es-EC" dirty="0" smtClean="0"/>
-              <a:t>SOS</a:t>
-            </a:r>
-            <a:endParaRPr lang="es-EC" dirty="0"/>
-          </a:p>
-        </p:txBody>
-      </p:sp>
-      <p:pic>
-        <p:nvPicPr>
-          <p:cNvPr id="2" name="Imagen 1"/>
-          <p:cNvPicPr>
-            <a:picLocks noChangeAspect="1"/>
-          </p:cNvPicPr>
-          <p:nvPr/>
-        </p:nvPicPr>
-        <p:blipFill>
-          <a:blip r:embed="rId9">
-            <a:extLst>
-              <a:ext uri="{28A0092B-C50C-407E-A947-70E740481C1C}">
-                <a14:useLocalDpi xmlns:a14="http://schemas.microsoft.com/office/drawing/2010/main" val="0"/>
-              </a:ext>
-            </a:extLst>
-          </a:blip>
-          <a:stretch>
-            <a:fillRect/>
-          </a:stretch>
-        </p:blipFill>
-        <p:spPr>
-          <a:xfrm>
-            <a:off x="5871230" y="1539242"/>
-            <a:ext cx="4762500" cy="4762500"/>
-          </a:xfrm>
-          <a:prstGeom prst="rect">
-            <a:avLst/>
-          </a:prstGeom>
-        </p:spPr>
-      </p:pic>
-      <p:pic>
-        <p:nvPicPr>
-          <p:cNvPr id="12" name="Imagen 11"/>
-          <p:cNvPicPr>
-            <a:picLocks noChangeAspect="1"/>
-          </p:cNvPicPr>
-          <p:nvPr/>
-        </p:nvPicPr>
-        <p:blipFill>
-          <a:blip r:embed="rId10" cstate="print">
-            <a:extLst>
-              <a:ext uri="{28A0092B-C50C-407E-A947-70E740481C1C}">
-                <a14:useLocalDpi xmlns:a14="http://schemas.microsoft.com/office/drawing/2010/main" val="0"/>
-              </a:ext>
-            </a:extLst>
-          </a:blip>
-          <a:stretch>
-            <a:fillRect/>
-          </a:stretch>
-        </p:blipFill>
-        <p:spPr>
-          <a:xfrm>
-            <a:off x="7334451" y="4214762"/>
-            <a:ext cx="1505091" cy="1505091"/>
-          </a:xfrm>
-          <a:prstGeom prst="rect">
-            <a:avLst/>
-          </a:prstGeom>
-        </p:spPr>
-      </p:pic>
-      <p:pic>
-        <p:nvPicPr>
-          <p:cNvPr id="3" name="Imagen 2"/>
-          <p:cNvPicPr>
-            <a:picLocks noChangeAspect="1"/>
-          </p:cNvPicPr>
-          <p:nvPr/>
-        </p:nvPicPr>
-        <p:blipFill rotWithShape="1">
-          <a:blip r:embed="rId11">
-            <a:extLst>
-              <a:ext uri="{28A0092B-C50C-407E-A947-70E740481C1C}">
-                <a14:useLocalDpi xmlns:a14="http://schemas.microsoft.com/office/drawing/2010/main" val="0"/>
-              </a:ext>
-            </a:extLst>
-          </a:blip>
-          <a:srcRect t="25546" r="20978" b="26857"/>
-          <a:stretch/>
-        </p:blipFill>
-        <p:spPr>
-          <a:xfrm>
-            <a:off x="8751041" y="3648635"/>
-            <a:ext cx="3467853" cy="2088777"/>
-          </a:xfrm>
-          <a:prstGeom prst="rect">
-            <a:avLst/>
-          </a:prstGeom>
-        </p:spPr>
-      </p:pic>
-    </p:spTree>
-    <p:extLst>
-      <p:ext uri="{BB962C8B-B14F-4D97-AF65-F5344CB8AC3E}">
-        <p14:creationId xmlns:p14="http://schemas.microsoft.com/office/powerpoint/2010/main" val="55478903"/>
-      </p:ext>
-    </p:extLst>
-  </p:cSld>
-  <p:clrMapOvr>
-    <a:masterClrMapping/>
-  </p:clrMapOvr>
-  <p:timing>
-    <p:tnLst>
-      <p:par>
-        <p:cTn id="1" dur="indefinite" restart="never" nodeType="tmRoot">
-          <p:childTnLst>
-            <p:seq concurrent="1" nextAc="seek">
-              <p:cTn id="2" dur="indefinite" nodeType="mainSeq">
-                <p:childTnLst>
-                  <p:par>
-                    <p:cTn id="3" fill="hold">
-                      <p:stCondLst>
-                        <p:cond delay="indefinite"/>
-                        <p:cond evt="onBegin" delay="0">
-                          <p:tn val="2"/>
-                        </p:cond>
-                      </p:stCondLst>
-                      <p:childTnLst>
-                        <p:par>
-                          <p:cTn id="4" fill="hold">
-                            <p:stCondLst>
-                              <p:cond delay="0"/>
-                            </p:stCondLst>
-                            <p:childTnLst>
-                              <p:par>
-                                <p:cTn id="5" presetID="10" presetClass="entr" presetSubtype="0" fill="hold" grpId="0" nodeType="withEffect">
-                                  <p:stCondLst>
-                                    <p:cond delay="0"/>
-                                  </p:stCondLst>
-                                  <p:childTnLst>
-                                    <p:set>
-                                      <p:cBhvr>
-                                        <p:cTn id="6" dur="1" fill="hold">
-                                          <p:stCondLst>
-                                            <p:cond delay="0"/>
-                                          </p:stCondLst>
-                                        </p:cTn>
-                                        <p:tgtEl>
-                                          <p:spTgt spid="5"/>
-                                        </p:tgtEl>
-                                        <p:attrNameLst>
-                                          <p:attrName>style.visibility</p:attrName>
-                                        </p:attrNameLst>
-                                      </p:cBhvr>
-                                      <p:to>
-                                        <p:strVal val="visible"/>
-                                      </p:to>
-                                    </p:set>
-                                    <p:animEffect transition="in" filter="fade">
-                                      <p:cBhvr>
-                                        <p:cTn id="7" dur="500"/>
-                                        <p:tgtEl>
-                                          <p:spTgt spid="5"/>
-                                        </p:tgtEl>
-                                      </p:cBhvr>
-                                    </p:animEffect>
-                                  </p:childTnLst>
-                                </p:cTn>
-                              </p:par>
-                            </p:childTnLst>
-                          </p:cTn>
-                        </p:par>
-                        <p:par>
-                          <p:cTn id="8" fill="hold">
-                            <p:stCondLst>
-                              <p:cond delay="500"/>
-                            </p:stCondLst>
-                            <p:childTnLst>
-                              <p:par>
-                                <p:cTn id="9" presetID="10" presetClass="entr" presetSubtype="0" fill="hold" grpId="0" nodeType="afterEffect">
-                                  <p:stCondLst>
-                                    <p:cond delay="0"/>
-                                  </p:stCondLst>
-                                  <p:childTnLst>
-                                    <p:set>
-                                      <p:cBhvr>
-                                        <p:cTn id="10" dur="1" fill="hold">
-                                          <p:stCondLst>
-                                            <p:cond delay="0"/>
-                                          </p:stCondLst>
-                                        </p:cTn>
-                                        <p:tgtEl>
-                                          <p:spTgt spid="6"/>
-                                        </p:tgtEl>
-                                        <p:attrNameLst>
-                                          <p:attrName>style.visibility</p:attrName>
-                                        </p:attrNameLst>
-                                      </p:cBhvr>
-                                      <p:to>
-                                        <p:strVal val="visible"/>
-                                      </p:to>
-                                    </p:set>
-                                    <p:animEffect transition="in" filter="fade">
-                                      <p:cBhvr>
-                                        <p:cTn id="11" dur="500"/>
-                                        <p:tgtEl>
-                                          <p:spTgt spid="6"/>
-                                        </p:tgtEl>
-                                      </p:cBhvr>
-                                    </p:animEffect>
-                                  </p:childTnLst>
-                                </p:cTn>
-                              </p:par>
-                            </p:childTnLst>
-                          </p:cTn>
-                        </p:par>
-                      </p:childTnLst>
-                    </p:cTn>
-                  </p:par>
-                </p:childTnLst>
-              </p:cTn>
-              <p:prevCondLst>
-                <p:cond evt="onPrev" delay="0">
-                  <p:tgtEl>
-                    <p:sldTgt/>
-                  </p:tgtEl>
-                </p:cond>
-              </p:prevCondLst>
-              <p:nextCondLst>
-                <p:cond evt="onNext" delay="0">
-                  <p:tgtEl>
-                    <p:sldTgt/>
-                  </p:tgtEl>
-                </p:cond>
-              </p:nextCondLst>
-            </p:seq>
-          </p:childTnLst>
-        </p:cTn>
-      </p:par>
-    </p:tnLst>
-    <p:bldLst>
-      <p:bldP spid="5" grpId="0"/>
-      <p:bldP spid="6" grpId="0"/>
-    </p:bldLst>
-  </p:timing>
-</p:sld>
-</file>
-
-<file path=ppt/slides/slide11.xml><?xml version="1.0" encoding="utf-8"?>
-<p:sld xmlns:a="http://schemas.openxmlformats.org/drawingml/2006/main" xmlns:r="http://schemas.openxmlformats.org/officeDocument/2006/relationships" xmlns:p="http://schemas.openxmlformats.org/presentationml/2006/main">
-  <p:cSld>
-    <p:spTree>
-      <p:nvGrpSpPr>
-        <p:cNvPr id="1" name=""/>
-        <p:cNvGrpSpPr/>
-        <p:nvPr/>
-      </p:nvGrpSpPr>
-      <p:grpSpPr>
-        <a:xfrm>
-          <a:off x="0" y="0"/>
-          <a:ext cx="0" cy="0"/>
-          <a:chOff x="0" y="0"/>
-          <a:chExt cx="0" cy="0"/>
-        </a:xfrm>
-      </p:grpSpPr>
-      <p:pic>
-        <p:nvPicPr>
-          <p:cNvPr id="13" name="Imagen 12"/>
-          <p:cNvPicPr>
-            <a:picLocks noChangeAspect="1"/>
-          </p:cNvPicPr>
-          <p:nvPr/>
-        </p:nvPicPr>
-        <p:blipFill>
-          <a:blip r:embed="rId2">
-            <a:extLst>
-              <a:ext uri="{28A0092B-C50C-407E-A947-70E740481C1C}">
-                <a14:useLocalDpi xmlns:a14="http://schemas.microsoft.com/office/drawing/2010/main" val="0"/>
-              </a:ext>
-            </a:extLst>
-          </a:blip>
-          <a:stretch>
-            <a:fillRect/>
-          </a:stretch>
-        </p:blipFill>
-        <p:spPr>
-          <a:xfrm>
-            <a:off x="0" y="0"/>
-            <a:ext cx="12192000" cy="6858000"/>
-          </a:xfrm>
-          <a:prstGeom prst="rect">
-            <a:avLst/>
-          </a:prstGeom>
-        </p:spPr>
-      </p:pic>
-      <p:pic>
-        <p:nvPicPr>
-          <p:cNvPr id="14" name="Imagen 13"/>
-          <p:cNvPicPr>
-            <a:picLocks noChangeAspect="1"/>
-          </p:cNvPicPr>
-          <p:nvPr/>
-        </p:nvPicPr>
-        <p:blipFill>
-          <a:blip r:embed="rId3">
-            <a:extLst>
-              <a:ext uri="{28A0092B-C50C-407E-A947-70E740481C1C}">
-                <a14:useLocalDpi xmlns:a14="http://schemas.microsoft.com/office/drawing/2010/main" val="0"/>
-              </a:ext>
-            </a:extLst>
-          </a:blip>
-          <a:stretch>
-            <a:fillRect/>
-          </a:stretch>
-        </p:blipFill>
-        <p:spPr>
-          <a:xfrm>
-            <a:off x="0" y="0"/>
-            <a:ext cx="12192000" cy="6858000"/>
-          </a:xfrm>
-          <a:prstGeom prst="rect">
-            <a:avLst/>
-          </a:prstGeom>
-        </p:spPr>
-      </p:pic>
-      <p:pic>
-        <p:nvPicPr>
-          <p:cNvPr id="15" name="Imagen 14"/>
-          <p:cNvPicPr>
-            <a:picLocks noChangeAspect="1"/>
-          </p:cNvPicPr>
-          <p:nvPr/>
-        </p:nvPicPr>
-        <p:blipFill>
-          <a:blip r:embed="rId4">
-            <a:extLst>
-              <a:ext uri="{28A0092B-C50C-407E-A947-70E740481C1C}">
-                <a14:useLocalDpi xmlns:a14="http://schemas.microsoft.com/office/drawing/2010/main" val="0"/>
-              </a:ext>
-            </a:extLst>
-          </a:blip>
-          <a:stretch>
-            <a:fillRect/>
-          </a:stretch>
-        </p:blipFill>
-        <p:spPr>
-          <a:xfrm>
-            <a:off x="0" y="0"/>
-            <a:ext cx="12192000" cy="6858000"/>
-          </a:xfrm>
-          <a:prstGeom prst="rect">
-            <a:avLst/>
-          </a:prstGeom>
-        </p:spPr>
-      </p:pic>
-      <p:pic>
-        <p:nvPicPr>
-          <p:cNvPr id="16" name="Imagen 15"/>
-          <p:cNvPicPr>
-            <a:picLocks noChangeAspect="1"/>
-          </p:cNvPicPr>
-          <p:nvPr/>
-        </p:nvPicPr>
-        <p:blipFill>
-          <a:blip r:embed="rId5">
-            <a:extLst>
-              <a:ext uri="{28A0092B-C50C-407E-A947-70E740481C1C}">
-                <a14:useLocalDpi xmlns:a14="http://schemas.microsoft.com/office/drawing/2010/main" val="0"/>
-              </a:ext>
-            </a:extLst>
-          </a:blip>
-          <a:stretch>
-            <a:fillRect/>
-          </a:stretch>
-        </p:blipFill>
-        <p:spPr>
-          <a:xfrm>
-            <a:off x="0" y="0"/>
-            <a:ext cx="12192000" cy="6858000"/>
-          </a:xfrm>
-          <a:prstGeom prst="rect">
-            <a:avLst/>
-          </a:prstGeom>
-        </p:spPr>
-      </p:pic>
-      <p:pic>
-        <p:nvPicPr>
-          <p:cNvPr id="23" name="Imagen 22"/>
-          <p:cNvPicPr>
-            <a:picLocks noChangeAspect="1"/>
-          </p:cNvPicPr>
-          <p:nvPr/>
-        </p:nvPicPr>
-        <p:blipFill>
-          <a:blip r:embed="rId6">
-            <a:extLst>
-              <a:ext uri="{BEBA8EAE-BF5A-486C-A8C5-ECC9F3942E4B}">
-                <a14:imgProps xmlns:a14="http://schemas.microsoft.com/office/drawing/2010/main">
-                  <a14:imgLayer r:embed="rId7">
-                    <a14:imgEffect>
-                      <a14:artisticPencilGrayscale/>
-                    </a14:imgEffect>
-                  </a14:imgLayer>
-                </a14:imgProps>
-              </a:ext>
-              <a:ext uri="{28A0092B-C50C-407E-A947-70E740481C1C}">
-                <a14:useLocalDpi xmlns:a14="http://schemas.microsoft.com/office/drawing/2010/main" val="0"/>
-              </a:ext>
-            </a:extLst>
-          </a:blip>
-          <a:stretch>
-            <a:fillRect/>
-          </a:stretch>
-        </p:blipFill>
-        <p:spPr>
-          <a:xfrm>
-            <a:off x="3886201" y="-320646"/>
-            <a:ext cx="3426648" cy="2994314"/>
-          </a:xfrm>
-          <a:prstGeom prst="rect">
-            <a:avLst/>
-          </a:prstGeom>
-        </p:spPr>
-      </p:pic>
-      <p:pic>
-        <p:nvPicPr>
-          <p:cNvPr id="24" name="Imagen 23"/>
-          <p:cNvPicPr>
-            <a:picLocks noChangeAspect="1"/>
-          </p:cNvPicPr>
-          <p:nvPr/>
-        </p:nvPicPr>
-        <p:blipFill>
-          <a:blip r:embed="rId8">
-            <a:extLst>
-              <a:ext uri="{28A0092B-C50C-407E-A947-70E740481C1C}">
-                <a14:useLocalDpi xmlns:a14="http://schemas.microsoft.com/office/drawing/2010/main" val="0"/>
-              </a:ext>
-            </a:extLst>
-          </a:blip>
-          <a:stretch>
-            <a:fillRect/>
-          </a:stretch>
-        </p:blipFill>
-        <p:spPr>
-          <a:xfrm rot="12386303">
-            <a:off x="6597968" y="582930"/>
-            <a:ext cx="2409825" cy="1790700"/>
-          </a:xfrm>
-          <a:prstGeom prst="rect">
-            <a:avLst/>
-          </a:prstGeom>
-        </p:spPr>
-      </p:pic>
-      <p:pic>
-        <p:nvPicPr>
-          <p:cNvPr id="25" name="Imagen 24"/>
-          <p:cNvPicPr>
-            <a:picLocks noChangeAspect="1"/>
-          </p:cNvPicPr>
-          <p:nvPr/>
-        </p:nvPicPr>
-        <p:blipFill rotWithShape="1">
-          <a:blip r:embed="rId9">
-            <a:extLst>
-              <a:ext uri="{28A0092B-C50C-407E-A947-70E740481C1C}">
-                <a14:useLocalDpi xmlns:a14="http://schemas.microsoft.com/office/drawing/2010/main" val="0"/>
-              </a:ext>
-            </a:extLst>
-          </a:blip>
-          <a:srcRect l="36726" t="38216" r="35568" b="24248"/>
-          <a:stretch/>
-        </p:blipFill>
-        <p:spPr>
-          <a:xfrm>
-            <a:off x="5223605" y="914400"/>
-            <a:ext cx="751840" cy="756920"/>
-          </a:xfrm>
-          <a:prstGeom prst="ellipse">
-            <a:avLst/>
-          </a:prstGeom>
-        </p:spPr>
-      </p:pic>
-      <p:pic>
-        <p:nvPicPr>
-          <p:cNvPr id="9" name="Imagen 8"/>
-          <p:cNvPicPr>
-            <a:picLocks noChangeAspect="1"/>
-          </p:cNvPicPr>
-          <p:nvPr/>
-        </p:nvPicPr>
-        <p:blipFill>
-          <a:blip r:embed="rId8">
-            <a:extLst>
-              <a:ext uri="{28A0092B-C50C-407E-A947-70E740481C1C}">
-                <a14:useLocalDpi xmlns:a14="http://schemas.microsoft.com/office/drawing/2010/main" val="0"/>
-              </a:ext>
-            </a:extLst>
-          </a:blip>
-          <a:stretch>
-            <a:fillRect/>
-          </a:stretch>
-        </p:blipFill>
-        <p:spPr>
-          <a:xfrm rot="210144">
-            <a:off x="2345367" y="1183897"/>
-            <a:ext cx="2409825" cy="1790700"/>
-          </a:xfrm>
-          <a:prstGeom prst="rect">
-            <a:avLst/>
-          </a:prstGeom>
-        </p:spPr>
-      </p:pic>
-      <p:sp>
-        <p:nvSpPr>
-          <p:cNvPr id="10" name="CuadroTexto 9"/>
-          <p:cNvSpPr txBox="1"/>
-          <p:nvPr/>
-        </p:nvSpPr>
-        <p:spPr>
-          <a:xfrm rot="19755071">
-            <a:off x="2070656" y="1346381"/>
-            <a:ext cx="1877993" cy="892552"/>
-          </a:xfrm>
-          <a:prstGeom prst="rect">
-            <a:avLst/>
-          </a:prstGeom>
-          <a:noFill/>
-        </p:spPr>
-        <p:txBody>
-          <a:bodyPr wrap="square" rtlCol="0">
-            <a:spAutoFit/>
-          </a:bodyPr>
-          <a:lstStyle/>
-          <a:p>
-            <a:pPr algn="ctr"/>
-            <a:r>
-              <a:rPr lang="es-EC" sz="2800" dirty="0" smtClean="0">
-                <a:latin typeface="Poiret One" panose="02000000000000000000" pitchFamily="2" charset="0"/>
-              </a:rPr>
-              <a:t>SOS </a:t>
-            </a:r>
-            <a:r>
-              <a:rPr lang="es-EC" sz="2800" dirty="0" err="1" smtClean="0">
-                <a:latin typeface="Poiret One" panose="02000000000000000000" pitchFamily="2" charset="0"/>
-              </a:rPr>
-              <a:t>info</a:t>
-            </a:r>
-            <a:endParaRPr lang="es-EC" sz="2400" dirty="0" smtClean="0"/>
-          </a:p>
-          <a:p>
-            <a:pPr algn="ctr"/>
-            <a:endParaRPr lang="es-EC" sz="2400" dirty="0">
-              <a:solidFill>
-                <a:srgbClr val="014455"/>
-              </a:solidFill>
-            </a:endParaRPr>
-          </a:p>
-        </p:txBody>
-      </p:sp>
-      <p:pic>
-        <p:nvPicPr>
-          <p:cNvPr id="11" name="Imagen 10"/>
-          <p:cNvPicPr>
-            <a:picLocks noChangeAspect="1"/>
-          </p:cNvPicPr>
-          <p:nvPr/>
-        </p:nvPicPr>
-        <p:blipFill>
-          <a:blip r:embed="rId10">
-            <a:extLst>
-              <a:ext uri="{28A0092B-C50C-407E-A947-70E740481C1C}">
-                <a14:useLocalDpi xmlns:a14="http://schemas.microsoft.com/office/drawing/2010/main" val="0"/>
-              </a:ext>
-            </a:extLst>
-          </a:blip>
-          <a:stretch>
-            <a:fillRect/>
-          </a:stretch>
-        </p:blipFill>
-        <p:spPr>
-          <a:xfrm rot="283301">
-            <a:off x="6089824" y="1328186"/>
-            <a:ext cx="2021470" cy="1502120"/>
-          </a:xfrm>
-          <a:prstGeom prst="rect">
-            <a:avLst/>
-          </a:prstGeom>
-        </p:spPr>
-      </p:pic>
-      <p:sp>
-        <p:nvSpPr>
-          <p:cNvPr id="12" name="CuadroTexto 11"/>
-          <p:cNvSpPr txBox="1"/>
-          <p:nvPr/>
-        </p:nvSpPr>
-        <p:spPr>
-          <a:xfrm>
-            <a:off x="5850822" y="1186694"/>
-            <a:ext cx="1877993" cy="892552"/>
-          </a:xfrm>
-          <a:prstGeom prst="rect">
-            <a:avLst/>
-          </a:prstGeom>
-          <a:noFill/>
-        </p:spPr>
-        <p:txBody>
-          <a:bodyPr wrap="square" rtlCol="0">
-            <a:spAutoFit/>
-          </a:bodyPr>
-          <a:lstStyle/>
-          <a:p>
-            <a:pPr algn="ctr"/>
-            <a:r>
-              <a:rPr lang="es-EC" sz="2800" dirty="0" smtClean="0">
-                <a:latin typeface="Poiret One" panose="02000000000000000000" pitchFamily="2" charset="0"/>
-              </a:rPr>
-              <a:t>SOS </a:t>
-            </a:r>
-            <a:r>
-              <a:rPr lang="es-EC" sz="2800" dirty="0" err="1" smtClean="0">
-                <a:latin typeface="Poiret One" panose="02000000000000000000" pitchFamily="2" charset="0"/>
-              </a:rPr>
-              <a:t>info</a:t>
-            </a:r>
-            <a:endParaRPr lang="es-EC" sz="2400" dirty="0" smtClean="0"/>
-          </a:p>
-          <a:p>
-            <a:pPr algn="ctr"/>
-            <a:endParaRPr lang="es-EC" sz="2400" dirty="0">
-              <a:solidFill>
-                <a:srgbClr val="014455"/>
-              </a:solidFill>
-            </a:endParaRPr>
-          </a:p>
-        </p:txBody>
-      </p:sp>
-      <p:pic>
-        <p:nvPicPr>
-          <p:cNvPr id="18" name="Imagen 17"/>
-          <p:cNvPicPr>
-            <a:picLocks noChangeAspect="1"/>
-          </p:cNvPicPr>
-          <p:nvPr/>
-        </p:nvPicPr>
-        <p:blipFill>
-          <a:blip r:embed="rId8">
-            <a:extLst>
-              <a:ext uri="{28A0092B-C50C-407E-A947-70E740481C1C}">
-                <a14:useLocalDpi xmlns:a14="http://schemas.microsoft.com/office/drawing/2010/main" val="0"/>
-              </a:ext>
-            </a:extLst>
-          </a:blip>
-          <a:stretch>
-            <a:fillRect/>
-          </a:stretch>
-        </p:blipFill>
-        <p:spPr>
-          <a:xfrm rot="3550507" flipH="1">
-            <a:off x="9994655" y="2877919"/>
-            <a:ext cx="1786383" cy="1327431"/>
-          </a:xfrm>
-          <a:prstGeom prst="rect">
-            <a:avLst/>
-          </a:prstGeom>
-        </p:spPr>
-      </p:pic>
-      <p:sp>
-        <p:nvSpPr>
-          <p:cNvPr id="19" name="CuadroTexto 18"/>
-          <p:cNvSpPr txBox="1"/>
-          <p:nvPr/>
-        </p:nvSpPr>
-        <p:spPr>
-          <a:xfrm>
-            <a:off x="10314007" y="4414547"/>
-            <a:ext cx="1877993" cy="892552"/>
-          </a:xfrm>
-          <a:prstGeom prst="rect">
-            <a:avLst/>
-          </a:prstGeom>
-          <a:noFill/>
-        </p:spPr>
-        <p:txBody>
-          <a:bodyPr wrap="square" rtlCol="0">
-            <a:spAutoFit/>
-          </a:bodyPr>
-          <a:lstStyle/>
-          <a:p>
-            <a:pPr algn="ctr"/>
-            <a:r>
-              <a:rPr lang="es-EC" sz="2800" dirty="0" smtClean="0">
-                <a:latin typeface="Poiret One" panose="02000000000000000000" pitchFamily="2" charset="0"/>
-              </a:rPr>
-              <a:t>SOS </a:t>
-            </a:r>
-            <a:r>
-              <a:rPr lang="es-EC" sz="2800" dirty="0" err="1" smtClean="0">
-                <a:latin typeface="Poiret One" panose="02000000000000000000" pitchFamily="2" charset="0"/>
-              </a:rPr>
-              <a:t>info</a:t>
-            </a:r>
-            <a:endParaRPr lang="es-EC" sz="2400" dirty="0" smtClean="0"/>
-          </a:p>
-          <a:p>
-            <a:pPr algn="ctr"/>
-            <a:endParaRPr lang="es-EC" sz="2400" dirty="0">
-              <a:solidFill>
-                <a:srgbClr val="014455"/>
-              </a:solidFill>
-            </a:endParaRPr>
-          </a:p>
-        </p:txBody>
-      </p:sp>
-    </p:spTree>
-    <p:extLst>
-      <p:ext uri="{BB962C8B-B14F-4D97-AF65-F5344CB8AC3E}">
-        <p14:creationId xmlns:p14="http://schemas.microsoft.com/office/powerpoint/2010/main" val="1062597634"/>
-      </p:ext>
-    </p:extLst>
-  </p:cSld>
-  <p:clrMapOvr>
-    <a:masterClrMapping/>
-  </p:clrMapOvr>
-  <p:timing>
-    <p:tnLst>
-      <p:par>
-        <p:cTn id="1" dur="indefinite" restart="never" nodeType="tmRoot">
-          <p:childTnLst>
-            <p:seq concurrent="1" nextAc="seek">
-              <p:cTn id="2" dur="indefinite" nodeType="mainSeq">
-                <p:childTnLst>
-                  <p:par>
-                    <p:cTn id="3" fill="hold">
-                      <p:stCondLst>
-                        <p:cond delay="indefinite"/>
-                        <p:cond evt="onBegin" delay="0">
-                          <p:tn val="2"/>
-                        </p:cond>
-                      </p:stCondLst>
-                      <p:childTnLst>
-                        <p:par>
-                          <p:cTn id="4" fill="hold">
-                            <p:stCondLst>
-                              <p:cond delay="0"/>
-                            </p:stCondLst>
-                            <p:childTnLst>
-                              <p:par>
-                                <p:cTn id="5" presetID="10" presetClass="entr" presetSubtype="0" fill="hold" nodeType="withEffect">
-                                  <p:stCondLst>
-                                    <p:cond delay="0"/>
-                                  </p:stCondLst>
-                                  <p:childTnLst>
-                                    <p:set>
-                                      <p:cBhvr>
-                                        <p:cTn id="6" dur="1" fill="hold">
-                                          <p:stCondLst>
-                                            <p:cond delay="0"/>
-                                          </p:stCondLst>
-                                        </p:cTn>
-                                        <p:tgtEl>
-                                          <p:spTgt spid="13"/>
-                                        </p:tgtEl>
-                                        <p:attrNameLst>
-                                          <p:attrName>style.visibility</p:attrName>
-                                        </p:attrNameLst>
-                                      </p:cBhvr>
-                                      <p:to>
-                                        <p:strVal val="visible"/>
-                                      </p:to>
-                                    </p:set>
-                                    <p:animEffect transition="in" filter="fade">
-                                      <p:cBhvr>
-                                        <p:cTn id="7" dur="1000"/>
-                                        <p:tgtEl>
-                                          <p:spTgt spid="13"/>
-                                        </p:tgtEl>
-                                      </p:cBhvr>
-                                    </p:animEffect>
-                                  </p:childTnLst>
-                                </p:cTn>
-                              </p:par>
-                              <p:par>
-                                <p:cTn id="8" presetID="22" presetClass="entr" presetSubtype="4" fill="hold" nodeType="withEffect">
-                                  <p:stCondLst>
-                                    <p:cond delay="0"/>
-                                  </p:stCondLst>
-                                  <p:childTnLst>
-                                    <p:set>
-                                      <p:cBhvr>
-                                        <p:cTn id="9" dur="1" fill="hold">
-                                          <p:stCondLst>
-                                            <p:cond delay="0"/>
-                                          </p:stCondLst>
-                                        </p:cTn>
-                                        <p:tgtEl>
-                                          <p:spTgt spid="14"/>
-                                        </p:tgtEl>
-                                        <p:attrNameLst>
-                                          <p:attrName>style.visibility</p:attrName>
-                                        </p:attrNameLst>
-                                      </p:cBhvr>
-                                      <p:to>
-                                        <p:strVal val="visible"/>
-                                      </p:to>
-                                    </p:set>
-                                    <p:animEffect transition="in" filter="wipe(down)">
-                                      <p:cBhvr>
-                                        <p:cTn id="10" dur="4000"/>
-                                        <p:tgtEl>
-                                          <p:spTgt spid="14"/>
-                                        </p:tgtEl>
-                                      </p:cBhvr>
-                                    </p:animEffect>
-                                  </p:childTnLst>
-                                </p:cTn>
-                              </p:par>
-                              <p:par>
-                                <p:cTn id="11" presetID="1" presetClass="entr" presetSubtype="0" fill="hold" nodeType="withEffect">
-                                  <p:stCondLst>
-                                    <p:cond delay="0"/>
-                                  </p:stCondLst>
-                                  <p:childTnLst>
-                                    <p:set>
-                                      <p:cBhvr>
-                                        <p:cTn id="12" dur="1" fill="hold">
-                                          <p:stCondLst>
-                                            <p:cond delay="0"/>
-                                          </p:stCondLst>
-                                        </p:cTn>
-                                        <p:tgtEl>
-                                          <p:spTgt spid="15"/>
-                                        </p:tgtEl>
-                                        <p:attrNameLst>
-                                          <p:attrName>style.visibility</p:attrName>
-                                        </p:attrNameLst>
-                                      </p:cBhvr>
-                                      <p:to>
-                                        <p:strVal val="visible"/>
-                                      </p:to>
-                                    </p:set>
-                                  </p:childTnLst>
-                                </p:cTn>
-                              </p:par>
-                            </p:childTnLst>
-                          </p:cTn>
-                        </p:par>
-                        <p:par>
-                          <p:cTn id="13" fill="hold">
-                            <p:stCondLst>
-                              <p:cond delay="4000"/>
-                            </p:stCondLst>
-                            <p:childTnLst>
-                              <p:par>
-                                <p:cTn id="14" presetID="26" presetClass="emph" presetSubtype="0" repeatCount="indefinite" fill="hold" nodeType="afterEffect">
-                                  <p:stCondLst>
-                                    <p:cond delay="0"/>
-                                  </p:stCondLst>
-                                  <p:childTnLst>
-                                    <p:animEffect transition="out" filter="fade">
-                                      <p:cBhvr>
-                                        <p:cTn id="15" dur="500" tmFilter="0, 0; .2, .5; .8, .5; 1, 0"/>
-                                        <p:tgtEl>
-                                          <p:spTgt spid="15"/>
-                                        </p:tgtEl>
-                                      </p:cBhvr>
-                                    </p:animEffect>
-                                    <p:animScale>
-                                      <p:cBhvr>
-                                        <p:cTn id="16" dur="250" autoRev="1" fill="hold"/>
-                                        <p:tgtEl>
-                                          <p:spTgt spid="15"/>
-                                        </p:tgtEl>
-                                      </p:cBhvr>
-                                      <p:by x="105000" y="105000"/>
-                                    </p:animScale>
-                                  </p:childTnLst>
-                                </p:cTn>
-                              </p:par>
-                            </p:childTnLst>
-                          </p:cTn>
-                        </p:par>
-                      </p:childTnLst>
-                    </p:cTn>
-                  </p:par>
-                  <p:par>
-                    <p:cTn id="17" fill="hold">
-                      <p:stCondLst>
-                        <p:cond delay="indefinite"/>
-                      </p:stCondLst>
-                      <p:childTnLst>
-                        <p:par>
-                          <p:cTn id="18" fill="hold">
-                            <p:stCondLst>
-                              <p:cond delay="0"/>
-                            </p:stCondLst>
-                            <p:childTnLst>
-                              <p:par>
-                                <p:cTn id="19" presetID="1" presetClass="entr" presetSubtype="0" fill="hold" nodeType="clickEffect">
-                                  <p:stCondLst>
-                                    <p:cond delay="0"/>
-                                  </p:stCondLst>
-                                  <p:childTnLst>
-                                    <p:set>
-                                      <p:cBhvr>
-                                        <p:cTn id="20" dur="1" fill="hold">
-                                          <p:stCondLst>
-                                            <p:cond delay="0"/>
-                                          </p:stCondLst>
-                                        </p:cTn>
-                                        <p:tgtEl>
-                                          <p:spTgt spid="16"/>
-                                        </p:tgtEl>
-                                        <p:attrNameLst>
-                                          <p:attrName>style.visibility</p:attrName>
-                                        </p:attrNameLst>
-                                      </p:cBhvr>
-                                      <p:to>
-                                        <p:strVal val="visible"/>
-                                      </p:to>
-                                    </p:set>
-                                  </p:childTnLst>
-                                </p:cTn>
-                              </p:par>
-                              <p:par>
-                                <p:cTn id="21" presetID="26" presetClass="emph" presetSubtype="0" repeatCount="indefinite" fill="hold" nodeType="withEffect">
-                                  <p:stCondLst>
-                                    <p:cond delay="0"/>
-                                  </p:stCondLst>
-                                  <p:childTnLst>
-                                    <p:animEffect transition="out" filter="fade">
-                                      <p:cBhvr>
-                                        <p:cTn id="22" dur="500" tmFilter="0, 0; .2, .5; .8, .5; 1, 0"/>
-                                        <p:tgtEl>
-                                          <p:spTgt spid="16"/>
-                                        </p:tgtEl>
-                                      </p:cBhvr>
-                                    </p:animEffect>
-                                    <p:animScale>
-                                      <p:cBhvr>
-                                        <p:cTn id="23" dur="250" autoRev="1" fill="hold"/>
-                                        <p:tgtEl>
-                                          <p:spTgt spid="16"/>
-                                        </p:tgtEl>
-                                      </p:cBhvr>
-                                      <p:by x="105000" y="105000"/>
-                                    </p:animScale>
-                                  </p:childTnLst>
-                                </p:cTn>
-                              </p:par>
-                              <p:par>
-                                <p:cTn id="24" presetID="10" presetClass="entr" presetSubtype="0" fill="hold" nodeType="withEffect">
-                                  <p:stCondLst>
-                                    <p:cond delay="1000"/>
-                                  </p:stCondLst>
-                                  <p:childTnLst>
-                                    <p:set>
-                                      <p:cBhvr>
-                                        <p:cTn id="25" dur="1" fill="hold">
-                                          <p:stCondLst>
-                                            <p:cond delay="0"/>
-                                          </p:stCondLst>
-                                        </p:cTn>
-                                        <p:tgtEl>
-                                          <p:spTgt spid="9"/>
-                                        </p:tgtEl>
-                                        <p:attrNameLst>
-                                          <p:attrName>style.visibility</p:attrName>
-                                        </p:attrNameLst>
-                                      </p:cBhvr>
-                                      <p:to>
-                                        <p:strVal val="visible"/>
-                                      </p:to>
-                                    </p:set>
-                                    <p:animEffect transition="in" filter="fade">
-                                      <p:cBhvr>
-                                        <p:cTn id="26" dur="500"/>
-                                        <p:tgtEl>
-                                          <p:spTgt spid="9"/>
-                                        </p:tgtEl>
-                                      </p:cBhvr>
-                                    </p:animEffect>
-                                  </p:childTnLst>
-                                </p:cTn>
-                              </p:par>
-                              <p:par>
-                                <p:cTn id="27" presetID="10" presetClass="entr" presetSubtype="0" fill="hold" grpId="0" nodeType="withEffect">
-                                  <p:stCondLst>
-                                    <p:cond delay="1000"/>
-                                  </p:stCondLst>
-                                  <p:childTnLst>
-                                    <p:set>
-                                      <p:cBhvr>
-                                        <p:cTn id="28" dur="1" fill="hold">
-                                          <p:stCondLst>
-                                            <p:cond delay="0"/>
-                                          </p:stCondLst>
-                                        </p:cTn>
-                                        <p:tgtEl>
-                                          <p:spTgt spid="10"/>
-                                        </p:tgtEl>
-                                        <p:attrNameLst>
-                                          <p:attrName>style.visibility</p:attrName>
-                                        </p:attrNameLst>
-                                      </p:cBhvr>
-                                      <p:to>
-                                        <p:strVal val="visible"/>
-                                      </p:to>
-                                    </p:set>
-                                    <p:animEffect transition="in" filter="fade">
-                                      <p:cBhvr>
-                                        <p:cTn id="29" dur="500"/>
-                                        <p:tgtEl>
-                                          <p:spTgt spid="10"/>
-                                        </p:tgtEl>
-                                      </p:cBhvr>
-                                    </p:animEffect>
-                                  </p:childTnLst>
-                                </p:cTn>
-                              </p:par>
-                            </p:childTnLst>
-                          </p:cTn>
-                        </p:par>
-                        <p:par>
-                          <p:cTn id="30" fill="hold">
-                            <p:stCondLst>
-                              <p:cond delay="1500"/>
-                            </p:stCondLst>
-                            <p:childTnLst>
-                              <p:par>
-                                <p:cTn id="31" presetID="10" presetClass="entr" presetSubtype="0" fill="hold" grpId="0" nodeType="afterEffect">
-                                  <p:stCondLst>
-                                    <p:cond delay="0"/>
-                                  </p:stCondLst>
-                                  <p:childTnLst>
-                                    <p:set>
-                                      <p:cBhvr>
-                                        <p:cTn id="32" dur="1" fill="hold">
-                                          <p:stCondLst>
-                                            <p:cond delay="0"/>
-                                          </p:stCondLst>
-                                        </p:cTn>
-                                        <p:tgtEl>
-                                          <p:spTgt spid="12"/>
-                                        </p:tgtEl>
-                                        <p:attrNameLst>
-                                          <p:attrName>style.visibility</p:attrName>
-                                        </p:attrNameLst>
-                                      </p:cBhvr>
-                                      <p:to>
-                                        <p:strVal val="visible"/>
-                                      </p:to>
-                                    </p:set>
-                                    <p:animEffect transition="in" filter="fade">
-                                      <p:cBhvr>
-                                        <p:cTn id="33" dur="500"/>
-                                        <p:tgtEl>
-                                          <p:spTgt spid="12"/>
-                                        </p:tgtEl>
-                                      </p:cBhvr>
-                                    </p:animEffect>
-                                  </p:childTnLst>
-                                </p:cTn>
-                              </p:par>
-                              <p:par>
-                                <p:cTn id="34" presetID="10" presetClass="entr" presetSubtype="0" fill="hold" nodeType="withEffect">
-                                  <p:stCondLst>
-                                    <p:cond delay="0"/>
-                                  </p:stCondLst>
-                                  <p:childTnLst>
-                                    <p:set>
-                                      <p:cBhvr>
-                                        <p:cTn id="35" dur="1" fill="hold">
-                                          <p:stCondLst>
-                                            <p:cond delay="0"/>
-                                          </p:stCondLst>
-                                        </p:cTn>
-                                        <p:tgtEl>
-                                          <p:spTgt spid="11"/>
-                                        </p:tgtEl>
-                                        <p:attrNameLst>
-                                          <p:attrName>style.visibility</p:attrName>
-                                        </p:attrNameLst>
-                                      </p:cBhvr>
-                                      <p:to>
-                                        <p:strVal val="visible"/>
-                                      </p:to>
-                                    </p:set>
-                                    <p:animEffect transition="in" filter="fade">
-                                      <p:cBhvr>
-                                        <p:cTn id="36" dur="500"/>
-                                        <p:tgtEl>
-                                          <p:spTgt spid="11"/>
-                                        </p:tgtEl>
-                                      </p:cBhvr>
-                                    </p:animEffect>
-                                  </p:childTnLst>
-                                </p:cTn>
-                              </p:par>
-                            </p:childTnLst>
-                          </p:cTn>
-                        </p:par>
-                        <p:par>
-                          <p:cTn id="37" fill="hold">
-                            <p:stCondLst>
-                              <p:cond delay="2000"/>
-                            </p:stCondLst>
-                            <p:childTnLst>
-                              <p:par>
-                                <p:cTn id="38" presetID="10" presetClass="entr" presetSubtype="0" fill="hold" nodeType="afterEffect">
-                                  <p:stCondLst>
-                                    <p:cond delay="0"/>
-                                  </p:stCondLst>
-                                  <p:childTnLst>
-                                    <p:set>
-                                      <p:cBhvr>
-                                        <p:cTn id="39" dur="1" fill="hold">
-                                          <p:stCondLst>
-                                            <p:cond delay="0"/>
-                                          </p:stCondLst>
-                                        </p:cTn>
-                                        <p:tgtEl>
-                                          <p:spTgt spid="18"/>
-                                        </p:tgtEl>
-                                        <p:attrNameLst>
-                                          <p:attrName>style.visibility</p:attrName>
-                                        </p:attrNameLst>
-                                      </p:cBhvr>
-                                      <p:to>
-                                        <p:strVal val="visible"/>
-                                      </p:to>
-                                    </p:set>
-                                    <p:animEffect transition="in" filter="fade">
-                                      <p:cBhvr>
-                                        <p:cTn id="40" dur="500"/>
-                                        <p:tgtEl>
-                                          <p:spTgt spid="18"/>
-                                        </p:tgtEl>
-                                      </p:cBhvr>
-                                    </p:animEffect>
-                                  </p:childTnLst>
-                                </p:cTn>
-                              </p:par>
-                              <p:par>
-                                <p:cTn id="41" presetID="10" presetClass="entr" presetSubtype="0" fill="hold" grpId="0" nodeType="withEffect">
-                                  <p:stCondLst>
-                                    <p:cond delay="0"/>
-                                  </p:stCondLst>
-                                  <p:childTnLst>
-                                    <p:set>
-                                      <p:cBhvr>
-                                        <p:cTn id="42" dur="1" fill="hold">
-                                          <p:stCondLst>
-                                            <p:cond delay="0"/>
-                                          </p:stCondLst>
-                                        </p:cTn>
-                                        <p:tgtEl>
-                                          <p:spTgt spid="19"/>
-                                        </p:tgtEl>
-                                        <p:attrNameLst>
-                                          <p:attrName>style.visibility</p:attrName>
-                                        </p:attrNameLst>
-                                      </p:cBhvr>
-                                      <p:to>
-                                        <p:strVal val="visible"/>
-                                      </p:to>
-                                    </p:set>
-                                    <p:animEffect transition="in" filter="fade">
-                                      <p:cBhvr>
-                                        <p:cTn id="43" dur="500"/>
-                                        <p:tgtEl>
-                                          <p:spTgt spid="19"/>
-                                        </p:tgtEl>
-                                      </p:cBhvr>
-                                    </p:animEffect>
-                                  </p:childTnLst>
-                                </p:cTn>
-                              </p:par>
-                            </p:childTnLst>
-                          </p:cTn>
-                        </p:par>
-                      </p:childTnLst>
-                    </p:cTn>
-                  </p:par>
-                  <p:par>
-                    <p:cTn id="44" fill="hold">
-                      <p:stCondLst>
-                        <p:cond delay="indefinite"/>
-                      </p:stCondLst>
-                      <p:childTnLst>
-                        <p:par>
-                          <p:cTn id="45" fill="hold">
-                            <p:stCondLst>
-                              <p:cond delay="0"/>
-                            </p:stCondLst>
-                            <p:childTnLst>
-                              <p:par>
-                                <p:cTn id="46" presetID="10" presetClass="exit" presetSubtype="0" fill="hold" nodeType="clickEffect">
-                                  <p:stCondLst>
-                                    <p:cond delay="0"/>
-                                  </p:stCondLst>
-                                  <p:childTnLst>
-                                    <p:animEffect transition="out" filter="fade">
-                                      <p:cBhvr>
-                                        <p:cTn id="47" dur="500"/>
-                                        <p:tgtEl>
-                                          <p:spTgt spid="9"/>
-                                        </p:tgtEl>
-                                      </p:cBhvr>
-                                    </p:animEffect>
-                                    <p:set>
-                                      <p:cBhvr>
-                                        <p:cTn id="48" dur="1" fill="hold">
-                                          <p:stCondLst>
-                                            <p:cond delay="499"/>
-                                          </p:stCondLst>
-                                        </p:cTn>
-                                        <p:tgtEl>
-                                          <p:spTgt spid="9"/>
-                                        </p:tgtEl>
-                                        <p:attrNameLst>
-                                          <p:attrName>style.visibility</p:attrName>
-                                        </p:attrNameLst>
-                                      </p:cBhvr>
-                                      <p:to>
-                                        <p:strVal val="hidden"/>
-                                      </p:to>
-                                    </p:set>
-                                  </p:childTnLst>
-                                </p:cTn>
-                              </p:par>
-                              <p:par>
-                                <p:cTn id="49" presetID="10" presetClass="exit" presetSubtype="0" fill="hold" grpId="1" nodeType="withEffect">
-                                  <p:stCondLst>
-                                    <p:cond delay="0"/>
-                                  </p:stCondLst>
-                                  <p:childTnLst>
-                                    <p:animEffect transition="out" filter="fade">
-                                      <p:cBhvr>
-                                        <p:cTn id="50" dur="500"/>
-                                        <p:tgtEl>
-                                          <p:spTgt spid="10"/>
-                                        </p:tgtEl>
-                                      </p:cBhvr>
-                                    </p:animEffect>
-                                    <p:set>
-                                      <p:cBhvr>
-                                        <p:cTn id="51" dur="1" fill="hold">
-                                          <p:stCondLst>
-                                            <p:cond delay="499"/>
-                                          </p:stCondLst>
-                                        </p:cTn>
-                                        <p:tgtEl>
-                                          <p:spTgt spid="10"/>
-                                        </p:tgtEl>
-                                        <p:attrNameLst>
-                                          <p:attrName>style.visibility</p:attrName>
-                                        </p:attrNameLst>
-                                      </p:cBhvr>
-                                      <p:to>
-                                        <p:strVal val="hidden"/>
-                                      </p:to>
-                                    </p:set>
-                                  </p:childTnLst>
-                                </p:cTn>
-                              </p:par>
-                              <p:par>
-                                <p:cTn id="52" presetID="10" presetClass="exit" presetSubtype="0" fill="hold" grpId="1" nodeType="withEffect">
-                                  <p:stCondLst>
-                                    <p:cond delay="0"/>
-                                  </p:stCondLst>
-                                  <p:childTnLst>
-                                    <p:animEffect transition="out" filter="fade">
-                                      <p:cBhvr>
-                                        <p:cTn id="53" dur="500"/>
-                                        <p:tgtEl>
-                                          <p:spTgt spid="12"/>
-                                        </p:tgtEl>
-                                      </p:cBhvr>
-                                    </p:animEffect>
-                                    <p:set>
-                                      <p:cBhvr>
-                                        <p:cTn id="54" dur="1" fill="hold">
-                                          <p:stCondLst>
-                                            <p:cond delay="499"/>
-                                          </p:stCondLst>
-                                        </p:cTn>
-                                        <p:tgtEl>
-                                          <p:spTgt spid="12"/>
-                                        </p:tgtEl>
-                                        <p:attrNameLst>
-                                          <p:attrName>style.visibility</p:attrName>
-                                        </p:attrNameLst>
-                                      </p:cBhvr>
-                                      <p:to>
-                                        <p:strVal val="hidden"/>
-                                      </p:to>
-                                    </p:set>
-                                  </p:childTnLst>
-                                </p:cTn>
-                              </p:par>
-                              <p:par>
-                                <p:cTn id="55" presetID="10" presetClass="exit" presetSubtype="0" fill="hold" nodeType="withEffect">
-                                  <p:stCondLst>
-                                    <p:cond delay="0"/>
-                                  </p:stCondLst>
-                                  <p:childTnLst>
-                                    <p:animEffect transition="out" filter="fade">
-                                      <p:cBhvr>
-                                        <p:cTn id="56" dur="500"/>
-                                        <p:tgtEl>
-                                          <p:spTgt spid="11"/>
-                                        </p:tgtEl>
-                                      </p:cBhvr>
-                                    </p:animEffect>
-                                    <p:set>
-                                      <p:cBhvr>
-                                        <p:cTn id="57" dur="1" fill="hold">
-                                          <p:stCondLst>
-                                            <p:cond delay="499"/>
-                                          </p:stCondLst>
-                                        </p:cTn>
-                                        <p:tgtEl>
-                                          <p:spTgt spid="11"/>
-                                        </p:tgtEl>
-                                        <p:attrNameLst>
-                                          <p:attrName>style.visibility</p:attrName>
-                                        </p:attrNameLst>
-                                      </p:cBhvr>
-                                      <p:to>
-                                        <p:strVal val="hidden"/>
-                                      </p:to>
-                                    </p:set>
-                                  </p:childTnLst>
-                                </p:cTn>
-                              </p:par>
-                              <p:par>
-                                <p:cTn id="58" presetID="10" presetClass="exit" presetSubtype="0" fill="hold" nodeType="withEffect">
-                                  <p:stCondLst>
-                                    <p:cond delay="0"/>
-                                  </p:stCondLst>
-                                  <p:childTnLst>
-                                    <p:animEffect transition="out" filter="fade">
-                                      <p:cBhvr>
-                                        <p:cTn id="59" dur="500"/>
-                                        <p:tgtEl>
-                                          <p:spTgt spid="18"/>
-                                        </p:tgtEl>
-                                      </p:cBhvr>
-                                    </p:animEffect>
-                                    <p:set>
-                                      <p:cBhvr>
-                                        <p:cTn id="60" dur="1" fill="hold">
-                                          <p:stCondLst>
-                                            <p:cond delay="499"/>
-                                          </p:stCondLst>
-                                        </p:cTn>
-                                        <p:tgtEl>
-                                          <p:spTgt spid="18"/>
-                                        </p:tgtEl>
-                                        <p:attrNameLst>
-                                          <p:attrName>style.visibility</p:attrName>
-                                        </p:attrNameLst>
-                                      </p:cBhvr>
-                                      <p:to>
-                                        <p:strVal val="hidden"/>
-                                      </p:to>
-                                    </p:set>
-                                  </p:childTnLst>
-                                </p:cTn>
-                              </p:par>
-                              <p:par>
-                                <p:cTn id="61" presetID="10" presetClass="exit" presetSubtype="0" fill="hold" grpId="1" nodeType="withEffect">
-                                  <p:stCondLst>
-                                    <p:cond delay="0"/>
-                                  </p:stCondLst>
-                                  <p:childTnLst>
-                                    <p:animEffect transition="out" filter="fade">
-                                      <p:cBhvr>
-                                        <p:cTn id="62" dur="500"/>
-                                        <p:tgtEl>
-                                          <p:spTgt spid="19"/>
-                                        </p:tgtEl>
-                                      </p:cBhvr>
-                                    </p:animEffect>
-                                    <p:set>
-                                      <p:cBhvr>
-                                        <p:cTn id="63" dur="1" fill="hold">
-                                          <p:stCondLst>
-                                            <p:cond delay="499"/>
-                                          </p:stCondLst>
-                                        </p:cTn>
-                                        <p:tgtEl>
-                                          <p:spTgt spid="19"/>
-                                        </p:tgtEl>
-                                        <p:attrNameLst>
-                                          <p:attrName>style.visibility</p:attrName>
-                                        </p:attrNameLst>
-                                      </p:cBhvr>
-                                      <p:to>
-                                        <p:strVal val="hidden"/>
-                                      </p:to>
-                                    </p:set>
-                                  </p:childTnLst>
-                                </p:cTn>
-                              </p:par>
-                            </p:childTnLst>
-                          </p:cTn>
-                        </p:par>
-                        <p:par>
-                          <p:cTn id="64" fill="hold">
-                            <p:stCondLst>
-                              <p:cond delay="500"/>
-                            </p:stCondLst>
-                            <p:childTnLst>
-                              <p:par>
-                                <p:cTn id="65" presetID="10" presetClass="exit" presetSubtype="0" fill="hold" nodeType="afterEffect">
-                                  <p:stCondLst>
-                                    <p:cond delay="0"/>
-                                  </p:stCondLst>
-                                  <p:childTnLst>
-                                    <p:animEffect transition="out" filter="fade">
-                                      <p:cBhvr>
-                                        <p:cTn id="66" dur="500"/>
-                                        <p:tgtEl>
-                                          <p:spTgt spid="16"/>
-                                        </p:tgtEl>
-                                      </p:cBhvr>
-                                    </p:animEffect>
-                                    <p:set>
-                                      <p:cBhvr>
-                                        <p:cTn id="67" dur="1" fill="hold">
-                                          <p:stCondLst>
-                                            <p:cond delay="499"/>
-                                          </p:stCondLst>
-                                        </p:cTn>
-                                        <p:tgtEl>
-                                          <p:spTgt spid="16"/>
-                                        </p:tgtEl>
-                                        <p:attrNameLst>
-                                          <p:attrName>style.visibility</p:attrName>
-                                        </p:attrNameLst>
-                                      </p:cBhvr>
-                                      <p:to>
-                                        <p:strVal val="hidden"/>
-                                      </p:to>
-                                    </p:set>
-                                  </p:childTnLst>
-                                </p:cTn>
-                              </p:par>
-                            </p:childTnLst>
-                          </p:cTn>
-                        </p:par>
-                        <p:par>
-                          <p:cTn id="68" fill="hold">
-                            <p:stCondLst>
-                              <p:cond delay="1000"/>
-                            </p:stCondLst>
-                            <p:childTnLst>
-                              <p:par>
-                                <p:cTn id="69" presetID="22" presetClass="entr" presetSubtype="2" fill="hold" nodeType="afterEffect">
-                                  <p:stCondLst>
-                                    <p:cond delay="0"/>
-                                  </p:stCondLst>
-                                  <p:childTnLst>
-                                    <p:set>
-                                      <p:cBhvr>
-                                        <p:cTn id="70" dur="1" fill="hold">
-                                          <p:stCondLst>
-                                            <p:cond delay="0"/>
-                                          </p:stCondLst>
-                                        </p:cTn>
-                                        <p:tgtEl>
-                                          <p:spTgt spid="24"/>
-                                        </p:tgtEl>
-                                        <p:attrNameLst>
-                                          <p:attrName>style.visibility</p:attrName>
-                                        </p:attrNameLst>
-                                      </p:cBhvr>
-                                      <p:to>
-                                        <p:strVal val="visible"/>
-                                      </p:to>
-                                    </p:set>
-                                    <p:animEffect transition="in" filter="wipe(right)">
-                                      <p:cBhvr>
-                                        <p:cTn id="71" dur="1000"/>
-                                        <p:tgtEl>
-                                          <p:spTgt spid="24"/>
-                                        </p:tgtEl>
-                                      </p:cBhvr>
-                                    </p:animEffect>
-                                  </p:childTnLst>
-                                </p:cTn>
-                              </p:par>
-                            </p:childTnLst>
-                          </p:cTn>
-                        </p:par>
-                        <p:par>
-                          <p:cTn id="72" fill="hold">
-                            <p:stCondLst>
-                              <p:cond delay="2000"/>
-                            </p:stCondLst>
-                            <p:childTnLst>
-                              <p:par>
-                                <p:cTn id="73" presetID="10" presetClass="entr" presetSubtype="0" fill="hold" nodeType="afterEffect">
-                                  <p:stCondLst>
-                                    <p:cond delay="0"/>
-                                  </p:stCondLst>
-                                  <p:childTnLst>
-                                    <p:set>
-                                      <p:cBhvr>
-                                        <p:cTn id="74" dur="1" fill="hold">
-                                          <p:stCondLst>
-                                            <p:cond delay="0"/>
-                                          </p:stCondLst>
-                                        </p:cTn>
-                                        <p:tgtEl>
-                                          <p:spTgt spid="23"/>
-                                        </p:tgtEl>
-                                        <p:attrNameLst>
-                                          <p:attrName>style.visibility</p:attrName>
-                                        </p:attrNameLst>
-                                      </p:cBhvr>
-                                      <p:to>
-                                        <p:strVal val="visible"/>
-                                      </p:to>
-                                    </p:set>
-                                    <p:animEffect transition="in" filter="fade">
-                                      <p:cBhvr>
-                                        <p:cTn id="75" dur="500"/>
-                                        <p:tgtEl>
-                                          <p:spTgt spid="23"/>
-                                        </p:tgtEl>
-                                      </p:cBhvr>
-                                    </p:animEffect>
-                                  </p:childTnLst>
-                                </p:cTn>
-                              </p:par>
-                            </p:childTnLst>
-                          </p:cTn>
-                        </p:par>
-                        <p:par>
-                          <p:cTn id="76" fill="hold">
-                            <p:stCondLst>
-                              <p:cond delay="2500"/>
-                            </p:stCondLst>
-                            <p:childTnLst>
-                              <p:par>
-                                <p:cTn id="77" presetID="10" presetClass="entr" presetSubtype="0" fill="hold" nodeType="afterEffect">
-                                  <p:stCondLst>
-                                    <p:cond delay="0"/>
-                                  </p:stCondLst>
-                                  <p:childTnLst>
-                                    <p:set>
-                                      <p:cBhvr>
-                                        <p:cTn id="78" dur="1" fill="hold">
-                                          <p:stCondLst>
-                                            <p:cond delay="0"/>
-                                          </p:stCondLst>
-                                        </p:cTn>
-                                        <p:tgtEl>
-                                          <p:spTgt spid="25"/>
-                                        </p:tgtEl>
-                                        <p:attrNameLst>
-                                          <p:attrName>style.visibility</p:attrName>
-                                        </p:attrNameLst>
-                                      </p:cBhvr>
-                                      <p:to>
-                                        <p:strVal val="visible"/>
-                                      </p:to>
-                                    </p:set>
-                                    <p:animEffect transition="in" filter="fade">
-                                      <p:cBhvr>
-                                        <p:cTn id="79" dur="500"/>
-                                        <p:tgtEl>
-                                          <p:spTgt spid="25"/>
-                                        </p:tgtEl>
-                                      </p:cBhvr>
-                                    </p:animEffect>
-                                  </p:childTnLst>
-                                </p:cTn>
-                              </p:par>
-                            </p:childTnLst>
-                          </p:cTn>
-                        </p:par>
-                        <p:par>
-                          <p:cTn id="80" fill="hold">
-                            <p:stCondLst>
-                              <p:cond delay="3000"/>
-                            </p:stCondLst>
-                            <p:childTnLst>
-                              <p:par>
-                                <p:cTn id="81" presetID="8" presetClass="emph" presetSubtype="0" repeatCount="indefinite" fill="hold" nodeType="afterEffect">
-                                  <p:stCondLst>
-                                    <p:cond delay="0"/>
-                                  </p:stCondLst>
-                                  <p:childTnLst>
-                                    <p:animRot by="21600000">
-                                      <p:cBhvr>
-                                        <p:cTn id="82" dur="1000" fill="hold"/>
-                                        <p:tgtEl>
-                                          <p:spTgt spid="25"/>
-                                        </p:tgtEl>
-                                        <p:attrNameLst>
-                                          <p:attrName>r</p:attrName>
-                                        </p:attrNameLst>
-                                      </p:cBhvr>
-                                    </p:animRot>
-                                  </p:childTnLst>
-                                </p:cTn>
-                              </p:par>
-                            </p:childTnLst>
-                          </p:cTn>
-                        </p:par>
-                        <p:par>
-                          <p:cTn id="83" fill="hold">
-                            <p:stCondLst>
-                              <p:cond delay="4000"/>
-                            </p:stCondLst>
-                            <p:childTnLst>
-                              <p:par>
-                                <p:cTn id="84" presetID="10" presetClass="exit" presetSubtype="0" fill="hold" nodeType="afterEffect">
-                                  <p:stCondLst>
-                                    <p:cond delay="0"/>
-                                  </p:stCondLst>
-                                  <p:childTnLst>
-                                    <p:animEffect transition="out" filter="fade">
-                                      <p:cBhvr>
-                                        <p:cTn id="85" dur="500"/>
-                                        <p:tgtEl>
-                                          <p:spTgt spid="13"/>
-                                        </p:tgtEl>
-                                      </p:cBhvr>
-                                    </p:animEffect>
-                                    <p:set>
-                                      <p:cBhvr>
-                                        <p:cTn id="86" dur="1" fill="hold">
-                                          <p:stCondLst>
-                                            <p:cond delay="499"/>
-                                          </p:stCondLst>
-                                        </p:cTn>
-                                        <p:tgtEl>
-                                          <p:spTgt spid="13"/>
-                                        </p:tgtEl>
-                                        <p:attrNameLst>
-                                          <p:attrName>style.visibility</p:attrName>
-                                        </p:attrNameLst>
-                                      </p:cBhvr>
-                                      <p:to>
-                                        <p:strVal val="hidden"/>
-                                      </p:to>
-                                    </p:set>
-                                  </p:childTnLst>
-                                </p:cTn>
-                              </p:par>
-                              <p:par>
-                                <p:cTn id="87" presetID="10" presetClass="exit" presetSubtype="0" fill="hold" nodeType="withEffect">
-                                  <p:stCondLst>
-                                    <p:cond delay="0"/>
-                                  </p:stCondLst>
-                                  <p:childTnLst>
-                                    <p:animEffect transition="out" filter="fade">
-                                      <p:cBhvr>
-                                        <p:cTn id="88" dur="500"/>
-                                        <p:tgtEl>
-                                          <p:spTgt spid="14"/>
-                                        </p:tgtEl>
-                                      </p:cBhvr>
-                                    </p:animEffect>
-                                    <p:set>
-                                      <p:cBhvr>
-                                        <p:cTn id="89" dur="1" fill="hold">
-                                          <p:stCondLst>
-                                            <p:cond delay="499"/>
-                                          </p:stCondLst>
-                                        </p:cTn>
-                                        <p:tgtEl>
-                                          <p:spTgt spid="14"/>
-                                        </p:tgtEl>
-                                        <p:attrNameLst>
-                                          <p:attrName>style.visibility</p:attrName>
-                                        </p:attrNameLst>
-                                      </p:cBhvr>
-                                      <p:to>
-                                        <p:strVal val="hidden"/>
-                                      </p:to>
-                                    </p:set>
-                                  </p:childTnLst>
-                                </p:cTn>
-                              </p:par>
-                              <p:par>
-                                <p:cTn id="90" presetID="10" presetClass="exit" presetSubtype="0" fill="hold" nodeType="withEffect">
-                                  <p:stCondLst>
-                                    <p:cond delay="0"/>
-                                  </p:stCondLst>
-                                  <p:childTnLst>
-                                    <p:animEffect transition="out" filter="fade">
-                                      <p:cBhvr>
-                                        <p:cTn id="91" dur="500"/>
-                                        <p:tgtEl>
-                                          <p:spTgt spid="15"/>
-                                        </p:tgtEl>
-                                      </p:cBhvr>
-                                    </p:animEffect>
-                                    <p:set>
-                                      <p:cBhvr>
-                                        <p:cTn id="92" dur="1" fill="hold">
-                                          <p:stCondLst>
-                                            <p:cond delay="499"/>
-                                          </p:stCondLst>
-                                        </p:cTn>
-                                        <p:tgtEl>
-                                          <p:spTgt spid="15"/>
-                                        </p:tgtEl>
-                                        <p:attrNameLst>
-                                          <p:attrName>style.visibility</p:attrName>
-                                        </p:attrNameLst>
-                                      </p:cBhvr>
-                                      <p:to>
-                                        <p:strVal val="hidden"/>
-                                      </p:to>
-                                    </p:set>
-                                  </p:childTnLst>
-                                </p:cTn>
-                              </p:par>
-                              <p:par>
-                                <p:cTn id="93" presetID="10" presetClass="exit" presetSubtype="0" fill="hold" nodeType="withEffect">
-                                  <p:stCondLst>
-                                    <p:cond delay="0"/>
-                                  </p:stCondLst>
-                                  <p:childTnLst>
-                                    <p:animEffect transition="out" filter="fade">
-                                      <p:cBhvr>
-                                        <p:cTn id="94" dur="500"/>
-                                        <p:tgtEl>
-                                          <p:spTgt spid="16"/>
-                                        </p:tgtEl>
-                                      </p:cBhvr>
-                                    </p:animEffect>
-                                    <p:set>
-                                      <p:cBhvr>
-                                        <p:cTn id="95" dur="1" fill="hold">
-                                          <p:stCondLst>
-                                            <p:cond delay="499"/>
-                                          </p:stCondLst>
-                                        </p:cTn>
-                                        <p:tgtEl>
-                                          <p:spTgt spid="16"/>
-                                        </p:tgtEl>
-                                        <p:attrNameLst>
-                                          <p:attrName>style.visibility</p:attrName>
-                                        </p:attrNameLst>
-                                      </p:cBhvr>
-                                      <p:to>
-                                        <p:strVal val="hidden"/>
-                                      </p:to>
-                                    </p:set>
-                                  </p:childTnLst>
-                                </p:cTn>
-                              </p:par>
-                              <p:par>
-                                <p:cTn id="96" presetID="10" presetClass="exit" presetSubtype="0" fill="hold" nodeType="withEffect">
-                                  <p:stCondLst>
-                                    <p:cond delay="0"/>
-                                  </p:stCondLst>
-                                  <p:childTnLst>
-                                    <p:animEffect transition="out" filter="fade">
-                                      <p:cBhvr>
-                                        <p:cTn id="97" dur="500"/>
-                                        <p:tgtEl>
-                                          <p:spTgt spid="24"/>
-                                        </p:tgtEl>
-                                      </p:cBhvr>
-                                    </p:animEffect>
-                                    <p:set>
-                                      <p:cBhvr>
-                                        <p:cTn id="98" dur="1" fill="hold">
-                                          <p:stCondLst>
-                                            <p:cond delay="499"/>
-                                          </p:stCondLst>
-                                        </p:cTn>
-                                        <p:tgtEl>
-                                          <p:spTgt spid="24"/>
-                                        </p:tgtEl>
-                                        <p:attrNameLst>
-                                          <p:attrName>style.visibility</p:attrName>
-                                        </p:attrNameLst>
-                                      </p:cBhvr>
-                                      <p:to>
-                                        <p:strVal val="hidden"/>
-                                      </p:to>
-                                    </p:set>
-                                  </p:childTnLst>
-                                </p:cTn>
-                              </p:par>
-                            </p:childTnLst>
-                          </p:cTn>
-                        </p:par>
-                      </p:childTnLst>
-                    </p:cTn>
-                  </p:par>
-                </p:childTnLst>
-              </p:cTn>
-              <p:prevCondLst>
-                <p:cond evt="onPrev" delay="0">
-                  <p:tgtEl>
-                    <p:sldTgt/>
-                  </p:tgtEl>
-                </p:cond>
-              </p:prevCondLst>
-              <p:nextCondLst>
-                <p:cond evt="onNext" delay="0">
-                  <p:tgtEl>
-                    <p:sldTgt/>
-                  </p:tgtEl>
-                </p:cond>
-              </p:nextCondLst>
-            </p:seq>
-          </p:childTnLst>
-        </p:cTn>
-      </p:par>
-    </p:tnLst>
-    <p:bldLst>
-      <p:bldP spid="10" grpId="0"/>
-      <p:bldP spid="10" grpId="1"/>
-      <p:bldP spid="12" grpId="0"/>
-      <p:bldP spid="12" grpId="1"/>
-      <p:bldP spid="19" grpId="0"/>
-      <p:bldP spid="19" grpId="1"/>
-    </p:bldLst>
-  </p:timing>
-</p:sld>
-</file>
-
-<file path=ppt/slides/slide12.xml><?xml version="1.0" encoding="utf-8"?>
 <p:sld xmlns:a="http://schemas.openxmlformats.org/drawingml/2006/main" xmlns:r="http://schemas.openxmlformats.org/officeDocument/2006/relationships" xmlns:p="http://schemas.openxmlformats.org/presentationml/2006/main">
   <p:cSld>
     <p:spTree>
@@ -6639,2079 +4323,7 @@
 </p:sld>
 </file>
 
-<file path=ppt/slides/slide13.xml><?xml version="1.0" encoding="utf-8"?>
-<p:sld xmlns:a="http://schemas.openxmlformats.org/drawingml/2006/main" xmlns:r="http://schemas.openxmlformats.org/officeDocument/2006/relationships" xmlns:p="http://schemas.openxmlformats.org/presentationml/2006/main">
-  <p:cSld>
-    <p:spTree>
-      <p:nvGrpSpPr>
-        <p:cNvPr id="1" name=""/>
-        <p:cNvGrpSpPr/>
-        <p:nvPr/>
-      </p:nvGrpSpPr>
-      <p:grpSpPr>
-        <a:xfrm>
-          <a:off x="0" y="0"/>
-          <a:ext cx="0" cy="0"/>
-          <a:chOff x="0" y="0"/>
-          <a:chExt cx="0" cy="0"/>
-        </a:xfrm>
-      </p:grpSpPr>
-      <p:sp>
-        <p:nvSpPr>
-          <p:cNvPr id="5" name="CuadroTexto 4"/>
-          <p:cNvSpPr txBox="1"/>
-          <p:nvPr/>
-        </p:nvSpPr>
-        <p:spPr>
-          <a:xfrm>
-            <a:off x="385482" y="452811"/>
-            <a:ext cx="5279821" cy="830997"/>
-          </a:xfrm>
-          <a:prstGeom prst="rect">
-            <a:avLst/>
-          </a:prstGeom>
-          <a:noFill/>
-        </p:spPr>
-        <p:txBody>
-          <a:bodyPr wrap="square" rtlCol="0">
-            <a:spAutoFit/>
-          </a:bodyPr>
-          <a:lstStyle/>
-          <a:p>
-            <a:r>
-              <a:rPr lang="es-EC" sz="4800" dirty="0" smtClean="0">
-                <a:solidFill>
-                  <a:srgbClr val="014455"/>
-                </a:solidFill>
-                <a:latin typeface="+mj-lt"/>
-              </a:rPr>
-              <a:t>Modelo de negocio</a:t>
-            </a:r>
-            <a:r>
-              <a:rPr lang="es-EC" sz="4800" dirty="0">
-                <a:latin typeface="+mj-lt"/>
-              </a:rPr>
-              <a:t> </a:t>
-            </a:r>
-            <a:endParaRPr lang="es-EC" sz="4800" dirty="0">
-              <a:solidFill>
-                <a:srgbClr val="014455"/>
-              </a:solidFill>
-              <a:latin typeface="+mj-lt"/>
-            </a:endParaRPr>
-          </a:p>
-        </p:txBody>
-      </p:sp>
-      <p:pic>
-        <p:nvPicPr>
-          <p:cNvPr id="3" name="Imagen 2"/>
-          <p:cNvPicPr>
-            <a:picLocks noChangeAspect="1"/>
-          </p:cNvPicPr>
-          <p:nvPr/>
-        </p:nvPicPr>
-        <p:blipFill>
-          <a:blip r:embed="rId2">
-            <a:extLst>
-              <a:ext uri="{28A0092B-C50C-407E-A947-70E740481C1C}">
-                <a14:useLocalDpi xmlns:a14="http://schemas.microsoft.com/office/drawing/2010/main" val="0"/>
-              </a:ext>
-            </a:extLst>
-          </a:blip>
-          <a:stretch>
-            <a:fillRect/>
-          </a:stretch>
-        </p:blipFill>
-        <p:spPr>
-          <a:xfrm rot="1682850">
-            <a:off x="7454400" y="3593078"/>
-            <a:ext cx="1519317" cy="1128979"/>
-          </a:xfrm>
-          <a:prstGeom prst="rect">
-            <a:avLst/>
-          </a:prstGeom>
-        </p:spPr>
-      </p:pic>
-      <p:pic>
-        <p:nvPicPr>
-          <p:cNvPr id="8" name="Imagen 7"/>
-          <p:cNvPicPr>
-            <a:picLocks noChangeAspect="1"/>
-          </p:cNvPicPr>
-          <p:nvPr/>
-        </p:nvPicPr>
-        <p:blipFill>
-          <a:blip r:embed="rId3">
-            <a:extLst>
-              <a:ext uri="{28A0092B-C50C-407E-A947-70E740481C1C}">
-                <a14:useLocalDpi xmlns:a14="http://schemas.microsoft.com/office/drawing/2010/main" val="0"/>
-              </a:ext>
-            </a:extLst>
-          </a:blip>
-          <a:stretch>
-            <a:fillRect/>
-          </a:stretch>
-        </p:blipFill>
-        <p:spPr>
-          <a:xfrm rot="19564270">
-            <a:off x="5564057" y="1799825"/>
-            <a:ext cx="1509713" cy="1121842"/>
-          </a:xfrm>
-          <a:prstGeom prst="rect">
-            <a:avLst/>
-          </a:prstGeom>
-        </p:spPr>
-      </p:pic>
-      <p:pic>
-        <p:nvPicPr>
-          <p:cNvPr id="9" name="Imagen 8"/>
-          <p:cNvPicPr>
-            <a:picLocks noChangeAspect="1"/>
-          </p:cNvPicPr>
-          <p:nvPr/>
-        </p:nvPicPr>
-        <p:blipFill>
-          <a:blip r:embed="rId2">
-            <a:extLst>
-              <a:ext uri="{28A0092B-C50C-407E-A947-70E740481C1C}">
-                <a14:useLocalDpi xmlns:a14="http://schemas.microsoft.com/office/drawing/2010/main" val="0"/>
-              </a:ext>
-            </a:extLst>
-          </a:blip>
-          <a:stretch>
-            <a:fillRect/>
-          </a:stretch>
-        </p:blipFill>
-        <p:spPr>
-          <a:xfrm rot="9479707" flipV="1">
-            <a:off x="2849415" y="3772193"/>
-            <a:ext cx="1696308" cy="1207928"/>
-          </a:xfrm>
-          <a:prstGeom prst="rect">
-            <a:avLst/>
-          </a:prstGeom>
-        </p:spPr>
-      </p:pic>
-      <p:pic>
-        <p:nvPicPr>
-          <p:cNvPr id="2" name="Imagen 1"/>
-          <p:cNvPicPr>
-            <a:picLocks noChangeAspect="1"/>
-          </p:cNvPicPr>
-          <p:nvPr/>
-        </p:nvPicPr>
-        <p:blipFill>
-          <a:blip r:embed="rId4">
-            <a:extLst>
-              <a:ext uri="{28A0092B-C50C-407E-A947-70E740481C1C}">
-                <a14:useLocalDpi xmlns:a14="http://schemas.microsoft.com/office/drawing/2010/main" val="0"/>
-              </a:ext>
-            </a:extLst>
-          </a:blip>
-          <a:stretch>
-            <a:fillRect/>
-          </a:stretch>
-        </p:blipFill>
-        <p:spPr>
-          <a:xfrm>
-            <a:off x="4476780" y="2981698"/>
-            <a:ext cx="3082321" cy="2683357"/>
-          </a:xfrm>
-          <a:prstGeom prst="rect">
-            <a:avLst/>
-          </a:prstGeom>
-        </p:spPr>
-      </p:pic>
-      <p:sp>
-        <p:nvSpPr>
-          <p:cNvPr id="12" name="CuadroTexto 11"/>
-          <p:cNvSpPr txBox="1"/>
-          <p:nvPr/>
-        </p:nvSpPr>
-        <p:spPr>
-          <a:xfrm>
-            <a:off x="983078" y="4145324"/>
-            <a:ext cx="1851491" cy="830997"/>
-          </a:xfrm>
-          <a:prstGeom prst="rect">
-            <a:avLst/>
-          </a:prstGeom>
-          <a:noFill/>
-        </p:spPr>
-        <p:txBody>
-          <a:bodyPr wrap="square" rtlCol="0">
-            <a:spAutoFit/>
-          </a:bodyPr>
-          <a:lstStyle/>
-          <a:p>
-            <a:pPr algn="ctr"/>
-            <a:r>
-              <a:rPr lang="es-EC" sz="2400" dirty="0" smtClean="0">
-                <a:latin typeface="Calibri Light" panose="020F0302020204030204" pitchFamily="34" charset="0"/>
-              </a:rPr>
-              <a:t>ventas de dispositivos</a:t>
-            </a:r>
-            <a:endParaRPr lang="es-EC" sz="2400" dirty="0">
-              <a:latin typeface="Calibri Light" panose="020F0302020204030204" pitchFamily="34" charset="0"/>
-            </a:endParaRPr>
-          </a:p>
-        </p:txBody>
-      </p:sp>
-      <p:sp>
-        <p:nvSpPr>
-          <p:cNvPr id="13" name="CuadroTexto 12"/>
-          <p:cNvSpPr txBox="1"/>
-          <p:nvPr/>
-        </p:nvSpPr>
-        <p:spPr>
-          <a:xfrm>
-            <a:off x="6263629" y="786409"/>
-            <a:ext cx="2115742" cy="830997"/>
-          </a:xfrm>
-          <a:prstGeom prst="rect">
-            <a:avLst/>
-          </a:prstGeom>
-          <a:noFill/>
-        </p:spPr>
-        <p:txBody>
-          <a:bodyPr wrap="square" rtlCol="0">
-            <a:spAutoFit/>
-          </a:bodyPr>
-          <a:lstStyle/>
-          <a:p>
-            <a:pPr algn="ctr"/>
-            <a:r>
-              <a:rPr lang="es-EC" sz="2400" dirty="0" smtClean="0">
-                <a:latin typeface="Calibri Light" panose="020F0302020204030204" pitchFamily="34" charset="0"/>
-              </a:rPr>
-              <a:t>manejo del sistema</a:t>
-            </a:r>
-            <a:endParaRPr lang="es-EC" sz="2400" dirty="0">
-              <a:latin typeface="Calibri Light" panose="020F0302020204030204" pitchFamily="34" charset="0"/>
-            </a:endParaRPr>
-          </a:p>
-        </p:txBody>
-      </p:sp>
-      <p:sp>
-        <p:nvSpPr>
-          <p:cNvPr id="17" name="CuadroTexto 16"/>
-          <p:cNvSpPr txBox="1"/>
-          <p:nvPr/>
-        </p:nvSpPr>
-        <p:spPr>
-          <a:xfrm>
-            <a:off x="8988887" y="3775992"/>
-            <a:ext cx="2276339" cy="1200329"/>
-          </a:xfrm>
-          <a:prstGeom prst="rect">
-            <a:avLst/>
-          </a:prstGeom>
-          <a:noFill/>
-        </p:spPr>
-        <p:txBody>
-          <a:bodyPr wrap="square" rtlCol="0">
-            <a:spAutoFit/>
-          </a:bodyPr>
-          <a:lstStyle/>
-          <a:p>
-            <a:pPr algn="ctr"/>
-            <a:r>
-              <a:rPr lang="es-EC" sz="2400" dirty="0">
-                <a:latin typeface="Calibri Light" panose="020F0302020204030204" pitchFamily="34" charset="0"/>
-              </a:rPr>
-              <a:t>capacitación para el uso del sistema</a:t>
-            </a:r>
-          </a:p>
-        </p:txBody>
-      </p:sp>
-    </p:spTree>
-    <p:extLst>
-      <p:ext uri="{BB962C8B-B14F-4D97-AF65-F5344CB8AC3E}">
-        <p14:creationId xmlns:p14="http://schemas.microsoft.com/office/powerpoint/2010/main" val="3942878361"/>
-      </p:ext>
-    </p:extLst>
-  </p:cSld>
-  <p:clrMapOvr>
-    <a:masterClrMapping/>
-  </p:clrMapOvr>
-  <p:timing>
-    <p:tnLst>
-      <p:par>
-        <p:cTn id="1" dur="indefinite" restart="never" nodeType="tmRoot">
-          <p:childTnLst>
-            <p:seq concurrent="1" nextAc="seek">
-              <p:cTn id="2" dur="indefinite" nodeType="mainSeq">
-                <p:childTnLst>
-                  <p:par>
-                    <p:cTn id="3" fill="hold">
-                      <p:stCondLst>
-                        <p:cond delay="indefinite"/>
-                        <p:cond evt="onBegin" delay="0">
-                          <p:tn val="2"/>
-                        </p:cond>
-                      </p:stCondLst>
-                      <p:childTnLst>
-                        <p:par>
-                          <p:cTn id="4" fill="hold">
-                            <p:stCondLst>
-                              <p:cond delay="0"/>
-                            </p:stCondLst>
-                            <p:childTnLst>
-                              <p:par>
-                                <p:cTn id="5" presetID="10" presetClass="entr" presetSubtype="0" fill="hold" nodeType="withEffect">
-                                  <p:stCondLst>
-                                    <p:cond delay="0"/>
-                                  </p:stCondLst>
-                                  <p:childTnLst>
-                                    <p:set>
-                                      <p:cBhvr>
-                                        <p:cTn id="6" dur="1" fill="hold">
-                                          <p:stCondLst>
-                                            <p:cond delay="0"/>
-                                          </p:stCondLst>
-                                        </p:cTn>
-                                        <p:tgtEl>
-                                          <p:spTgt spid="2"/>
-                                        </p:tgtEl>
-                                        <p:attrNameLst>
-                                          <p:attrName>style.visibility</p:attrName>
-                                        </p:attrNameLst>
-                                      </p:cBhvr>
-                                      <p:to>
-                                        <p:strVal val="visible"/>
-                                      </p:to>
-                                    </p:set>
-                                    <p:animEffect transition="in" filter="fade">
-                                      <p:cBhvr>
-                                        <p:cTn id="7" dur="500"/>
-                                        <p:tgtEl>
-                                          <p:spTgt spid="2"/>
-                                        </p:tgtEl>
-                                      </p:cBhvr>
-                                    </p:animEffect>
-                                  </p:childTnLst>
-                                </p:cTn>
-                              </p:par>
-                            </p:childTnLst>
-                          </p:cTn>
-                        </p:par>
-                        <p:par>
-                          <p:cTn id="8" fill="hold">
-                            <p:stCondLst>
-                              <p:cond delay="500"/>
-                            </p:stCondLst>
-                            <p:childTnLst>
-                              <p:par>
-                                <p:cTn id="9" presetID="22" presetClass="entr" presetSubtype="8" fill="hold" nodeType="afterEffect">
-                                  <p:stCondLst>
-                                    <p:cond delay="0"/>
-                                  </p:stCondLst>
-                                  <p:childTnLst>
-                                    <p:set>
-                                      <p:cBhvr>
-                                        <p:cTn id="10" dur="1" fill="hold">
-                                          <p:stCondLst>
-                                            <p:cond delay="0"/>
-                                          </p:stCondLst>
-                                        </p:cTn>
-                                        <p:tgtEl>
-                                          <p:spTgt spid="3"/>
-                                        </p:tgtEl>
-                                        <p:attrNameLst>
-                                          <p:attrName>style.visibility</p:attrName>
-                                        </p:attrNameLst>
-                                      </p:cBhvr>
-                                      <p:to>
-                                        <p:strVal val="visible"/>
-                                      </p:to>
-                                    </p:set>
-                                    <p:animEffect transition="in" filter="wipe(left)">
-                                      <p:cBhvr>
-                                        <p:cTn id="11" dur="500"/>
-                                        <p:tgtEl>
-                                          <p:spTgt spid="3"/>
-                                        </p:tgtEl>
-                                      </p:cBhvr>
-                                    </p:animEffect>
-                                  </p:childTnLst>
-                                </p:cTn>
-                              </p:par>
-                              <p:par>
-                                <p:cTn id="12" presetID="22" presetClass="entr" presetSubtype="4" fill="hold" nodeType="withEffect">
-                                  <p:stCondLst>
-                                    <p:cond delay="0"/>
-                                  </p:stCondLst>
-                                  <p:childTnLst>
-                                    <p:set>
-                                      <p:cBhvr>
-                                        <p:cTn id="13" dur="1" fill="hold">
-                                          <p:stCondLst>
-                                            <p:cond delay="0"/>
-                                          </p:stCondLst>
-                                        </p:cTn>
-                                        <p:tgtEl>
-                                          <p:spTgt spid="8"/>
-                                        </p:tgtEl>
-                                        <p:attrNameLst>
-                                          <p:attrName>style.visibility</p:attrName>
-                                        </p:attrNameLst>
-                                      </p:cBhvr>
-                                      <p:to>
-                                        <p:strVal val="visible"/>
-                                      </p:to>
-                                    </p:set>
-                                    <p:animEffect transition="in" filter="wipe(down)">
-                                      <p:cBhvr>
-                                        <p:cTn id="14" dur="500"/>
-                                        <p:tgtEl>
-                                          <p:spTgt spid="8"/>
-                                        </p:tgtEl>
-                                      </p:cBhvr>
-                                    </p:animEffect>
-                                  </p:childTnLst>
-                                </p:cTn>
-                              </p:par>
-                              <p:par>
-                                <p:cTn id="15" presetID="22" presetClass="entr" presetSubtype="2" fill="hold" nodeType="withEffect">
-                                  <p:stCondLst>
-                                    <p:cond delay="0"/>
-                                  </p:stCondLst>
-                                  <p:childTnLst>
-                                    <p:set>
-                                      <p:cBhvr>
-                                        <p:cTn id="16" dur="1" fill="hold">
-                                          <p:stCondLst>
-                                            <p:cond delay="0"/>
-                                          </p:stCondLst>
-                                        </p:cTn>
-                                        <p:tgtEl>
-                                          <p:spTgt spid="9"/>
-                                        </p:tgtEl>
-                                        <p:attrNameLst>
-                                          <p:attrName>style.visibility</p:attrName>
-                                        </p:attrNameLst>
-                                      </p:cBhvr>
-                                      <p:to>
-                                        <p:strVal val="visible"/>
-                                      </p:to>
-                                    </p:set>
-                                    <p:animEffect transition="in" filter="wipe(right)">
-                                      <p:cBhvr>
-                                        <p:cTn id="17" dur="500"/>
-                                        <p:tgtEl>
-                                          <p:spTgt spid="9"/>
-                                        </p:tgtEl>
-                                      </p:cBhvr>
-                                    </p:animEffect>
-                                  </p:childTnLst>
-                                </p:cTn>
-                              </p:par>
-                            </p:childTnLst>
-                          </p:cTn>
-                        </p:par>
-                        <p:par>
-                          <p:cTn id="18" fill="hold">
-                            <p:stCondLst>
-                              <p:cond delay="1000"/>
-                            </p:stCondLst>
-                            <p:childTnLst>
-                              <p:par>
-                                <p:cTn id="19" presetID="10" presetClass="entr" presetSubtype="0" fill="hold" grpId="0" nodeType="afterEffect">
-                                  <p:stCondLst>
-                                    <p:cond delay="0"/>
-                                  </p:stCondLst>
-                                  <p:childTnLst>
-                                    <p:set>
-                                      <p:cBhvr>
-                                        <p:cTn id="20" dur="1" fill="hold">
-                                          <p:stCondLst>
-                                            <p:cond delay="0"/>
-                                          </p:stCondLst>
-                                        </p:cTn>
-                                        <p:tgtEl>
-                                          <p:spTgt spid="17"/>
-                                        </p:tgtEl>
-                                        <p:attrNameLst>
-                                          <p:attrName>style.visibility</p:attrName>
-                                        </p:attrNameLst>
-                                      </p:cBhvr>
-                                      <p:to>
-                                        <p:strVal val="visible"/>
-                                      </p:to>
-                                    </p:set>
-                                    <p:animEffect transition="in" filter="fade">
-                                      <p:cBhvr>
-                                        <p:cTn id="21" dur="500"/>
-                                        <p:tgtEl>
-                                          <p:spTgt spid="17"/>
-                                        </p:tgtEl>
-                                      </p:cBhvr>
-                                    </p:animEffect>
-                                  </p:childTnLst>
-                                </p:cTn>
-                              </p:par>
-                              <p:par>
-                                <p:cTn id="22" presetID="10" presetClass="entr" presetSubtype="0" fill="hold" grpId="0" nodeType="withEffect">
-                                  <p:stCondLst>
-                                    <p:cond delay="0"/>
-                                  </p:stCondLst>
-                                  <p:childTnLst>
-                                    <p:set>
-                                      <p:cBhvr>
-                                        <p:cTn id="23" dur="1" fill="hold">
-                                          <p:stCondLst>
-                                            <p:cond delay="0"/>
-                                          </p:stCondLst>
-                                        </p:cTn>
-                                        <p:tgtEl>
-                                          <p:spTgt spid="13"/>
-                                        </p:tgtEl>
-                                        <p:attrNameLst>
-                                          <p:attrName>style.visibility</p:attrName>
-                                        </p:attrNameLst>
-                                      </p:cBhvr>
-                                      <p:to>
-                                        <p:strVal val="visible"/>
-                                      </p:to>
-                                    </p:set>
-                                    <p:animEffect transition="in" filter="fade">
-                                      <p:cBhvr>
-                                        <p:cTn id="24" dur="500"/>
-                                        <p:tgtEl>
-                                          <p:spTgt spid="13"/>
-                                        </p:tgtEl>
-                                      </p:cBhvr>
-                                    </p:animEffect>
-                                  </p:childTnLst>
-                                </p:cTn>
-                              </p:par>
-                              <p:par>
-                                <p:cTn id="25" presetID="10" presetClass="entr" presetSubtype="0" fill="hold" grpId="0" nodeType="withEffect">
-                                  <p:stCondLst>
-                                    <p:cond delay="0"/>
-                                  </p:stCondLst>
-                                  <p:childTnLst>
-                                    <p:set>
-                                      <p:cBhvr>
-                                        <p:cTn id="26" dur="1" fill="hold">
-                                          <p:stCondLst>
-                                            <p:cond delay="0"/>
-                                          </p:stCondLst>
-                                        </p:cTn>
-                                        <p:tgtEl>
-                                          <p:spTgt spid="12"/>
-                                        </p:tgtEl>
-                                        <p:attrNameLst>
-                                          <p:attrName>style.visibility</p:attrName>
-                                        </p:attrNameLst>
-                                      </p:cBhvr>
-                                      <p:to>
-                                        <p:strVal val="visible"/>
-                                      </p:to>
-                                    </p:set>
-                                    <p:animEffect transition="in" filter="fade">
-                                      <p:cBhvr>
-                                        <p:cTn id="27" dur="500"/>
-                                        <p:tgtEl>
-                                          <p:spTgt spid="12"/>
-                                        </p:tgtEl>
-                                      </p:cBhvr>
-                                    </p:animEffect>
-                                  </p:childTnLst>
-                                </p:cTn>
-                              </p:par>
-                            </p:childTnLst>
-                          </p:cTn>
-                        </p:par>
-                      </p:childTnLst>
-                    </p:cTn>
-                  </p:par>
-                </p:childTnLst>
-              </p:cTn>
-              <p:prevCondLst>
-                <p:cond evt="onPrev" delay="0">
-                  <p:tgtEl>
-                    <p:sldTgt/>
-                  </p:tgtEl>
-                </p:cond>
-              </p:prevCondLst>
-              <p:nextCondLst>
-                <p:cond evt="onNext" delay="0">
-                  <p:tgtEl>
-                    <p:sldTgt/>
-                  </p:tgtEl>
-                </p:cond>
-              </p:nextCondLst>
-            </p:seq>
-          </p:childTnLst>
-        </p:cTn>
-      </p:par>
-    </p:tnLst>
-    <p:bldLst>
-      <p:bldP spid="12" grpId="0"/>
-      <p:bldP spid="13" grpId="0"/>
-      <p:bldP spid="17" grpId="0"/>
-    </p:bldLst>
-  </p:timing>
-</p:sld>
-</file>
-
-<file path=ppt/slides/slide14.xml><?xml version="1.0" encoding="utf-8"?>
-<p:sld xmlns:a="http://schemas.openxmlformats.org/drawingml/2006/main" xmlns:r="http://schemas.openxmlformats.org/officeDocument/2006/relationships" xmlns:p="http://schemas.openxmlformats.org/presentationml/2006/main">
-  <p:cSld>
-    <p:spTree>
-      <p:nvGrpSpPr>
-        <p:cNvPr id="1" name=""/>
-        <p:cNvGrpSpPr/>
-        <p:nvPr/>
-      </p:nvGrpSpPr>
-      <p:grpSpPr>
-        <a:xfrm>
-          <a:off x="0" y="0"/>
-          <a:ext cx="0" cy="0"/>
-          <a:chOff x="0" y="0"/>
-          <a:chExt cx="0" cy="0"/>
-        </a:xfrm>
-      </p:grpSpPr>
-      <p:sp>
-        <p:nvSpPr>
-          <p:cNvPr id="5" name="CuadroTexto 4"/>
-          <p:cNvSpPr txBox="1"/>
-          <p:nvPr/>
-        </p:nvSpPr>
-        <p:spPr>
-          <a:xfrm>
-            <a:off x="385483" y="452811"/>
-            <a:ext cx="6214100" cy="1569660"/>
-          </a:xfrm>
-          <a:prstGeom prst="rect">
-            <a:avLst/>
-          </a:prstGeom>
-          <a:noFill/>
-        </p:spPr>
-        <p:txBody>
-          <a:bodyPr wrap="square" rtlCol="0">
-            <a:spAutoFit/>
-          </a:bodyPr>
-          <a:lstStyle/>
-          <a:p>
-            <a:r>
-              <a:rPr lang="es-EC" sz="4800" dirty="0" smtClean="0">
-                <a:solidFill>
-                  <a:srgbClr val="014455"/>
-                </a:solidFill>
-                <a:latin typeface="+mj-lt"/>
-              </a:rPr>
-              <a:t>Estrategia </a:t>
-            </a:r>
-            <a:r>
-              <a:rPr lang="es-EC" sz="4800" dirty="0">
-                <a:solidFill>
-                  <a:srgbClr val="014455"/>
-                </a:solidFill>
-                <a:latin typeface="+mj-lt"/>
-              </a:rPr>
-              <a:t>de marketing y </a:t>
-            </a:r>
-            <a:r>
-              <a:rPr lang="es-EC" sz="4800" dirty="0" smtClean="0">
-                <a:solidFill>
-                  <a:srgbClr val="014455"/>
-                </a:solidFill>
-                <a:latin typeface="+mj-lt"/>
-              </a:rPr>
-              <a:t>crecimiento</a:t>
-            </a:r>
-            <a:r>
-              <a:rPr lang="es-EC" sz="4800" dirty="0">
-                <a:solidFill>
-                  <a:srgbClr val="014455"/>
-                </a:solidFill>
-                <a:latin typeface="+mj-lt"/>
-              </a:rPr>
-              <a:t> </a:t>
-            </a:r>
-            <a:r>
-              <a:rPr lang="es-EC" sz="4800" dirty="0">
-                <a:solidFill>
-                  <a:srgbClr val="014455"/>
-                </a:solidFill>
-                <a:latin typeface="Poiret One" panose="02000000000000000000" pitchFamily="2" charset="0"/>
-              </a:rPr>
-              <a:t> </a:t>
-            </a:r>
-          </a:p>
-        </p:txBody>
-      </p:sp>
-      <p:pic>
-        <p:nvPicPr>
-          <p:cNvPr id="15" name="Imagen 14"/>
-          <p:cNvPicPr>
-            <a:picLocks noChangeAspect="1"/>
-          </p:cNvPicPr>
-          <p:nvPr/>
-        </p:nvPicPr>
-        <p:blipFill>
-          <a:blip r:embed="rId2">
-            <a:extLst>
-              <a:ext uri="{28A0092B-C50C-407E-A947-70E740481C1C}">
-                <a14:useLocalDpi xmlns:a14="http://schemas.microsoft.com/office/drawing/2010/main" val="0"/>
-              </a:ext>
-            </a:extLst>
-          </a:blip>
-          <a:stretch>
-            <a:fillRect/>
-          </a:stretch>
-        </p:blipFill>
-        <p:spPr>
-          <a:xfrm>
-            <a:off x="5519866" y="1402558"/>
-            <a:ext cx="2381250" cy="2381250"/>
-          </a:xfrm>
-          <a:prstGeom prst="rect">
-            <a:avLst/>
-          </a:prstGeom>
-        </p:spPr>
-      </p:pic>
-      <p:pic>
-        <p:nvPicPr>
-          <p:cNvPr id="16" name="Imagen 15"/>
-          <p:cNvPicPr>
-            <a:picLocks noChangeAspect="1"/>
-          </p:cNvPicPr>
-          <p:nvPr/>
-        </p:nvPicPr>
-        <p:blipFill>
-          <a:blip r:embed="rId3">
-            <a:extLst>
-              <a:ext uri="{28A0092B-C50C-407E-A947-70E740481C1C}">
-                <a14:useLocalDpi xmlns:a14="http://schemas.microsoft.com/office/drawing/2010/main" val="0"/>
-              </a:ext>
-            </a:extLst>
-          </a:blip>
-          <a:stretch>
-            <a:fillRect/>
-          </a:stretch>
-        </p:blipFill>
-        <p:spPr>
-          <a:xfrm rot="1682850">
-            <a:off x="4325094" y="4198439"/>
-            <a:ext cx="1889312" cy="1403916"/>
-          </a:xfrm>
-          <a:prstGeom prst="rect">
-            <a:avLst/>
-          </a:prstGeom>
-        </p:spPr>
-      </p:pic>
-      <p:pic>
-        <p:nvPicPr>
-          <p:cNvPr id="17" name="Imagen 16"/>
-          <p:cNvPicPr>
-            <a:picLocks noChangeAspect="1"/>
-          </p:cNvPicPr>
-          <p:nvPr/>
-        </p:nvPicPr>
-        <p:blipFill>
-          <a:blip r:embed="rId4">
-            <a:extLst>
-              <a:ext uri="{28A0092B-C50C-407E-A947-70E740481C1C}">
-                <a14:useLocalDpi xmlns:a14="http://schemas.microsoft.com/office/drawing/2010/main" val="0"/>
-              </a:ext>
-            </a:extLst>
-          </a:blip>
-          <a:stretch>
-            <a:fillRect/>
-          </a:stretch>
-        </p:blipFill>
-        <p:spPr>
-          <a:xfrm rot="21308890">
-            <a:off x="4150710" y="2635059"/>
-            <a:ext cx="1509713" cy="1121842"/>
-          </a:xfrm>
-          <a:prstGeom prst="rect">
-            <a:avLst/>
-          </a:prstGeom>
-        </p:spPr>
-      </p:pic>
-      <p:pic>
-        <p:nvPicPr>
-          <p:cNvPr id="18" name="Imagen 17"/>
-          <p:cNvPicPr>
-            <a:picLocks noChangeAspect="1"/>
-          </p:cNvPicPr>
-          <p:nvPr/>
-        </p:nvPicPr>
-        <p:blipFill>
-          <a:blip r:embed="rId5">
-            <a:extLst>
-              <a:ext uri="{28A0092B-C50C-407E-A947-70E740481C1C}">
-                <a14:useLocalDpi xmlns:a14="http://schemas.microsoft.com/office/drawing/2010/main" val="0"/>
-              </a:ext>
-            </a:extLst>
-          </a:blip>
-          <a:stretch>
-            <a:fillRect/>
-          </a:stretch>
-        </p:blipFill>
-        <p:spPr>
-          <a:xfrm>
-            <a:off x="1291854" y="3628634"/>
-            <a:ext cx="3082321" cy="2683357"/>
-          </a:xfrm>
-          <a:prstGeom prst="rect">
-            <a:avLst/>
-          </a:prstGeom>
-        </p:spPr>
-      </p:pic>
-      <p:pic>
-        <p:nvPicPr>
-          <p:cNvPr id="19" name="Imagen 18"/>
-          <p:cNvPicPr>
-            <a:picLocks noChangeAspect="1"/>
-          </p:cNvPicPr>
-          <p:nvPr/>
-        </p:nvPicPr>
-        <p:blipFill>
-          <a:blip r:embed="rId6" cstate="print">
-            <a:extLst>
-              <a:ext uri="{28A0092B-C50C-407E-A947-70E740481C1C}">
-                <a14:useLocalDpi xmlns:a14="http://schemas.microsoft.com/office/drawing/2010/main" val="0"/>
-              </a:ext>
-            </a:extLst>
-          </a:blip>
-          <a:stretch>
-            <a:fillRect/>
-          </a:stretch>
-        </p:blipFill>
-        <p:spPr>
-          <a:xfrm>
-            <a:off x="6117621" y="4096202"/>
-            <a:ext cx="2523857" cy="2523857"/>
-          </a:xfrm>
-          <a:prstGeom prst="rect">
-            <a:avLst/>
-          </a:prstGeom>
-        </p:spPr>
-      </p:pic>
-      <p:pic>
-        <p:nvPicPr>
-          <p:cNvPr id="20" name="Picture 2" descr="http://3.bp.blogspot.com/_vv9KYvuvIoU/TG7M-q3glsI/AAAAAAAAAAM/AzadmBbSMnU/s1600/BANDERA+DE+ECUADOR.png"/>
-          <p:cNvPicPr>
-            <a:picLocks noChangeAspect="1" noChangeArrowheads="1"/>
-          </p:cNvPicPr>
-          <p:nvPr/>
-        </p:nvPicPr>
-        <p:blipFill>
-          <a:blip r:embed="rId7" cstate="print">
-            <a:extLst>
-              <a:ext uri="{28A0092B-C50C-407E-A947-70E740481C1C}">
-                <a14:useLocalDpi xmlns:a14="http://schemas.microsoft.com/office/drawing/2010/main" val="0"/>
-              </a:ext>
-            </a:extLst>
-          </a:blip>
-          <a:srcRect/>
-          <a:stretch>
-            <a:fillRect/>
-          </a:stretch>
-        </p:blipFill>
-        <p:spPr bwMode="auto">
-          <a:xfrm>
-            <a:off x="8309914" y="1427264"/>
-            <a:ext cx="1892107" cy="1260616"/>
-          </a:xfrm>
-          <a:prstGeom prst="rect">
-            <a:avLst/>
-          </a:prstGeom>
-          <a:noFill/>
-          <a:extLst>
-            <a:ext uri="{909E8E84-426E-40DD-AFC4-6F175D3DCCD1}">
-              <a14:hiddenFill xmlns:a14="http://schemas.microsoft.com/office/drawing/2010/main">
-                <a:solidFill>
-                  <a:srgbClr val="FFFFFF"/>
-                </a:solidFill>
-              </a14:hiddenFill>
-            </a:ext>
-          </a:extLst>
-        </p:spPr>
-      </p:pic>
-      <p:pic>
-        <p:nvPicPr>
-          <p:cNvPr id="14" name="Imagen 13"/>
-          <p:cNvPicPr>
-            <a:picLocks noChangeAspect="1"/>
-          </p:cNvPicPr>
-          <p:nvPr/>
-        </p:nvPicPr>
-        <p:blipFill>
-          <a:blip r:embed="rId8">
-            <a:extLst>
-              <a:ext uri="{28A0092B-C50C-407E-A947-70E740481C1C}">
-                <a14:useLocalDpi xmlns:a14="http://schemas.microsoft.com/office/drawing/2010/main" val="0"/>
-              </a:ext>
-            </a:extLst>
-          </a:blip>
-          <a:stretch>
-            <a:fillRect/>
-          </a:stretch>
-        </p:blipFill>
-        <p:spPr>
-          <a:xfrm>
-            <a:off x="9011396" y="3415954"/>
-            <a:ext cx="2381250" cy="2381250"/>
-          </a:xfrm>
-          <a:prstGeom prst="rect">
-            <a:avLst/>
-          </a:prstGeom>
-        </p:spPr>
-      </p:pic>
-    </p:spTree>
-    <p:extLst>
-      <p:ext uri="{BB962C8B-B14F-4D97-AF65-F5344CB8AC3E}">
-        <p14:creationId xmlns:p14="http://schemas.microsoft.com/office/powerpoint/2010/main" val="2487587015"/>
-      </p:ext>
-    </p:extLst>
-  </p:cSld>
-  <p:clrMapOvr>
-    <a:masterClrMapping/>
-  </p:clrMapOvr>
-  <p:timing>
-    <p:tnLst>
-      <p:par>
-        <p:cTn id="1" dur="indefinite" restart="never" nodeType="tmRoot">
-          <p:childTnLst>
-            <p:seq concurrent="1" nextAc="seek">
-              <p:cTn id="2" dur="indefinite" nodeType="mainSeq">
-                <p:childTnLst>
-                  <p:par>
-                    <p:cTn id="3" fill="hold">
-                      <p:stCondLst>
-                        <p:cond delay="indefinite"/>
-                        <p:cond evt="onBegin" delay="0">
-                          <p:tn val="2"/>
-                        </p:cond>
-                      </p:stCondLst>
-                      <p:childTnLst>
-                        <p:par>
-                          <p:cTn id="4" fill="hold">
-                            <p:stCondLst>
-                              <p:cond delay="0"/>
-                            </p:stCondLst>
-                            <p:childTnLst>
-                              <p:par>
-                                <p:cTn id="5" presetID="10" presetClass="entr" presetSubtype="0" fill="hold" nodeType="withEffect">
-                                  <p:stCondLst>
-                                    <p:cond delay="0"/>
-                                  </p:stCondLst>
-                                  <p:childTnLst>
-                                    <p:set>
-                                      <p:cBhvr>
-                                        <p:cTn id="6" dur="1" fill="hold">
-                                          <p:stCondLst>
-                                            <p:cond delay="0"/>
-                                          </p:stCondLst>
-                                        </p:cTn>
-                                        <p:tgtEl>
-                                          <p:spTgt spid="18"/>
-                                        </p:tgtEl>
-                                        <p:attrNameLst>
-                                          <p:attrName>style.visibility</p:attrName>
-                                        </p:attrNameLst>
-                                      </p:cBhvr>
-                                      <p:to>
-                                        <p:strVal val="visible"/>
-                                      </p:to>
-                                    </p:set>
-                                    <p:animEffect transition="in" filter="fade">
-                                      <p:cBhvr>
-                                        <p:cTn id="7" dur="500"/>
-                                        <p:tgtEl>
-                                          <p:spTgt spid="18"/>
-                                        </p:tgtEl>
-                                      </p:cBhvr>
-                                    </p:animEffect>
-                                  </p:childTnLst>
-                                </p:cTn>
-                              </p:par>
-                            </p:childTnLst>
-                          </p:cTn>
-                        </p:par>
-                        <p:par>
-                          <p:cTn id="8" fill="hold">
-                            <p:stCondLst>
-                              <p:cond delay="500"/>
-                            </p:stCondLst>
-                            <p:childTnLst>
-                              <p:par>
-                                <p:cTn id="9" presetID="22" presetClass="entr" presetSubtype="8" fill="hold" nodeType="afterEffect">
-                                  <p:stCondLst>
-                                    <p:cond delay="0"/>
-                                  </p:stCondLst>
-                                  <p:childTnLst>
-                                    <p:set>
-                                      <p:cBhvr>
-                                        <p:cTn id="10" dur="1" fill="hold">
-                                          <p:stCondLst>
-                                            <p:cond delay="0"/>
-                                          </p:stCondLst>
-                                        </p:cTn>
-                                        <p:tgtEl>
-                                          <p:spTgt spid="17"/>
-                                        </p:tgtEl>
-                                        <p:attrNameLst>
-                                          <p:attrName>style.visibility</p:attrName>
-                                        </p:attrNameLst>
-                                      </p:cBhvr>
-                                      <p:to>
-                                        <p:strVal val="visible"/>
-                                      </p:to>
-                                    </p:set>
-                                    <p:animEffect transition="in" filter="wipe(left)">
-                                      <p:cBhvr>
-                                        <p:cTn id="11" dur="500"/>
-                                        <p:tgtEl>
-                                          <p:spTgt spid="17"/>
-                                        </p:tgtEl>
-                                      </p:cBhvr>
-                                    </p:animEffect>
-                                  </p:childTnLst>
-                                </p:cTn>
-                              </p:par>
-                            </p:childTnLst>
-                          </p:cTn>
-                        </p:par>
-                        <p:par>
-                          <p:cTn id="12" fill="hold">
-                            <p:stCondLst>
-                              <p:cond delay="1000"/>
-                            </p:stCondLst>
-                            <p:childTnLst>
-                              <p:par>
-                                <p:cTn id="13" presetID="10" presetClass="entr" presetSubtype="0" fill="hold" nodeType="afterEffect">
-                                  <p:stCondLst>
-                                    <p:cond delay="0"/>
-                                  </p:stCondLst>
-                                  <p:childTnLst>
-                                    <p:set>
-                                      <p:cBhvr>
-                                        <p:cTn id="14" dur="1" fill="hold">
-                                          <p:stCondLst>
-                                            <p:cond delay="0"/>
-                                          </p:stCondLst>
-                                        </p:cTn>
-                                        <p:tgtEl>
-                                          <p:spTgt spid="15"/>
-                                        </p:tgtEl>
-                                        <p:attrNameLst>
-                                          <p:attrName>style.visibility</p:attrName>
-                                        </p:attrNameLst>
-                                      </p:cBhvr>
-                                      <p:to>
-                                        <p:strVal val="visible"/>
-                                      </p:to>
-                                    </p:set>
-                                    <p:animEffect transition="in" filter="fade">
-                                      <p:cBhvr>
-                                        <p:cTn id="15" dur="500"/>
-                                        <p:tgtEl>
-                                          <p:spTgt spid="15"/>
-                                        </p:tgtEl>
-                                      </p:cBhvr>
-                                    </p:animEffect>
-                                  </p:childTnLst>
-                                </p:cTn>
-                              </p:par>
-                              <p:par>
-                                <p:cTn id="16" presetID="10" presetClass="entr" presetSubtype="0" fill="hold" nodeType="withEffect">
-                                  <p:stCondLst>
-                                    <p:cond delay="0"/>
-                                  </p:stCondLst>
-                                  <p:childTnLst>
-                                    <p:set>
-                                      <p:cBhvr>
-                                        <p:cTn id="17" dur="1" fill="hold">
-                                          <p:stCondLst>
-                                            <p:cond delay="0"/>
-                                          </p:stCondLst>
-                                        </p:cTn>
-                                        <p:tgtEl>
-                                          <p:spTgt spid="20"/>
-                                        </p:tgtEl>
-                                        <p:attrNameLst>
-                                          <p:attrName>style.visibility</p:attrName>
-                                        </p:attrNameLst>
-                                      </p:cBhvr>
-                                      <p:to>
-                                        <p:strVal val="visible"/>
-                                      </p:to>
-                                    </p:set>
-                                    <p:animEffect transition="in" filter="fade">
-                                      <p:cBhvr>
-                                        <p:cTn id="18" dur="500"/>
-                                        <p:tgtEl>
-                                          <p:spTgt spid="20"/>
-                                        </p:tgtEl>
-                                      </p:cBhvr>
-                                    </p:animEffect>
-                                  </p:childTnLst>
-                                </p:cTn>
-                              </p:par>
-                            </p:childTnLst>
-                          </p:cTn>
-                        </p:par>
-                        <p:par>
-                          <p:cTn id="19" fill="hold">
-                            <p:stCondLst>
-                              <p:cond delay="1500"/>
-                            </p:stCondLst>
-                            <p:childTnLst>
-                              <p:par>
-                                <p:cTn id="20" presetID="22" presetClass="entr" presetSubtype="8" fill="hold" nodeType="afterEffect">
-                                  <p:stCondLst>
-                                    <p:cond delay="0"/>
-                                  </p:stCondLst>
-                                  <p:childTnLst>
-                                    <p:set>
-                                      <p:cBhvr>
-                                        <p:cTn id="21" dur="1" fill="hold">
-                                          <p:stCondLst>
-                                            <p:cond delay="0"/>
-                                          </p:stCondLst>
-                                        </p:cTn>
-                                        <p:tgtEl>
-                                          <p:spTgt spid="16"/>
-                                        </p:tgtEl>
-                                        <p:attrNameLst>
-                                          <p:attrName>style.visibility</p:attrName>
-                                        </p:attrNameLst>
-                                      </p:cBhvr>
-                                      <p:to>
-                                        <p:strVal val="visible"/>
-                                      </p:to>
-                                    </p:set>
-                                    <p:animEffect transition="in" filter="wipe(left)">
-                                      <p:cBhvr>
-                                        <p:cTn id="22" dur="500"/>
-                                        <p:tgtEl>
-                                          <p:spTgt spid="16"/>
-                                        </p:tgtEl>
-                                      </p:cBhvr>
-                                    </p:animEffect>
-                                  </p:childTnLst>
-                                </p:cTn>
-                              </p:par>
-                            </p:childTnLst>
-                          </p:cTn>
-                        </p:par>
-                        <p:par>
-                          <p:cTn id="23" fill="hold">
-                            <p:stCondLst>
-                              <p:cond delay="2000"/>
-                            </p:stCondLst>
-                            <p:childTnLst>
-                              <p:par>
-                                <p:cTn id="24" presetID="10" presetClass="entr" presetSubtype="0" fill="hold" nodeType="afterEffect">
-                                  <p:stCondLst>
-                                    <p:cond delay="0"/>
-                                  </p:stCondLst>
-                                  <p:childTnLst>
-                                    <p:set>
-                                      <p:cBhvr>
-                                        <p:cTn id="25" dur="1" fill="hold">
-                                          <p:stCondLst>
-                                            <p:cond delay="0"/>
-                                          </p:stCondLst>
-                                        </p:cTn>
-                                        <p:tgtEl>
-                                          <p:spTgt spid="19"/>
-                                        </p:tgtEl>
-                                        <p:attrNameLst>
-                                          <p:attrName>style.visibility</p:attrName>
-                                        </p:attrNameLst>
-                                      </p:cBhvr>
-                                      <p:to>
-                                        <p:strVal val="visible"/>
-                                      </p:to>
-                                    </p:set>
-                                    <p:animEffect transition="in" filter="fade">
-                                      <p:cBhvr>
-                                        <p:cTn id="26" dur="500"/>
-                                        <p:tgtEl>
-                                          <p:spTgt spid="19"/>
-                                        </p:tgtEl>
-                                      </p:cBhvr>
-                                    </p:animEffect>
-                                  </p:childTnLst>
-                                </p:cTn>
-                              </p:par>
-                            </p:childTnLst>
-                          </p:cTn>
-                        </p:par>
-                        <p:par>
-                          <p:cTn id="27" fill="hold">
-                            <p:stCondLst>
-                              <p:cond delay="2500"/>
-                            </p:stCondLst>
-                            <p:childTnLst>
-                              <p:par>
-                                <p:cTn id="28" presetID="22" presetClass="entr" presetSubtype="8" fill="hold" nodeType="afterEffect">
-                                  <p:stCondLst>
-                                    <p:cond delay="0"/>
-                                  </p:stCondLst>
-                                  <p:childTnLst>
-                                    <p:set>
-                                      <p:cBhvr>
-                                        <p:cTn id="29" dur="1" fill="hold">
-                                          <p:stCondLst>
-                                            <p:cond delay="0"/>
-                                          </p:stCondLst>
-                                        </p:cTn>
-                                        <p:tgtEl>
-                                          <p:spTgt spid="14"/>
-                                        </p:tgtEl>
-                                        <p:attrNameLst>
-                                          <p:attrName>style.visibility</p:attrName>
-                                        </p:attrNameLst>
-                                      </p:cBhvr>
-                                      <p:to>
-                                        <p:strVal val="visible"/>
-                                      </p:to>
-                                    </p:set>
-                                    <p:animEffect transition="in" filter="wipe(left)">
-                                      <p:cBhvr>
-                                        <p:cTn id="30" dur="500"/>
-                                        <p:tgtEl>
-                                          <p:spTgt spid="14"/>
-                                        </p:tgtEl>
-                                      </p:cBhvr>
-                                    </p:animEffect>
-                                  </p:childTnLst>
-                                </p:cTn>
-                              </p:par>
-                            </p:childTnLst>
-                          </p:cTn>
-                        </p:par>
-                      </p:childTnLst>
-                    </p:cTn>
-                  </p:par>
-                </p:childTnLst>
-              </p:cTn>
-              <p:prevCondLst>
-                <p:cond evt="onPrev" delay="0">
-                  <p:tgtEl>
-                    <p:sldTgt/>
-                  </p:tgtEl>
-                </p:cond>
-              </p:prevCondLst>
-              <p:nextCondLst>
-                <p:cond evt="onNext" delay="0">
-                  <p:tgtEl>
-                    <p:sldTgt/>
-                  </p:tgtEl>
-                </p:cond>
-              </p:nextCondLst>
-            </p:seq>
-          </p:childTnLst>
-        </p:cTn>
-      </p:par>
-    </p:tnLst>
-  </p:timing>
-</p:sld>
-</file>
-
-<file path=ppt/slides/slide15.xml><?xml version="1.0" encoding="utf-8"?>
-<p:sld xmlns:a="http://schemas.openxmlformats.org/drawingml/2006/main" xmlns:r="http://schemas.openxmlformats.org/officeDocument/2006/relationships" xmlns:p="http://schemas.openxmlformats.org/presentationml/2006/main">
-  <p:cSld>
-    <p:spTree>
-      <p:nvGrpSpPr>
-        <p:cNvPr id="1" name=""/>
-        <p:cNvGrpSpPr/>
-        <p:nvPr/>
-      </p:nvGrpSpPr>
-      <p:grpSpPr>
-        <a:xfrm>
-          <a:off x="0" y="0"/>
-          <a:ext cx="0" cy="0"/>
-          <a:chOff x="0" y="0"/>
-          <a:chExt cx="0" cy="0"/>
-        </a:xfrm>
-      </p:grpSpPr>
-      <p:sp>
-        <p:nvSpPr>
-          <p:cNvPr id="5" name="CuadroTexto 4"/>
-          <p:cNvSpPr txBox="1"/>
-          <p:nvPr/>
-        </p:nvSpPr>
-        <p:spPr>
-          <a:xfrm>
-            <a:off x="385483" y="452811"/>
-            <a:ext cx="6239434" cy="830997"/>
-          </a:xfrm>
-          <a:prstGeom prst="rect">
-            <a:avLst/>
-          </a:prstGeom>
-          <a:noFill/>
-        </p:spPr>
-        <p:txBody>
-          <a:bodyPr wrap="square" rtlCol="0">
-            <a:spAutoFit/>
-          </a:bodyPr>
-          <a:lstStyle/>
-          <a:p>
-            <a:r>
-              <a:rPr lang="es-EC" sz="4800" dirty="0" smtClean="0">
-                <a:solidFill>
-                  <a:srgbClr val="014455"/>
-                </a:solidFill>
-                <a:latin typeface="+mj-lt"/>
-              </a:rPr>
-              <a:t>Competidores </a:t>
-            </a:r>
-            <a:r>
-              <a:rPr lang="es-EC" sz="4800" dirty="0">
-                <a:solidFill>
-                  <a:srgbClr val="014455"/>
-                </a:solidFill>
-                <a:latin typeface="Poiret One" panose="02000000000000000000" pitchFamily="2" charset="0"/>
-              </a:rPr>
-              <a:t> </a:t>
-            </a:r>
-          </a:p>
-        </p:txBody>
-      </p:sp>
-      <p:sp>
-        <p:nvSpPr>
-          <p:cNvPr id="6" name="CuadroTexto 5"/>
-          <p:cNvSpPr txBox="1"/>
-          <p:nvPr/>
-        </p:nvSpPr>
-        <p:spPr>
-          <a:xfrm>
-            <a:off x="1848448" y="5561034"/>
-            <a:ext cx="2617765" cy="461665"/>
-          </a:xfrm>
-          <a:prstGeom prst="rect">
-            <a:avLst/>
-          </a:prstGeom>
-          <a:noFill/>
-        </p:spPr>
-        <p:txBody>
-          <a:bodyPr wrap="square" rtlCol="0">
-            <a:spAutoFit/>
-          </a:bodyPr>
-          <a:lstStyle/>
-          <a:p>
-            <a:pPr algn="ctr"/>
-            <a:r>
-              <a:rPr lang="es-EC" sz="2400" dirty="0" smtClean="0">
-                <a:latin typeface="Calibri Light" panose="020F0302020204030204" pitchFamily="34" charset="0"/>
-              </a:rPr>
-              <a:t>sin información </a:t>
-            </a:r>
-            <a:endParaRPr lang="es-EC" sz="2400" dirty="0">
-              <a:latin typeface="Calibri Light" panose="020F0302020204030204" pitchFamily="34" charset="0"/>
-            </a:endParaRPr>
-          </a:p>
-        </p:txBody>
-      </p:sp>
-      <p:cxnSp>
-        <p:nvCxnSpPr>
-          <p:cNvPr id="8" name="Conector recto 7"/>
-          <p:cNvCxnSpPr/>
-          <p:nvPr/>
-        </p:nvCxnSpPr>
-        <p:spPr>
-          <a:xfrm>
-            <a:off x="5341870" y="1911732"/>
-            <a:ext cx="0" cy="3702423"/>
-          </a:xfrm>
-          <a:prstGeom prst="line">
-            <a:avLst/>
-          </a:prstGeom>
-          <a:ln w="57150">
-            <a:solidFill>
-              <a:schemeClr val="tx1"/>
-            </a:solidFill>
-          </a:ln>
-        </p:spPr>
-        <p:style>
-          <a:lnRef idx="1">
-            <a:schemeClr val="accent1"/>
-          </a:lnRef>
-          <a:fillRef idx="0">
-            <a:schemeClr val="accent1"/>
-          </a:fillRef>
-          <a:effectRef idx="0">
-            <a:schemeClr val="accent1"/>
-          </a:effectRef>
-          <a:fontRef idx="minor">
-            <a:schemeClr val="tx1"/>
-          </a:fontRef>
-        </p:style>
-      </p:cxnSp>
-      <p:sp>
-        <p:nvSpPr>
-          <p:cNvPr id="9" name="CuadroTexto 8"/>
-          <p:cNvSpPr txBox="1"/>
-          <p:nvPr/>
-        </p:nvSpPr>
-        <p:spPr>
-          <a:xfrm>
-            <a:off x="6880961" y="5561034"/>
-            <a:ext cx="3256952" cy="461665"/>
-          </a:xfrm>
-          <a:prstGeom prst="rect">
-            <a:avLst/>
-          </a:prstGeom>
-          <a:noFill/>
-        </p:spPr>
-        <p:txBody>
-          <a:bodyPr wrap="square" rtlCol="0">
-            <a:spAutoFit/>
-          </a:bodyPr>
-          <a:lstStyle/>
-          <a:p>
-            <a:pPr algn="ctr"/>
-            <a:r>
-              <a:rPr lang="es-EC" sz="2400" dirty="0" smtClean="0">
-                <a:latin typeface="Calibri Light" panose="020F0302020204030204" pitchFamily="34" charset="0"/>
-              </a:rPr>
-              <a:t>Información tiempo real</a:t>
-            </a:r>
-            <a:endParaRPr lang="es-EC" sz="2400" dirty="0">
-              <a:latin typeface="Calibri Light" panose="020F0302020204030204" pitchFamily="34" charset="0"/>
-            </a:endParaRPr>
-          </a:p>
-        </p:txBody>
-      </p:sp>
-      <p:pic>
-        <p:nvPicPr>
-          <p:cNvPr id="4" name="Imagen 3"/>
-          <p:cNvPicPr>
-            <a:picLocks noChangeAspect="1"/>
-          </p:cNvPicPr>
-          <p:nvPr/>
-        </p:nvPicPr>
-        <p:blipFill rotWithShape="1">
-          <a:blip r:embed="rId2">
-            <a:extLst>
-              <a:ext uri="{28A0092B-C50C-407E-A947-70E740481C1C}">
-                <a14:useLocalDpi xmlns:a14="http://schemas.microsoft.com/office/drawing/2010/main" val="0"/>
-              </a:ext>
-            </a:extLst>
-          </a:blip>
-          <a:srcRect l="14717" t="4907" r="12934" b="5027"/>
-          <a:stretch/>
-        </p:blipFill>
-        <p:spPr>
-          <a:xfrm>
-            <a:off x="8452855" y="994440"/>
-            <a:ext cx="1404989" cy="1391479"/>
-          </a:xfrm>
-          <a:prstGeom prst="rect">
-            <a:avLst/>
-          </a:prstGeom>
-        </p:spPr>
-      </p:pic>
-      <p:pic>
-        <p:nvPicPr>
-          <p:cNvPr id="14" name="Imagen 13"/>
-          <p:cNvPicPr>
-            <a:picLocks noChangeAspect="1"/>
-          </p:cNvPicPr>
-          <p:nvPr/>
-        </p:nvPicPr>
-        <p:blipFill>
-          <a:blip r:embed="rId3">
-            <a:extLst>
-              <a:ext uri="{28A0092B-C50C-407E-A947-70E740481C1C}">
-                <a14:useLocalDpi xmlns:a14="http://schemas.microsoft.com/office/drawing/2010/main" val="0"/>
-              </a:ext>
-            </a:extLst>
-          </a:blip>
-          <a:stretch>
-            <a:fillRect/>
-          </a:stretch>
-        </p:blipFill>
-        <p:spPr>
-          <a:xfrm rot="7026900" flipV="1">
-            <a:off x="6834323" y="1590714"/>
-            <a:ext cx="1696308" cy="1207928"/>
-          </a:xfrm>
-          <a:prstGeom prst="rect">
-            <a:avLst/>
-          </a:prstGeom>
-        </p:spPr>
-      </p:pic>
-      <p:pic>
-        <p:nvPicPr>
-          <p:cNvPr id="15" name="Imagen 14"/>
-          <p:cNvPicPr>
-            <a:picLocks noChangeAspect="1"/>
-          </p:cNvPicPr>
-          <p:nvPr/>
-        </p:nvPicPr>
-        <p:blipFill>
-          <a:blip r:embed="rId4" cstate="print">
-            <a:extLst>
-              <a:ext uri="{28A0092B-C50C-407E-A947-70E740481C1C}">
-                <a14:useLocalDpi xmlns:a14="http://schemas.microsoft.com/office/drawing/2010/main" val="0"/>
-              </a:ext>
-            </a:extLst>
-          </a:blip>
-          <a:stretch>
-            <a:fillRect/>
-          </a:stretch>
-        </p:blipFill>
-        <p:spPr>
-          <a:xfrm>
-            <a:off x="9894588" y="968573"/>
-            <a:ext cx="1657789" cy="1443211"/>
-          </a:xfrm>
-          <a:prstGeom prst="rect">
-            <a:avLst/>
-          </a:prstGeom>
-        </p:spPr>
-      </p:pic>
-      <p:pic>
-        <p:nvPicPr>
-          <p:cNvPr id="16" name="Imagen 15"/>
-          <p:cNvPicPr>
-            <a:picLocks noChangeAspect="1"/>
-          </p:cNvPicPr>
-          <p:nvPr/>
-        </p:nvPicPr>
-        <p:blipFill>
-          <a:blip r:embed="rId5">
-            <a:extLst>
-              <a:ext uri="{28A0092B-C50C-407E-A947-70E740481C1C}">
-                <a14:useLocalDpi xmlns:a14="http://schemas.microsoft.com/office/drawing/2010/main" val="0"/>
-              </a:ext>
-            </a:extLst>
-          </a:blip>
-          <a:stretch>
-            <a:fillRect/>
-          </a:stretch>
-        </p:blipFill>
-        <p:spPr>
-          <a:xfrm rot="1722552">
-            <a:off x="7754579" y="3548589"/>
-            <a:ext cx="1509713" cy="1121842"/>
-          </a:xfrm>
-          <a:prstGeom prst="rect">
-            <a:avLst/>
-          </a:prstGeom>
-        </p:spPr>
-      </p:pic>
-      <p:pic>
-        <p:nvPicPr>
-          <p:cNvPr id="17" name="Imagen 16"/>
-          <p:cNvPicPr>
-            <a:picLocks noChangeAspect="1"/>
-          </p:cNvPicPr>
-          <p:nvPr/>
-        </p:nvPicPr>
-        <p:blipFill>
-          <a:blip r:embed="rId6">
-            <a:extLst>
-              <a:ext uri="{28A0092B-C50C-407E-A947-70E740481C1C}">
-                <a14:useLocalDpi xmlns:a14="http://schemas.microsoft.com/office/drawing/2010/main" val="0"/>
-              </a:ext>
-            </a:extLst>
-          </a:blip>
-          <a:stretch>
-            <a:fillRect/>
-          </a:stretch>
-        </p:blipFill>
-        <p:spPr>
-          <a:xfrm>
-            <a:off x="5590428" y="2613992"/>
-            <a:ext cx="2678316" cy="2678316"/>
-          </a:xfrm>
-          <a:prstGeom prst="rect">
-            <a:avLst/>
-          </a:prstGeom>
-        </p:spPr>
-      </p:pic>
-      <p:pic>
-        <p:nvPicPr>
-          <p:cNvPr id="18" name="Imagen 17"/>
-          <p:cNvPicPr>
-            <a:picLocks noChangeAspect="1"/>
-          </p:cNvPicPr>
-          <p:nvPr/>
-        </p:nvPicPr>
-        <p:blipFill>
-          <a:blip r:embed="rId7">
-            <a:extLst>
-              <a:ext uri="{28A0092B-C50C-407E-A947-70E740481C1C}">
-                <a14:useLocalDpi xmlns:a14="http://schemas.microsoft.com/office/drawing/2010/main" val="0"/>
-              </a:ext>
-            </a:extLst>
-          </a:blip>
-          <a:stretch>
-            <a:fillRect/>
-          </a:stretch>
-        </p:blipFill>
-        <p:spPr>
-          <a:xfrm>
-            <a:off x="9058530" y="2680510"/>
-            <a:ext cx="2751685" cy="2751685"/>
-          </a:xfrm>
-          <a:prstGeom prst="rect">
-            <a:avLst/>
-          </a:prstGeom>
-        </p:spPr>
-      </p:pic>
-      <p:pic>
-        <p:nvPicPr>
-          <p:cNvPr id="19" name="Imagen 18"/>
-          <p:cNvPicPr>
-            <a:picLocks noChangeAspect="1"/>
-          </p:cNvPicPr>
-          <p:nvPr/>
-        </p:nvPicPr>
-        <p:blipFill>
-          <a:blip r:embed="rId8">
-            <a:extLst>
-              <a:ext uri="{28A0092B-C50C-407E-A947-70E740481C1C}">
-                <a14:useLocalDpi xmlns:a14="http://schemas.microsoft.com/office/drawing/2010/main" val="0"/>
-              </a:ext>
-            </a:extLst>
-          </a:blip>
-          <a:stretch>
-            <a:fillRect/>
-          </a:stretch>
-        </p:blipFill>
-        <p:spPr>
-          <a:xfrm>
-            <a:off x="1376311" y="1911732"/>
-            <a:ext cx="3424331" cy="3424331"/>
-          </a:xfrm>
-          <a:prstGeom prst="rect">
-            <a:avLst/>
-          </a:prstGeom>
-        </p:spPr>
-      </p:pic>
-    </p:spTree>
-    <p:extLst>
-      <p:ext uri="{BB962C8B-B14F-4D97-AF65-F5344CB8AC3E}">
-        <p14:creationId xmlns:p14="http://schemas.microsoft.com/office/powerpoint/2010/main" val="364174169"/>
-      </p:ext>
-    </p:extLst>
-  </p:cSld>
-  <p:clrMapOvr>
-    <a:masterClrMapping/>
-  </p:clrMapOvr>
-  <p:timing>
-    <p:tnLst>
-      <p:par>
-        <p:cTn id="1" dur="indefinite" restart="never" nodeType="tmRoot">
-          <p:childTnLst>
-            <p:seq concurrent="1" nextAc="seek">
-              <p:cTn id="2" dur="indefinite" nodeType="mainSeq">
-                <p:childTnLst>
-                  <p:par>
-                    <p:cTn id="3" fill="hold">
-                      <p:stCondLst>
-                        <p:cond delay="indefinite"/>
-                        <p:cond evt="onBegin" delay="0">
-                          <p:tn val="2"/>
-                        </p:cond>
-                      </p:stCondLst>
-                      <p:childTnLst>
-                        <p:par>
-                          <p:cTn id="4" fill="hold">
-                            <p:stCondLst>
-                              <p:cond delay="0"/>
-                            </p:stCondLst>
-                            <p:childTnLst>
-                              <p:par>
-                                <p:cTn id="5" presetID="10" presetClass="entr" presetSubtype="0" fill="hold" nodeType="withEffect">
-                                  <p:stCondLst>
-                                    <p:cond delay="0"/>
-                                  </p:stCondLst>
-                                  <p:childTnLst>
-                                    <p:set>
-                                      <p:cBhvr>
-                                        <p:cTn id="6" dur="1" fill="hold">
-                                          <p:stCondLst>
-                                            <p:cond delay="0"/>
-                                          </p:stCondLst>
-                                        </p:cTn>
-                                        <p:tgtEl>
-                                          <p:spTgt spid="19"/>
-                                        </p:tgtEl>
-                                        <p:attrNameLst>
-                                          <p:attrName>style.visibility</p:attrName>
-                                        </p:attrNameLst>
-                                      </p:cBhvr>
-                                      <p:to>
-                                        <p:strVal val="visible"/>
-                                      </p:to>
-                                    </p:set>
-                                    <p:animEffect transition="in" filter="fade">
-                                      <p:cBhvr>
-                                        <p:cTn id="7" dur="500"/>
-                                        <p:tgtEl>
-                                          <p:spTgt spid="19"/>
-                                        </p:tgtEl>
-                                      </p:cBhvr>
-                                    </p:animEffect>
-                                  </p:childTnLst>
-                                </p:cTn>
-                              </p:par>
-                              <p:par>
-                                <p:cTn id="8" presetID="10" presetClass="entr" presetSubtype="0" fill="hold" grpId="0" nodeType="withEffect">
-                                  <p:stCondLst>
-                                    <p:cond delay="0"/>
-                                  </p:stCondLst>
-                                  <p:childTnLst>
-                                    <p:set>
-                                      <p:cBhvr>
-                                        <p:cTn id="9" dur="1" fill="hold">
-                                          <p:stCondLst>
-                                            <p:cond delay="0"/>
-                                          </p:stCondLst>
-                                        </p:cTn>
-                                        <p:tgtEl>
-                                          <p:spTgt spid="6"/>
-                                        </p:tgtEl>
-                                        <p:attrNameLst>
-                                          <p:attrName>style.visibility</p:attrName>
-                                        </p:attrNameLst>
-                                      </p:cBhvr>
-                                      <p:to>
-                                        <p:strVal val="visible"/>
-                                      </p:to>
-                                    </p:set>
-                                    <p:animEffect transition="in" filter="fade">
-                                      <p:cBhvr>
-                                        <p:cTn id="10" dur="500"/>
-                                        <p:tgtEl>
-                                          <p:spTgt spid="6"/>
-                                        </p:tgtEl>
-                                      </p:cBhvr>
-                                    </p:animEffect>
-                                  </p:childTnLst>
-                                </p:cTn>
-                              </p:par>
-                            </p:childTnLst>
-                          </p:cTn>
-                        </p:par>
-                        <p:par>
-                          <p:cTn id="11" fill="hold">
-                            <p:stCondLst>
-                              <p:cond delay="500"/>
-                            </p:stCondLst>
-                            <p:childTnLst>
-                              <p:par>
-                                <p:cTn id="12" presetID="10" presetClass="entr" presetSubtype="0" fill="hold" nodeType="afterEffect">
-                                  <p:stCondLst>
-                                    <p:cond delay="0"/>
-                                  </p:stCondLst>
-                                  <p:childTnLst>
-                                    <p:set>
-                                      <p:cBhvr>
-                                        <p:cTn id="13" dur="1" fill="hold">
-                                          <p:stCondLst>
-                                            <p:cond delay="0"/>
-                                          </p:stCondLst>
-                                        </p:cTn>
-                                        <p:tgtEl>
-                                          <p:spTgt spid="4"/>
-                                        </p:tgtEl>
-                                        <p:attrNameLst>
-                                          <p:attrName>style.visibility</p:attrName>
-                                        </p:attrNameLst>
-                                      </p:cBhvr>
-                                      <p:to>
-                                        <p:strVal val="visible"/>
-                                      </p:to>
-                                    </p:set>
-                                    <p:animEffect transition="in" filter="fade">
-                                      <p:cBhvr>
-                                        <p:cTn id="14" dur="500"/>
-                                        <p:tgtEl>
-                                          <p:spTgt spid="4"/>
-                                        </p:tgtEl>
-                                      </p:cBhvr>
-                                    </p:animEffect>
-                                  </p:childTnLst>
-                                </p:cTn>
-                              </p:par>
-                              <p:par>
-                                <p:cTn id="15" presetID="10" presetClass="entr" presetSubtype="0" fill="hold" nodeType="withEffect">
-                                  <p:stCondLst>
-                                    <p:cond delay="0"/>
-                                  </p:stCondLst>
-                                  <p:childTnLst>
-                                    <p:set>
-                                      <p:cBhvr>
-                                        <p:cTn id="16" dur="1" fill="hold">
-                                          <p:stCondLst>
-                                            <p:cond delay="0"/>
-                                          </p:stCondLst>
-                                        </p:cTn>
-                                        <p:tgtEl>
-                                          <p:spTgt spid="15"/>
-                                        </p:tgtEl>
-                                        <p:attrNameLst>
-                                          <p:attrName>style.visibility</p:attrName>
-                                        </p:attrNameLst>
-                                      </p:cBhvr>
-                                      <p:to>
-                                        <p:strVal val="visible"/>
-                                      </p:to>
-                                    </p:set>
-                                    <p:animEffect transition="in" filter="fade">
-                                      <p:cBhvr>
-                                        <p:cTn id="17" dur="500"/>
-                                        <p:tgtEl>
-                                          <p:spTgt spid="15"/>
-                                        </p:tgtEl>
-                                      </p:cBhvr>
-                                    </p:animEffect>
-                                  </p:childTnLst>
-                                </p:cTn>
-                              </p:par>
-                              <p:par>
-                                <p:cTn id="18" presetID="10" presetClass="entr" presetSubtype="0" fill="hold" grpId="0" nodeType="withEffect">
-                                  <p:stCondLst>
-                                    <p:cond delay="0"/>
-                                  </p:stCondLst>
-                                  <p:childTnLst>
-                                    <p:set>
-                                      <p:cBhvr>
-                                        <p:cTn id="19" dur="1" fill="hold">
-                                          <p:stCondLst>
-                                            <p:cond delay="0"/>
-                                          </p:stCondLst>
-                                        </p:cTn>
-                                        <p:tgtEl>
-                                          <p:spTgt spid="9"/>
-                                        </p:tgtEl>
-                                        <p:attrNameLst>
-                                          <p:attrName>style.visibility</p:attrName>
-                                        </p:attrNameLst>
-                                      </p:cBhvr>
-                                      <p:to>
-                                        <p:strVal val="visible"/>
-                                      </p:to>
-                                    </p:set>
-                                    <p:animEffect transition="in" filter="fade">
-                                      <p:cBhvr>
-                                        <p:cTn id="20" dur="500"/>
-                                        <p:tgtEl>
-                                          <p:spTgt spid="9"/>
-                                        </p:tgtEl>
-                                      </p:cBhvr>
-                                    </p:animEffect>
-                                  </p:childTnLst>
-                                </p:cTn>
-                              </p:par>
-                              <p:par>
-                                <p:cTn id="21" presetID="10" presetClass="entr" presetSubtype="0" fill="hold" nodeType="withEffect">
-                                  <p:stCondLst>
-                                    <p:cond delay="0"/>
-                                  </p:stCondLst>
-                                  <p:childTnLst>
-                                    <p:set>
-                                      <p:cBhvr>
-                                        <p:cTn id="22" dur="1" fill="hold">
-                                          <p:stCondLst>
-                                            <p:cond delay="0"/>
-                                          </p:stCondLst>
-                                        </p:cTn>
-                                        <p:tgtEl>
-                                          <p:spTgt spid="17"/>
-                                        </p:tgtEl>
-                                        <p:attrNameLst>
-                                          <p:attrName>style.visibility</p:attrName>
-                                        </p:attrNameLst>
-                                      </p:cBhvr>
-                                      <p:to>
-                                        <p:strVal val="visible"/>
-                                      </p:to>
-                                    </p:set>
-                                    <p:animEffect transition="in" filter="fade">
-                                      <p:cBhvr>
-                                        <p:cTn id="23" dur="500"/>
-                                        <p:tgtEl>
-                                          <p:spTgt spid="17"/>
-                                        </p:tgtEl>
-                                      </p:cBhvr>
-                                    </p:animEffect>
-                                  </p:childTnLst>
-                                </p:cTn>
-                              </p:par>
-                            </p:childTnLst>
-                          </p:cTn>
-                        </p:par>
-                        <p:par>
-                          <p:cTn id="24" fill="hold">
-                            <p:stCondLst>
-                              <p:cond delay="1000"/>
-                            </p:stCondLst>
-                            <p:childTnLst>
-                              <p:par>
-                                <p:cTn id="25" presetID="22" presetClass="entr" presetSubtype="2" fill="hold" nodeType="afterEffect">
-                                  <p:stCondLst>
-                                    <p:cond delay="0"/>
-                                  </p:stCondLst>
-                                  <p:childTnLst>
-                                    <p:set>
-                                      <p:cBhvr>
-                                        <p:cTn id="26" dur="1" fill="hold">
-                                          <p:stCondLst>
-                                            <p:cond delay="0"/>
-                                          </p:stCondLst>
-                                        </p:cTn>
-                                        <p:tgtEl>
-                                          <p:spTgt spid="14"/>
-                                        </p:tgtEl>
-                                        <p:attrNameLst>
-                                          <p:attrName>style.visibility</p:attrName>
-                                        </p:attrNameLst>
-                                      </p:cBhvr>
-                                      <p:to>
-                                        <p:strVal val="visible"/>
-                                      </p:to>
-                                    </p:set>
-                                    <p:animEffect transition="in" filter="wipe(right)">
-                                      <p:cBhvr>
-                                        <p:cTn id="27" dur="500"/>
-                                        <p:tgtEl>
-                                          <p:spTgt spid="14"/>
-                                        </p:tgtEl>
-                                      </p:cBhvr>
-                                    </p:animEffect>
-                                  </p:childTnLst>
-                                </p:cTn>
-                              </p:par>
-                            </p:childTnLst>
-                          </p:cTn>
-                        </p:par>
-                        <p:par>
-                          <p:cTn id="28" fill="hold">
-                            <p:stCondLst>
-                              <p:cond delay="1500"/>
-                            </p:stCondLst>
-                            <p:childTnLst>
-                              <p:par>
-                                <p:cTn id="29" presetID="22" presetClass="entr" presetSubtype="8" fill="hold" nodeType="afterEffect">
-                                  <p:stCondLst>
-                                    <p:cond delay="0"/>
-                                  </p:stCondLst>
-                                  <p:childTnLst>
-                                    <p:set>
-                                      <p:cBhvr>
-                                        <p:cTn id="30" dur="1" fill="hold">
-                                          <p:stCondLst>
-                                            <p:cond delay="0"/>
-                                          </p:stCondLst>
-                                        </p:cTn>
-                                        <p:tgtEl>
-                                          <p:spTgt spid="16"/>
-                                        </p:tgtEl>
-                                        <p:attrNameLst>
-                                          <p:attrName>style.visibility</p:attrName>
-                                        </p:attrNameLst>
-                                      </p:cBhvr>
-                                      <p:to>
-                                        <p:strVal val="visible"/>
-                                      </p:to>
-                                    </p:set>
-                                    <p:animEffect transition="in" filter="wipe(left)">
-                                      <p:cBhvr>
-                                        <p:cTn id="31" dur="500"/>
-                                        <p:tgtEl>
-                                          <p:spTgt spid="16"/>
-                                        </p:tgtEl>
-                                      </p:cBhvr>
-                                    </p:animEffect>
-                                  </p:childTnLst>
-                                </p:cTn>
-                              </p:par>
-                            </p:childTnLst>
-                          </p:cTn>
-                        </p:par>
-                        <p:par>
-                          <p:cTn id="32" fill="hold">
-                            <p:stCondLst>
-                              <p:cond delay="2000"/>
-                            </p:stCondLst>
-                            <p:childTnLst>
-                              <p:par>
-                                <p:cTn id="33" presetID="22" presetClass="entr" presetSubtype="8" fill="hold" nodeType="afterEffect">
-                                  <p:stCondLst>
-                                    <p:cond delay="0"/>
-                                  </p:stCondLst>
-                                  <p:childTnLst>
-                                    <p:set>
-                                      <p:cBhvr>
-                                        <p:cTn id="34" dur="1" fill="hold">
-                                          <p:stCondLst>
-                                            <p:cond delay="0"/>
-                                          </p:stCondLst>
-                                        </p:cTn>
-                                        <p:tgtEl>
-                                          <p:spTgt spid="18"/>
-                                        </p:tgtEl>
-                                        <p:attrNameLst>
-                                          <p:attrName>style.visibility</p:attrName>
-                                        </p:attrNameLst>
-                                      </p:cBhvr>
-                                      <p:to>
-                                        <p:strVal val="visible"/>
-                                      </p:to>
-                                    </p:set>
-                                    <p:animEffect transition="in" filter="wipe(left)">
-                                      <p:cBhvr>
-                                        <p:cTn id="35" dur="500"/>
-                                        <p:tgtEl>
-                                          <p:spTgt spid="18"/>
-                                        </p:tgtEl>
-                                      </p:cBhvr>
-                                    </p:animEffect>
-                                  </p:childTnLst>
-                                </p:cTn>
-                              </p:par>
-                            </p:childTnLst>
-                          </p:cTn>
-                        </p:par>
-                      </p:childTnLst>
-                    </p:cTn>
-                  </p:par>
-                </p:childTnLst>
-              </p:cTn>
-              <p:prevCondLst>
-                <p:cond evt="onPrev" delay="0">
-                  <p:tgtEl>
-                    <p:sldTgt/>
-                  </p:tgtEl>
-                </p:cond>
-              </p:prevCondLst>
-              <p:nextCondLst>
-                <p:cond evt="onNext" delay="0">
-                  <p:tgtEl>
-                    <p:sldTgt/>
-                  </p:tgtEl>
-                </p:cond>
-              </p:nextCondLst>
-            </p:seq>
-          </p:childTnLst>
-        </p:cTn>
-      </p:par>
-    </p:tnLst>
-    <p:bldLst>
-      <p:bldP spid="6" grpId="0"/>
-      <p:bldP spid="9" grpId="0"/>
-    </p:bldLst>
-  </p:timing>
-</p:sld>
-</file>
-
-<file path=ppt/slides/slide16.xml><?xml version="1.0" encoding="utf-8"?>
+<file path=ppt/slides/slide11.xml><?xml version="1.0" encoding="utf-8"?>
 <p:sld xmlns:a="http://schemas.openxmlformats.org/drawingml/2006/main" xmlns:r="http://schemas.openxmlformats.org/officeDocument/2006/relationships" xmlns:p="http://schemas.openxmlformats.org/presentationml/2006/main">
   <p:cSld>
     <p:spTree>
@@ -11049,7 +6661,7 @@
 </p:sld>
 </file>
 
-<file path=ppt/slides/slide17.xml><?xml version="1.0" encoding="utf-8"?>
+<file path=ppt/slides/slide12.xml><?xml version="1.0" encoding="utf-8"?>
 <p:sld xmlns:a="http://schemas.openxmlformats.org/drawingml/2006/main" xmlns:r="http://schemas.openxmlformats.org/officeDocument/2006/relationships" xmlns:p="http://schemas.openxmlformats.org/presentationml/2006/main">
   <p:cSld>
     <p:spTree>
@@ -11191,7 +6803,7 @@
 </p:sld>
 </file>
 
-<file path=ppt/slides/slide18.xml><?xml version="1.0" encoding="utf-8"?>
+<file path=ppt/slides/slide13.xml><?xml version="1.0" encoding="utf-8"?>
 <p:sld xmlns:a="http://schemas.openxmlformats.org/drawingml/2006/main" xmlns:r="http://schemas.openxmlformats.org/officeDocument/2006/relationships" xmlns:p="http://schemas.openxmlformats.org/presentationml/2006/main">
   <p:cSld>
     <p:spTree>
@@ -14598,14 +10210,14 @@
       </p:grpSpPr>
       <p:pic>
         <p:nvPicPr>
-          <p:cNvPr id="6" name="Imagen 5"/>
+          <p:cNvPr id="13" name="Imagen 12"/>
           <p:cNvPicPr>
             <a:picLocks noChangeAspect="1"/>
           </p:cNvPicPr>
           <p:nvPr/>
         </p:nvPicPr>
         <p:blipFill>
-          <a:blip r:embed="rId2" cstate="print">
+          <a:blip r:embed="rId2">
             <a:extLst>
               <a:ext uri="{28A0092B-C50C-407E-A947-70E740481C1C}">
                 <a14:useLocalDpi xmlns:a14="http://schemas.microsoft.com/office/drawing/2010/main" val="0"/>
@@ -14618,154 +10230,8 @@
         </p:blipFill>
         <p:spPr>
           <a:xfrm>
-            <a:off x="1269000" y="4347978"/>
-            <a:ext cx="2369475" cy="1579650"/>
-          </a:xfrm>
-          <a:prstGeom prst="rect">
-            <a:avLst/>
-          </a:prstGeom>
-        </p:spPr>
-      </p:pic>
-      <p:sp>
-        <p:nvSpPr>
-          <p:cNvPr id="8" name="CuadroTexto 7"/>
-          <p:cNvSpPr txBox="1"/>
-          <p:nvPr/>
-        </p:nvSpPr>
-        <p:spPr>
-          <a:xfrm>
-            <a:off x="2576433" y="6003625"/>
-            <a:ext cx="2617765" cy="461665"/>
-          </a:xfrm>
-          <a:prstGeom prst="rect">
-            <a:avLst/>
-          </a:prstGeom>
-          <a:noFill/>
-        </p:spPr>
-        <p:txBody>
-          <a:bodyPr wrap="square" rtlCol="0">
-            <a:spAutoFit/>
-          </a:bodyPr>
-          <a:lstStyle/>
-          <a:p>
-            <a:pPr algn="ctr"/>
-            <a:r>
-              <a:rPr lang="es-EC" sz="2400" dirty="0">
-                <a:latin typeface="Calibri Light" panose="020F0302020204030204" pitchFamily="34" charset="0"/>
-              </a:rPr>
-              <a:t>a</a:t>
-            </a:r>
-            <a:r>
-              <a:rPr lang="es-EC" sz="2400" dirty="0" smtClean="0">
-                <a:latin typeface="Calibri Light" panose="020F0302020204030204" pitchFamily="34" charset="0"/>
-              </a:rPr>
-              <a:t>ntes del desastre</a:t>
-            </a:r>
-            <a:endParaRPr lang="es-EC" sz="2400" dirty="0">
-              <a:latin typeface="Calibri Light" panose="020F0302020204030204" pitchFamily="34" charset="0"/>
-            </a:endParaRPr>
-          </a:p>
-        </p:txBody>
-      </p:sp>
-      <p:sp>
-        <p:nvSpPr>
-          <p:cNvPr id="9" name="CuadroTexto 8"/>
-          <p:cNvSpPr txBox="1"/>
-          <p:nvPr/>
-        </p:nvSpPr>
-        <p:spPr>
-          <a:xfrm>
-            <a:off x="8338930" y="6003624"/>
-            <a:ext cx="2952556" cy="461665"/>
-          </a:xfrm>
-          <a:prstGeom prst="rect">
-            <a:avLst/>
-          </a:prstGeom>
-          <a:noFill/>
-        </p:spPr>
-        <p:txBody>
-          <a:bodyPr wrap="square" rtlCol="0">
-            <a:spAutoFit/>
-          </a:bodyPr>
-          <a:lstStyle/>
-          <a:p>
-            <a:pPr algn="ctr"/>
-            <a:r>
-              <a:rPr lang="es-EC" sz="2400" dirty="0">
-                <a:latin typeface="Calibri Light" panose="020F0302020204030204" pitchFamily="34" charset="0"/>
-              </a:rPr>
-              <a:t>d</a:t>
-            </a:r>
-            <a:r>
-              <a:rPr lang="es-EC" sz="2400" dirty="0" smtClean="0">
-                <a:latin typeface="Calibri Light" panose="020F0302020204030204" pitchFamily="34" charset="0"/>
-              </a:rPr>
-              <a:t>espués del desastre</a:t>
-            </a:r>
-            <a:endParaRPr lang="es-EC" sz="2400" dirty="0">
-              <a:latin typeface="Calibri Light" panose="020F0302020204030204" pitchFamily="34" charset="0"/>
-            </a:endParaRPr>
-          </a:p>
-        </p:txBody>
-      </p:sp>
-      <p:cxnSp>
-        <p:nvCxnSpPr>
-          <p:cNvPr id="10" name="Conector recto 9"/>
-          <p:cNvCxnSpPr/>
-          <p:nvPr/>
-        </p:nvCxnSpPr>
-        <p:spPr>
-          <a:xfrm>
-            <a:off x="7679908" y="3932650"/>
-            <a:ext cx="7285" cy="1751955"/>
-          </a:xfrm>
-          <a:prstGeom prst="line">
-            <a:avLst/>
-          </a:prstGeom>
-          <a:ln w="57150">
-            <a:solidFill>
-              <a:schemeClr val="tx1"/>
-            </a:solidFill>
-          </a:ln>
-        </p:spPr>
-        <p:style>
-          <a:lnRef idx="1">
-            <a:schemeClr val="accent1"/>
-          </a:lnRef>
-          <a:fillRef idx="0">
-            <a:schemeClr val="accent1"/>
-          </a:fillRef>
-          <a:effectRef idx="0">
-            <a:schemeClr val="accent1"/>
-          </a:effectRef>
-          <a:fontRef idx="minor">
-            <a:schemeClr val="tx1"/>
-          </a:fontRef>
-        </p:style>
-      </p:cxnSp>
-      <p:pic>
-        <p:nvPicPr>
-          <p:cNvPr id="16" name="Imagen 15"/>
-          <p:cNvPicPr>
-            <a:picLocks noChangeAspect="1"/>
-          </p:cNvPicPr>
-          <p:nvPr/>
-        </p:nvPicPr>
-        <p:blipFill rotWithShape="1">
-          <a:blip r:embed="rId3" cstate="print">
-            <a:extLst>
-              <a:ext uri="{28A0092B-C50C-407E-A947-70E740481C1C}">
-                <a14:useLocalDpi xmlns:a14="http://schemas.microsoft.com/office/drawing/2010/main" val="0"/>
-              </a:ext>
-            </a:extLst>
-          </a:blip>
-          <a:srcRect r="49443"/>
-          <a:stretch/>
-        </p:blipFill>
-        <p:spPr>
-          <a:xfrm>
-            <a:off x="9817214" y="3500409"/>
-            <a:ext cx="997207" cy="1972461"/>
+            <a:off x="0" y="0"/>
+            <a:ext cx="12192000" cy="6858000"/>
           </a:xfrm>
           <a:prstGeom prst="rect">
             <a:avLst/>
@@ -14774,101 +10240,14 @@
       </p:pic>
       <p:pic>
         <p:nvPicPr>
-          <p:cNvPr id="17" name="Imagen 16"/>
-          <p:cNvPicPr>
-            <a:picLocks noChangeAspect="1"/>
-          </p:cNvPicPr>
-          <p:nvPr/>
-        </p:nvPicPr>
-        <p:blipFill rotWithShape="1">
-          <a:blip r:embed="rId4">
-            <a:extLst>
-              <a:ext uri="{28A0092B-C50C-407E-A947-70E740481C1C}">
-                <a14:useLocalDpi xmlns:a14="http://schemas.microsoft.com/office/drawing/2010/main" val="0"/>
-              </a:ext>
-            </a:extLst>
-          </a:blip>
-          <a:srcRect l="23400" t="7466" r="13493" b="7892"/>
-          <a:stretch/>
-        </p:blipFill>
-        <p:spPr>
-          <a:xfrm>
-            <a:off x="4371513" y="3932650"/>
-            <a:ext cx="1430720" cy="1918981"/>
-          </a:xfrm>
-          <a:prstGeom prst="rect">
-            <a:avLst/>
-          </a:prstGeom>
-        </p:spPr>
-      </p:pic>
-      <p:pic>
-        <p:nvPicPr>
-          <p:cNvPr id="18" name="Imagen 17"/>
-          <p:cNvPicPr>
-            <a:picLocks noChangeAspect="1"/>
-          </p:cNvPicPr>
-          <p:nvPr/>
-        </p:nvPicPr>
-        <p:blipFill rotWithShape="1">
-          <a:blip r:embed="rId5">
-            <a:extLst>
-              <a:ext uri="{28A0092B-C50C-407E-A947-70E740481C1C}">
-                <a14:useLocalDpi xmlns:a14="http://schemas.microsoft.com/office/drawing/2010/main" val="0"/>
-              </a:ext>
-            </a:extLst>
-          </a:blip>
-          <a:srcRect l="6988" t="11901" r="9720" b="12061"/>
-          <a:stretch/>
-        </p:blipFill>
-        <p:spPr>
-          <a:xfrm>
-            <a:off x="9253746" y="1418623"/>
-            <a:ext cx="2037740" cy="1860259"/>
-          </a:xfrm>
-          <a:prstGeom prst="rect">
-            <a:avLst/>
-          </a:prstGeom>
-        </p:spPr>
-      </p:pic>
-      <p:pic>
-        <p:nvPicPr>
-          <p:cNvPr id="2" name="Imagen 1"/>
-          <p:cNvPicPr>
-            <a:picLocks noChangeAspect="1"/>
-          </p:cNvPicPr>
-          <p:nvPr/>
-        </p:nvPicPr>
-        <p:blipFill rotWithShape="1">
-          <a:blip r:embed="rId6" cstate="print">
-            <a:extLst>
-              <a:ext uri="{28A0092B-C50C-407E-A947-70E740481C1C}">
-                <a14:useLocalDpi xmlns:a14="http://schemas.microsoft.com/office/drawing/2010/main" val="0"/>
-              </a:ext>
-            </a:extLst>
-          </a:blip>
-          <a:srcRect l="12427" t="45490" r="10809"/>
-          <a:stretch/>
-        </p:blipFill>
-        <p:spPr>
-          <a:xfrm>
-            <a:off x="315171" y="1448185"/>
-            <a:ext cx="6220100" cy="2484465"/>
-          </a:xfrm>
-          <a:prstGeom prst="rect">
-            <a:avLst/>
-          </a:prstGeom>
-        </p:spPr>
-      </p:pic>
-      <p:pic>
-        <p:nvPicPr>
-          <p:cNvPr id="3" name="Imagen 2"/>
+          <p:cNvPr id="14" name="Imagen 13"/>
           <p:cNvPicPr>
             <a:picLocks noChangeAspect="1"/>
           </p:cNvPicPr>
           <p:nvPr/>
         </p:nvPicPr>
         <p:blipFill>
-          <a:blip r:embed="rId7" cstate="print">
+          <a:blip r:embed="rId3">
             <a:extLst>
               <a:ext uri="{28A0092B-C50C-407E-A947-70E740481C1C}">
                 <a14:useLocalDpi xmlns:a14="http://schemas.microsoft.com/office/drawing/2010/main" val="0"/>
@@ -14881,53 +10260,407 @@
         </p:blipFill>
         <p:spPr>
           <a:xfrm>
-            <a:off x="6848841" y="2445253"/>
-            <a:ext cx="1666614" cy="1450894"/>
+            <a:off x="0" y="0"/>
+            <a:ext cx="12192000" cy="6858000"/>
           </a:xfrm>
           <a:prstGeom prst="rect">
             <a:avLst/>
           </a:prstGeom>
         </p:spPr>
       </p:pic>
-      <p:cxnSp>
-        <p:nvCxnSpPr>
-          <p:cNvPr id="20" name="Conector recto 19"/>
-          <p:cNvCxnSpPr/>
+      <p:pic>
+        <p:nvPicPr>
+          <p:cNvPr id="15" name="Imagen 14"/>
+          <p:cNvPicPr>
+            <a:picLocks noChangeAspect="1"/>
+          </p:cNvPicPr>
           <p:nvPr/>
-        </p:nvCxnSpPr>
+        </p:nvPicPr>
+        <p:blipFill>
+          <a:blip r:embed="rId4">
+            <a:extLst>
+              <a:ext uri="{28A0092B-C50C-407E-A947-70E740481C1C}">
+                <a14:useLocalDpi xmlns:a14="http://schemas.microsoft.com/office/drawing/2010/main" val="0"/>
+              </a:ext>
+            </a:extLst>
+          </a:blip>
+          <a:stretch>
+            <a:fillRect/>
+          </a:stretch>
+        </p:blipFill>
         <p:spPr>
           <a:xfrm>
-            <a:off x="7679908" y="1283808"/>
-            <a:ext cx="0" cy="1064945"/>
+            <a:off x="0" y="0"/>
+            <a:ext cx="12192000" cy="6858000"/>
           </a:xfrm>
-          <a:prstGeom prst="line">
+          <a:prstGeom prst="rect">
             <a:avLst/>
           </a:prstGeom>
-          <a:ln w="57150">
-            <a:solidFill>
-              <a:schemeClr val="tx1"/>
-            </a:solidFill>
-          </a:ln>
         </p:spPr>
-        <p:style>
-          <a:lnRef idx="1">
-            <a:schemeClr val="accent1"/>
-          </a:lnRef>
-          <a:fillRef idx="0">
-            <a:schemeClr val="accent1"/>
-          </a:fillRef>
-          <a:effectRef idx="0">
-            <a:schemeClr val="accent1"/>
-          </a:effectRef>
-          <a:fontRef idx="minor">
-            <a:schemeClr val="tx1"/>
-          </a:fontRef>
-        </p:style>
-      </p:cxnSp>
+      </p:pic>
+      <p:pic>
+        <p:nvPicPr>
+          <p:cNvPr id="16" name="Imagen 15"/>
+          <p:cNvPicPr>
+            <a:picLocks noChangeAspect="1"/>
+          </p:cNvPicPr>
+          <p:nvPr/>
+        </p:nvPicPr>
+        <p:blipFill>
+          <a:blip r:embed="rId5">
+            <a:extLst>
+              <a:ext uri="{28A0092B-C50C-407E-A947-70E740481C1C}">
+                <a14:useLocalDpi xmlns:a14="http://schemas.microsoft.com/office/drawing/2010/main" val="0"/>
+              </a:ext>
+            </a:extLst>
+          </a:blip>
+          <a:stretch>
+            <a:fillRect/>
+          </a:stretch>
+        </p:blipFill>
+        <p:spPr>
+          <a:xfrm>
+            <a:off x="0" y="0"/>
+            <a:ext cx="12192000" cy="6858000"/>
+          </a:xfrm>
+          <a:prstGeom prst="rect">
+            <a:avLst/>
+          </a:prstGeom>
+        </p:spPr>
+      </p:pic>
+      <p:pic>
+        <p:nvPicPr>
+          <p:cNvPr id="23" name="Imagen 22"/>
+          <p:cNvPicPr>
+            <a:picLocks noChangeAspect="1"/>
+          </p:cNvPicPr>
+          <p:nvPr/>
+        </p:nvPicPr>
+        <p:blipFill>
+          <a:blip r:embed="rId6">
+            <a:extLst>
+              <a:ext uri="{BEBA8EAE-BF5A-486C-A8C5-ECC9F3942E4B}">
+                <a14:imgProps xmlns:a14="http://schemas.microsoft.com/office/drawing/2010/main">
+                  <a14:imgLayer r:embed="rId7">
+                    <a14:imgEffect>
+                      <a14:artisticPencilGrayscale/>
+                    </a14:imgEffect>
+                  </a14:imgLayer>
+                </a14:imgProps>
+              </a:ext>
+              <a:ext uri="{28A0092B-C50C-407E-A947-70E740481C1C}">
+                <a14:useLocalDpi xmlns:a14="http://schemas.microsoft.com/office/drawing/2010/main" val="0"/>
+              </a:ext>
+            </a:extLst>
+          </a:blip>
+          <a:stretch>
+            <a:fillRect/>
+          </a:stretch>
+        </p:blipFill>
+        <p:spPr>
+          <a:xfrm>
+            <a:off x="3886201" y="-320646"/>
+            <a:ext cx="3426648" cy="2994314"/>
+          </a:xfrm>
+          <a:prstGeom prst="rect">
+            <a:avLst/>
+          </a:prstGeom>
+        </p:spPr>
+      </p:pic>
+      <p:pic>
+        <p:nvPicPr>
+          <p:cNvPr id="24" name="Imagen 23"/>
+          <p:cNvPicPr>
+            <a:picLocks noChangeAspect="1"/>
+          </p:cNvPicPr>
+          <p:nvPr/>
+        </p:nvPicPr>
+        <p:blipFill>
+          <a:blip r:embed="rId8">
+            <a:extLst>
+              <a:ext uri="{28A0092B-C50C-407E-A947-70E740481C1C}">
+                <a14:useLocalDpi xmlns:a14="http://schemas.microsoft.com/office/drawing/2010/main" val="0"/>
+              </a:ext>
+            </a:extLst>
+          </a:blip>
+          <a:stretch>
+            <a:fillRect/>
+          </a:stretch>
+        </p:blipFill>
+        <p:spPr>
+          <a:xfrm rot="12386303">
+            <a:off x="6597968" y="582930"/>
+            <a:ext cx="2409825" cy="1790700"/>
+          </a:xfrm>
+          <a:prstGeom prst="rect">
+            <a:avLst/>
+          </a:prstGeom>
+        </p:spPr>
+      </p:pic>
+      <p:pic>
+        <p:nvPicPr>
+          <p:cNvPr id="25" name="Imagen 24"/>
+          <p:cNvPicPr>
+            <a:picLocks noChangeAspect="1"/>
+          </p:cNvPicPr>
+          <p:nvPr/>
+        </p:nvPicPr>
+        <p:blipFill rotWithShape="1">
+          <a:blip r:embed="rId9">
+            <a:extLst>
+              <a:ext uri="{28A0092B-C50C-407E-A947-70E740481C1C}">
+                <a14:useLocalDpi xmlns:a14="http://schemas.microsoft.com/office/drawing/2010/main" val="0"/>
+              </a:ext>
+            </a:extLst>
+          </a:blip>
+          <a:srcRect l="36726" t="38216" r="35568" b="24248"/>
+          <a:stretch/>
+        </p:blipFill>
+        <p:spPr>
+          <a:xfrm>
+            <a:off x="5223605" y="914400"/>
+            <a:ext cx="751840" cy="756920"/>
+          </a:xfrm>
+          <a:prstGeom prst="ellipse">
+            <a:avLst/>
+          </a:prstGeom>
+        </p:spPr>
+      </p:pic>
+      <p:pic>
+        <p:nvPicPr>
+          <p:cNvPr id="9" name="Imagen 8"/>
+          <p:cNvPicPr>
+            <a:picLocks noChangeAspect="1"/>
+          </p:cNvPicPr>
+          <p:nvPr/>
+        </p:nvPicPr>
+        <p:blipFill>
+          <a:blip r:embed="rId8">
+            <a:extLst>
+              <a:ext uri="{28A0092B-C50C-407E-A947-70E740481C1C}">
+                <a14:useLocalDpi xmlns:a14="http://schemas.microsoft.com/office/drawing/2010/main" val="0"/>
+              </a:ext>
+            </a:extLst>
+          </a:blip>
+          <a:stretch>
+            <a:fillRect/>
+          </a:stretch>
+        </p:blipFill>
+        <p:spPr>
+          <a:xfrm rot="210144">
+            <a:off x="2345367" y="1183897"/>
+            <a:ext cx="2409825" cy="1790700"/>
+          </a:xfrm>
+          <a:prstGeom prst="rect">
+            <a:avLst/>
+          </a:prstGeom>
+        </p:spPr>
+      </p:pic>
+      <p:sp>
+        <p:nvSpPr>
+          <p:cNvPr id="10" name="CuadroTexto 9"/>
+          <p:cNvSpPr txBox="1"/>
+          <p:nvPr/>
+        </p:nvSpPr>
+        <p:spPr>
+          <a:xfrm rot="19755071">
+            <a:off x="2070656" y="1346381"/>
+            <a:ext cx="1877993" cy="892552"/>
+          </a:xfrm>
+          <a:prstGeom prst="rect">
+            <a:avLst/>
+          </a:prstGeom>
+          <a:noFill/>
+        </p:spPr>
+        <p:txBody>
+          <a:bodyPr wrap="square" rtlCol="0">
+            <a:spAutoFit/>
+          </a:bodyPr>
+          <a:lstStyle/>
+          <a:p>
+            <a:pPr algn="ctr"/>
+            <a:r>
+              <a:rPr lang="es-EC" sz="2800" dirty="0" smtClean="0">
+                <a:latin typeface="Poiret One" panose="02000000000000000000" pitchFamily="2" charset="0"/>
+              </a:rPr>
+              <a:t>SOS </a:t>
+            </a:r>
+            <a:r>
+              <a:rPr lang="es-EC" sz="2800" dirty="0" err="1" smtClean="0">
+                <a:latin typeface="Poiret One" panose="02000000000000000000" pitchFamily="2" charset="0"/>
+              </a:rPr>
+              <a:t>info</a:t>
+            </a:r>
+            <a:endParaRPr lang="es-EC" sz="2400" dirty="0" smtClean="0"/>
+          </a:p>
+          <a:p>
+            <a:pPr algn="ctr"/>
+            <a:endParaRPr lang="es-EC" sz="2400" dirty="0">
+              <a:solidFill>
+                <a:srgbClr val="014455"/>
+              </a:solidFill>
+            </a:endParaRPr>
+          </a:p>
+        </p:txBody>
+      </p:sp>
+      <p:pic>
+        <p:nvPicPr>
+          <p:cNvPr id="11" name="Imagen 10"/>
+          <p:cNvPicPr>
+            <a:picLocks noChangeAspect="1"/>
+          </p:cNvPicPr>
+          <p:nvPr/>
+        </p:nvPicPr>
+        <p:blipFill>
+          <a:blip r:embed="rId10">
+            <a:extLst>
+              <a:ext uri="{28A0092B-C50C-407E-A947-70E740481C1C}">
+                <a14:useLocalDpi xmlns:a14="http://schemas.microsoft.com/office/drawing/2010/main" val="0"/>
+              </a:ext>
+            </a:extLst>
+          </a:blip>
+          <a:stretch>
+            <a:fillRect/>
+          </a:stretch>
+        </p:blipFill>
+        <p:spPr>
+          <a:xfrm rot="283301">
+            <a:off x="6089824" y="1328186"/>
+            <a:ext cx="2021470" cy="1502120"/>
+          </a:xfrm>
+          <a:prstGeom prst="rect">
+            <a:avLst/>
+          </a:prstGeom>
+        </p:spPr>
+      </p:pic>
+      <p:sp>
+        <p:nvSpPr>
+          <p:cNvPr id="12" name="CuadroTexto 11"/>
+          <p:cNvSpPr txBox="1"/>
+          <p:nvPr/>
+        </p:nvSpPr>
+        <p:spPr>
+          <a:xfrm>
+            <a:off x="5850822" y="1186694"/>
+            <a:ext cx="1877993" cy="892552"/>
+          </a:xfrm>
+          <a:prstGeom prst="rect">
+            <a:avLst/>
+          </a:prstGeom>
+          <a:noFill/>
+        </p:spPr>
+        <p:txBody>
+          <a:bodyPr wrap="square" rtlCol="0">
+            <a:spAutoFit/>
+          </a:bodyPr>
+          <a:lstStyle/>
+          <a:p>
+            <a:pPr algn="ctr"/>
+            <a:r>
+              <a:rPr lang="es-EC" sz="2800" dirty="0" smtClean="0">
+                <a:latin typeface="Poiret One" panose="02000000000000000000" pitchFamily="2" charset="0"/>
+              </a:rPr>
+              <a:t>SOS </a:t>
+            </a:r>
+            <a:r>
+              <a:rPr lang="es-EC" sz="2800" dirty="0" err="1" smtClean="0">
+                <a:latin typeface="Poiret One" panose="02000000000000000000" pitchFamily="2" charset="0"/>
+              </a:rPr>
+              <a:t>info</a:t>
+            </a:r>
+            <a:endParaRPr lang="es-EC" sz="2400" dirty="0" smtClean="0"/>
+          </a:p>
+          <a:p>
+            <a:pPr algn="ctr"/>
+            <a:endParaRPr lang="es-EC" sz="2400" dirty="0">
+              <a:solidFill>
+                <a:srgbClr val="014455"/>
+              </a:solidFill>
+            </a:endParaRPr>
+          </a:p>
+        </p:txBody>
+      </p:sp>
+      <p:pic>
+        <p:nvPicPr>
+          <p:cNvPr id="18" name="Imagen 17"/>
+          <p:cNvPicPr>
+            <a:picLocks noChangeAspect="1"/>
+          </p:cNvPicPr>
+          <p:nvPr/>
+        </p:nvPicPr>
+        <p:blipFill>
+          <a:blip r:embed="rId8">
+            <a:extLst>
+              <a:ext uri="{28A0092B-C50C-407E-A947-70E740481C1C}">
+                <a14:useLocalDpi xmlns:a14="http://schemas.microsoft.com/office/drawing/2010/main" val="0"/>
+              </a:ext>
+            </a:extLst>
+          </a:blip>
+          <a:stretch>
+            <a:fillRect/>
+          </a:stretch>
+        </p:blipFill>
+        <p:spPr>
+          <a:xfrm rot="3550507" flipH="1">
+            <a:off x="9994655" y="2877919"/>
+            <a:ext cx="1786383" cy="1327431"/>
+          </a:xfrm>
+          <a:prstGeom prst="rect">
+            <a:avLst/>
+          </a:prstGeom>
+        </p:spPr>
+      </p:pic>
+      <p:sp>
+        <p:nvSpPr>
+          <p:cNvPr id="19" name="CuadroTexto 18"/>
+          <p:cNvSpPr txBox="1"/>
+          <p:nvPr/>
+        </p:nvSpPr>
+        <p:spPr>
+          <a:xfrm>
+            <a:off x="10314007" y="4414547"/>
+            <a:ext cx="1877993" cy="892552"/>
+          </a:xfrm>
+          <a:prstGeom prst="rect">
+            <a:avLst/>
+          </a:prstGeom>
+          <a:noFill/>
+        </p:spPr>
+        <p:txBody>
+          <a:bodyPr wrap="square" rtlCol="0">
+            <a:spAutoFit/>
+          </a:bodyPr>
+          <a:lstStyle/>
+          <a:p>
+            <a:pPr algn="ctr"/>
+            <a:r>
+              <a:rPr lang="es-EC" sz="2800" dirty="0" smtClean="0">
+                <a:latin typeface="Poiret One" panose="02000000000000000000" pitchFamily="2" charset="0"/>
+              </a:rPr>
+              <a:t>SOS </a:t>
+            </a:r>
+            <a:r>
+              <a:rPr lang="es-EC" sz="2800" dirty="0" err="1" smtClean="0">
+                <a:latin typeface="Poiret One" panose="02000000000000000000" pitchFamily="2" charset="0"/>
+              </a:rPr>
+              <a:t>info</a:t>
+            </a:r>
+            <a:endParaRPr lang="es-EC" sz="2400" dirty="0" smtClean="0"/>
+          </a:p>
+          <a:p>
+            <a:pPr algn="ctr"/>
+            <a:endParaRPr lang="es-EC" sz="2400" dirty="0">
+              <a:solidFill>
+                <a:srgbClr val="014455"/>
+              </a:solidFill>
+            </a:endParaRPr>
+          </a:p>
+        </p:txBody>
+      </p:sp>
     </p:spTree>
     <p:extLst>
       <p:ext uri="{BB962C8B-B14F-4D97-AF65-F5344CB8AC3E}">
-        <p14:creationId xmlns:p14="http://schemas.microsoft.com/office/powerpoint/2010/main" val="1749007874"/>
+        <p14:creationId xmlns:p14="http://schemas.microsoft.com/office/powerpoint/2010/main" val="1062597634"/>
       </p:ext>
     </p:extLst>
   </p:cSld>
@@ -14971,7 +10704,7 @@
                                           </p:stCondLst>
                                         </p:cTn>
                                         <p:tgtEl>
-                                          <p:spTgt spid="6"/>
+                                          <p:spTgt spid="13"/>
                                         </p:tgtEl>
                                         <p:attrNameLst>
                                           <p:attrName>style.visibility</p:attrName>
@@ -14983,9 +10716,9 @@
                                     </p:set>
                                     <p:animEffect transition="in" filter="fade">
                                       <p:cBhvr>
-                                        <p:cTn id="7" dur="500"/>
-                                        <p:tgtEl>
-                                          <p:spTgt spid="6"/>
+                                        <p:cTn id="7" dur="1000"/>
+                                        <p:tgtEl>
+                                          <p:spTgt spid="13"/>
                                         </p:tgtEl>
                                       </p:cBhvr>
                                     </p:animEffect>
@@ -14993,7 +10726,7 @@
                                 </p:cTn>
                               </p:par>
                               <p:par>
-                                <p:cTn id="8" presetID="10" presetClass="entr" presetSubtype="0" fill="hold" nodeType="withEffect">
+                                <p:cTn id="8" presetID="22" presetClass="entr" presetSubtype="4" fill="hold" nodeType="withEffect">
                                   <p:stCondLst>
                                     <p:cond delay="0"/>
                                   </p:stCondLst>
@@ -15006,7 +10739,175 @@
                                           </p:stCondLst>
                                         </p:cTn>
                                         <p:tgtEl>
-                                          <p:spTgt spid="17"/>
+                                          <p:spTgt spid="14"/>
+                                        </p:tgtEl>
+                                        <p:attrNameLst>
+                                          <p:attrName>style.visibility</p:attrName>
+                                        </p:attrNameLst>
+                                      </p:cBhvr>
+                                      <p:to>
+                                        <p:strVal val="visible"/>
+                                      </p:to>
+                                    </p:set>
+                                    <p:animEffect transition="in" filter="wipe(down)">
+                                      <p:cBhvr>
+                                        <p:cTn id="10" dur="4000"/>
+                                        <p:tgtEl>
+                                          <p:spTgt spid="14"/>
+                                        </p:tgtEl>
+                                      </p:cBhvr>
+                                    </p:animEffect>
+                                  </p:childTnLst>
+                                </p:cTn>
+                              </p:par>
+                              <p:par>
+                                <p:cTn id="11" presetID="1" presetClass="entr" presetSubtype="0" fill="hold" nodeType="withEffect">
+                                  <p:stCondLst>
+                                    <p:cond delay="0"/>
+                                  </p:stCondLst>
+                                  <p:childTnLst>
+                                    <p:set>
+                                      <p:cBhvr>
+                                        <p:cTn id="12" dur="1" fill="hold">
+                                          <p:stCondLst>
+                                            <p:cond delay="0"/>
+                                          </p:stCondLst>
+                                        </p:cTn>
+                                        <p:tgtEl>
+                                          <p:spTgt spid="15"/>
+                                        </p:tgtEl>
+                                        <p:attrNameLst>
+                                          <p:attrName>style.visibility</p:attrName>
+                                        </p:attrNameLst>
+                                      </p:cBhvr>
+                                      <p:to>
+                                        <p:strVal val="visible"/>
+                                      </p:to>
+                                    </p:set>
+                                  </p:childTnLst>
+                                </p:cTn>
+                              </p:par>
+                            </p:childTnLst>
+                          </p:cTn>
+                        </p:par>
+                        <p:par>
+                          <p:cTn id="13" fill="hold">
+                            <p:stCondLst>
+                              <p:cond delay="4000"/>
+                            </p:stCondLst>
+                            <p:childTnLst>
+                              <p:par>
+                                <p:cTn id="14" presetID="26" presetClass="emph" presetSubtype="0" repeatCount="indefinite" fill="hold" nodeType="afterEffect">
+                                  <p:stCondLst>
+                                    <p:cond delay="0"/>
+                                  </p:stCondLst>
+                                  <p:childTnLst>
+                                    <p:animEffect transition="out" filter="fade">
+                                      <p:cBhvr>
+                                        <p:cTn id="15" dur="500" tmFilter="0, 0; .2, .5; .8, .5; 1, 0"/>
+                                        <p:tgtEl>
+                                          <p:spTgt spid="15"/>
+                                        </p:tgtEl>
+                                      </p:cBhvr>
+                                    </p:animEffect>
+                                    <p:animScale>
+                                      <p:cBhvr>
+                                        <p:cTn id="16" dur="250" autoRev="1" fill="hold"/>
+                                        <p:tgtEl>
+                                          <p:spTgt spid="15"/>
+                                        </p:tgtEl>
+                                      </p:cBhvr>
+                                      <p:by x="105000" y="105000"/>
+                                    </p:animScale>
+                                  </p:childTnLst>
+                                </p:cTn>
+                              </p:par>
+                            </p:childTnLst>
+                          </p:cTn>
+                        </p:par>
+                      </p:childTnLst>
+                    </p:cTn>
+                  </p:par>
+                  <p:par>
+                    <p:cTn id="17" fill="hold">
+                      <p:stCondLst>
+                        <p:cond delay="indefinite"/>
+                      </p:stCondLst>
+                      <p:childTnLst>
+                        <p:par>
+                          <p:cTn id="18" fill="hold">
+                            <p:stCondLst>
+                              <p:cond delay="0"/>
+                            </p:stCondLst>
+                            <p:childTnLst>
+                              <p:par>
+                                <p:cTn id="19" presetID="1" presetClass="entr" presetSubtype="0" fill="hold" nodeType="clickEffect">
+                                  <p:stCondLst>
+                                    <p:cond delay="0"/>
+                                  </p:stCondLst>
+                                  <p:childTnLst>
+                                    <p:set>
+                                      <p:cBhvr>
+                                        <p:cTn id="20" dur="1" fill="hold">
+                                          <p:stCondLst>
+                                            <p:cond delay="0"/>
+                                          </p:stCondLst>
+                                        </p:cTn>
+                                        <p:tgtEl>
+                                          <p:spTgt spid="16"/>
+                                        </p:tgtEl>
+                                        <p:attrNameLst>
+                                          <p:attrName>style.visibility</p:attrName>
+                                        </p:attrNameLst>
+                                      </p:cBhvr>
+                                      <p:to>
+                                        <p:strVal val="visible"/>
+                                      </p:to>
+                                    </p:set>
+                                  </p:childTnLst>
+                                </p:cTn>
+                              </p:par>
+                              <p:par>
+                                <p:cTn id="21" presetID="26" presetClass="emph" presetSubtype="0" repeatCount="indefinite" fill="hold" nodeType="withEffect">
+                                  <p:stCondLst>
+                                    <p:cond delay="0"/>
+                                  </p:stCondLst>
+                                  <p:childTnLst>
+                                    <p:animEffect transition="out" filter="fade">
+                                      <p:cBhvr>
+                                        <p:cTn id="22" dur="500" tmFilter="0, 0; .2, .5; .8, .5; 1, 0"/>
+                                        <p:tgtEl>
+                                          <p:spTgt spid="16"/>
+                                        </p:tgtEl>
+                                      </p:cBhvr>
+                                    </p:animEffect>
+                                    <p:animScale>
+                                      <p:cBhvr>
+                                        <p:cTn id="23" dur="250" autoRev="1" fill="hold"/>
+                                        <p:tgtEl>
+                                          <p:spTgt spid="16"/>
+                                        </p:tgtEl>
+                                      </p:cBhvr>
+                                      <p:by x="105000" y="105000"/>
+                                    </p:animScale>
+                                  </p:childTnLst>
+                                </p:cTn>
+                              </p:par>
+                              <p:par>
+                                <p:cTn id="24" presetID="10" presetClass="entr" presetSubtype="0" fill="hold" nodeType="withEffect">
+                                  <p:stCondLst>
+                                    <p:cond delay="1000"/>
+                                  </p:stCondLst>
+                                  <p:childTnLst>
+                                    <p:set>
+                                      <p:cBhvr>
+                                        <p:cTn id="25" dur="1" fill="hold">
+                                          <p:stCondLst>
+                                            <p:cond delay="0"/>
+                                          </p:stCondLst>
+                                        </p:cTn>
+                                        <p:tgtEl>
+                                          <p:spTgt spid="9"/>
                                         </p:tgtEl>
                                         <p:attrNameLst>
                                           <p:attrName>style.visibility</p:attrName>
@@ -15018,9 +10919,9 @@
                                     </p:set>
                                     <p:animEffect transition="in" filter="fade">
                                       <p:cBhvr>
-                                        <p:cTn id="10" dur="500"/>
-                                        <p:tgtEl>
-                                          <p:spTgt spid="17"/>
+                                        <p:cTn id="26" dur="500"/>
+                                        <p:tgtEl>
+                                          <p:spTgt spid="9"/>
                                         </p:tgtEl>
                                       </p:cBhvr>
                                     </p:animEffect>
@@ -15028,20 +10929,20 @@
                                 </p:cTn>
                               </p:par>
                               <p:par>
-                                <p:cTn id="11" presetID="10" presetClass="entr" presetSubtype="0" fill="hold" grpId="0" nodeType="withEffect">
+                                <p:cTn id="27" presetID="10" presetClass="entr" presetSubtype="0" fill="hold" grpId="0" nodeType="withEffect">
                                   <p:stCondLst>
-                                    <p:cond delay="0"/>
+                                    <p:cond delay="1000"/>
                                   </p:stCondLst>
                                   <p:childTnLst>
                                     <p:set>
                                       <p:cBhvr>
-                                        <p:cTn id="12" dur="1" fill="hold">
+                                        <p:cTn id="28" dur="1" fill="hold">
                                           <p:stCondLst>
                                             <p:cond delay="0"/>
                                           </p:stCondLst>
                                         </p:cTn>
                                         <p:tgtEl>
-                                          <p:spTgt spid="8"/>
+                                          <p:spTgt spid="10"/>
                                         </p:tgtEl>
                                         <p:attrNameLst>
                                           <p:attrName>style.visibility</p:attrName>
@@ -15053,9 +10954,9 @@
                                     </p:set>
                                     <p:animEffect transition="in" filter="fade">
                                       <p:cBhvr>
-                                        <p:cTn id="13" dur="500"/>
-                                        <p:tgtEl>
-                                          <p:spTgt spid="8"/>
+                                        <p:cTn id="29" dur="500"/>
+                                        <p:tgtEl>
+                                          <p:spTgt spid="10"/>
                                         </p:tgtEl>
                                       </p:cBhvr>
                                     </p:animEffect>
@@ -15066,26 +10967,500 @@
                           </p:cTn>
                         </p:par>
                         <p:par>
-                          <p:cTn id="14" fill="hold">
+                          <p:cTn id="30" fill="hold">
+                            <p:stCondLst>
+                              <p:cond delay="1500"/>
+                            </p:stCondLst>
+                            <p:childTnLst>
+                              <p:par>
+                                <p:cTn id="31" presetID="10" presetClass="entr" presetSubtype="0" fill="hold" grpId="0" nodeType="afterEffect">
+                                  <p:stCondLst>
+                                    <p:cond delay="0"/>
+                                  </p:stCondLst>
+                                  <p:childTnLst>
+                                    <p:set>
+                                      <p:cBhvr>
+                                        <p:cTn id="32" dur="1" fill="hold">
+                                          <p:stCondLst>
+                                            <p:cond delay="0"/>
+                                          </p:stCondLst>
+                                        </p:cTn>
+                                        <p:tgtEl>
+                                          <p:spTgt spid="12"/>
+                                        </p:tgtEl>
+                                        <p:attrNameLst>
+                                          <p:attrName>style.visibility</p:attrName>
+                                        </p:attrNameLst>
+                                      </p:cBhvr>
+                                      <p:to>
+                                        <p:strVal val="visible"/>
+                                      </p:to>
+                                    </p:set>
+                                    <p:animEffect transition="in" filter="fade">
+                                      <p:cBhvr>
+                                        <p:cTn id="33" dur="500"/>
+                                        <p:tgtEl>
+                                          <p:spTgt spid="12"/>
+                                        </p:tgtEl>
+                                      </p:cBhvr>
+                                    </p:animEffect>
+                                  </p:childTnLst>
+                                </p:cTn>
+                              </p:par>
+                              <p:par>
+                                <p:cTn id="34" presetID="10" presetClass="entr" presetSubtype="0" fill="hold" nodeType="withEffect">
+                                  <p:stCondLst>
+                                    <p:cond delay="0"/>
+                                  </p:stCondLst>
+                                  <p:childTnLst>
+                                    <p:set>
+                                      <p:cBhvr>
+                                        <p:cTn id="35" dur="1" fill="hold">
+                                          <p:stCondLst>
+                                            <p:cond delay="0"/>
+                                          </p:stCondLst>
+                                        </p:cTn>
+                                        <p:tgtEl>
+                                          <p:spTgt spid="11"/>
+                                        </p:tgtEl>
+                                        <p:attrNameLst>
+                                          <p:attrName>style.visibility</p:attrName>
+                                        </p:attrNameLst>
+                                      </p:cBhvr>
+                                      <p:to>
+                                        <p:strVal val="visible"/>
+                                      </p:to>
+                                    </p:set>
+                                    <p:animEffect transition="in" filter="fade">
+                                      <p:cBhvr>
+                                        <p:cTn id="36" dur="500"/>
+                                        <p:tgtEl>
+                                          <p:spTgt spid="11"/>
+                                        </p:tgtEl>
+                                      </p:cBhvr>
+                                    </p:animEffect>
+                                  </p:childTnLst>
+                                </p:cTn>
+                              </p:par>
+                            </p:childTnLst>
+                          </p:cTn>
+                        </p:par>
+                        <p:par>
+                          <p:cTn id="37" fill="hold">
+                            <p:stCondLst>
+                              <p:cond delay="2000"/>
+                            </p:stCondLst>
+                            <p:childTnLst>
+                              <p:par>
+                                <p:cTn id="38" presetID="10" presetClass="entr" presetSubtype="0" fill="hold" nodeType="afterEffect">
+                                  <p:stCondLst>
+                                    <p:cond delay="0"/>
+                                  </p:stCondLst>
+                                  <p:childTnLst>
+                                    <p:set>
+                                      <p:cBhvr>
+                                        <p:cTn id="39" dur="1" fill="hold">
+                                          <p:stCondLst>
+                                            <p:cond delay="0"/>
+                                          </p:stCondLst>
+                                        </p:cTn>
+                                        <p:tgtEl>
+                                          <p:spTgt spid="18"/>
+                                        </p:tgtEl>
+                                        <p:attrNameLst>
+                                          <p:attrName>style.visibility</p:attrName>
+                                        </p:attrNameLst>
+                                      </p:cBhvr>
+                                      <p:to>
+                                        <p:strVal val="visible"/>
+                                      </p:to>
+                                    </p:set>
+                                    <p:animEffect transition="in" filter="fade">
+                                      <p:cBhvr>
+                                        <p:cTn id="40" dur="500"/>
+                                        <p:tgtEl>
+                                          <p:spTgt spid="18"/>
+                                        </p:tgtEl>
+                                      </p:cBhvr>
+                                    </p:animEffect>
+                                  </p:childTnLst>
+                                </p:cTn>
+                              </p:par>
+                              <p:par>
+                                <p:cTn id="41" presetID="10" presetClass="entr" presetSubtype="0" fill="hold" grpId="0" nodeType="withEffect">
+                                  <p:stCondLst>
+                                    <p:cond delay="0"/>
+                                  </p:stCondLst>
+                                  <p:childTnLst>
+                                    <p:set>
+                                      <p:cBhvr>
+                                        <p:cTn id="42" dur="1" fill="hold">
+                                          <p:stCondLst>
+                                            <p:cond delay="0"/>
+                                          </p:stCondLst>
+                                        </p:cTn>
+                                        <p:tgtEl>
+                                          <p:spTgt spid="19"/>
+                                        </p:tgtEl>
+                                        <p:attrNameLst>
+                                          <p:attrName>style.visibility</p:attrName>
+                                        </p:attrNameLst>
+                                      </p:cBhvr>
+                                      <p:to>
+                                        <p:strVal val="visible"/>
+                                      </p:to>
+                                    </p:set>
+                                    <p:animEffect transition="in" filter="fade">
+                                      <p:cBhvr>
+                                        <p:cTn id="43" dur="500"/>
+                                        <p:tgtEl>
+                                          <p:spTgt spid="19"/>
+                                        </p:tgtEl>
+                                      </p:cBhvr>
+                                    </p:animEffect>
+                                  </p:childTnLst>
+                                </p:cTn>
+                              </p:par>
+                            </p:childTnLst>
+                          </p:cTn>
+                        </p:par>
+                      </p:childTnLst>
+                    </p:cTn>
+                  </p:par>
+                  <p:par>
+                    <p:cTn id="44" fill="hold">
+                      <p:stCondLst>
+                        <p:cond delay="indefinite"/>
+                      </p:stCondLst>
+                      <p:childTnLst>
+                        <p:par>
+                          <p:cTn id="45" fill="hold">
+                            <p:stCondLst>
+                              <p:cond delay="0"/>
+                            </p:stCondLst>
+                            <p:childTnLst>
+                              <p:par>
+                                <p:cTn id="46" presetID="10" presetClass="exit" presetSubtype="0" fill="hold" nodeType="clickEffect">
+                                  <p:stCondLst>
+                                    <p:cond delay="0"/>
+                                  </p:stCondLst>
+                                  <p:childTnLst>
+                                    <p:animEffect transition="out" filter="fade">
+                                      <p:cBhvr>
+                                        <p:cTn id="47" dur="500"/>
+                                        <p:tgtEl>
+                                          <p:spTgt spid="9"/>
+                                        </p:tgtEl>
+                                      </p:cBhvr>
+                                    </p:animEffect>
+                                    <p:set>
+                                      <p:cBhvr>
+                                        <p:cTn id="48" dur="1" fill="hold">
+                                          <p:stCondLst>
+                                            <p:cond delay="499"/>
+                                          </p:stCondLst>
+                                        </p:cTn>
+                                        <p:tgtEl>
+                                          <p:spTgt spid="9"/>
+                                        </p:tgtEl>
+                                        <p:attrNameLst>
+                                          <p:attrName>style.visibility</p:attrName>
+                                        </p:attrNameLst>
+                                      </p:cBhvr>
+                                      <p:to>
+                                        <p:strVal val="hidden"/>
+                                      </p:to>
+                                    </p:set>
+                                  </p:childTnLst>
+                                </p:cTn>
+                              </p:par>
+                              <p:par>
+                                <p:cTn id="49" presetID="10" presetClass="exit" presetSubtype="0" fill="hold" grpId="1" nodeType="withEffect">
+                                  <p:stCondLst>
+                                    <p:cond delay="0"/>
+                                  </p:stCondLst>
+                                  <p:childTnLst>
+                                    <p:animEffect transition="out" filter="fade">
+                                      <p:cBhvr>
+                                        <p:cTn id="50" dur="500"/>
+                                        <p:tgtEl>
+                                          <p:spTgt spid="10"/>
+                                        </p:tgtEl>
+                                      </p:cBhvr>
+                                    </p:animEffect>
+                                    <p:set>
+                                      <p:cBhvr>
+                                        <p:cTn id="51" dur="1" fill="hold">
+                                          <p:stCondLst>
+                                            <p:cond delay="499"/>
+                                          </p:stCondLst>
+                                        </p:cTn>
+                                        <p:tgtEl>
+                                          <p:spTgt spid="10"/>
+                                        </p:tgtEl>
+                                        <p:attrNameLst>
+                                          <p:attrName>style.visibility</p:attrName>
+                                        </p:attrNameLst>
+                                      </p:cBhvr>
+                                      <p:to>
+                                        <p:strVal val="hidden"/>
+                                      </p:to>
+                                    </p:set>
+                                  </p:childTnLst>
+                                </p:cTn>
+                              </p:par>
+                              <p:par>
+                                <p:cTn id="52" presetID="10" presetClass="exit" presetSubtype="0" fill="hold" grpId="1" nodeType="withEffect">
+                                  <p:stCondLst>
+                                    <p:cond delay="0"/>
+                                  </p:stCondLst>
+                                  <p:childTnLst>
+                                    <p:animEffect transition="out" filter="fade">
+                                      <p:cBhvr>
+                                        <p:cTn id="53" dur="500"/>
+                                        <p:tgtEl>
+                                          <p:spTgt spid="12"/>
+                                        </p:tgtEl>
+                                      </p:cBhvr>
+                                    </p:animEffect>
+                                    <p:set>
+                                      <p:cBhvr>
+                                        <p:cTn id="54" dur="1" fill="hold">
+                                          <p:stCondLst>
+                                            <p:cond delay="499"/>
+                                          </p:stCondLst>
+                                        </p:cTn>
+                                        <p:tgtEl>
+                                          <p:spTgt spid="12"/>
+                                        </p:tgtEl>
+                                        <p:attrNameLst>
+                                          <p:attrName>style.visibility</p:attrName>
+                                        </p:attrNameLst>
+                                      </p:cBhvr>
+                                      <p:to>
+                                        <p:strVal val="hidden"/>
+                                      </p:to>
+                                    </p:set>
+                                  </p:childTnLst>
+                                </p:cTn>
+                              </p:par>
+                              <p:par>
+                                <p:cTn id="55" presetID="10" presetClass="exit" presetSubtype="0" fill="hold" nodeType="withEffect">
+                                  <p:stCondLst>
+                                    <p:cond delay="0"/>
+                                  </p:stCondLst>
+                                  <p:childTnLst>
+                                    <p:animEffect transition="out" filter="fade">
+                                      <p:cBhvr>
+                                        <p:cTn id="56" dur="500"/>
+                                        <p:tgtEl>
+                                          <p:spTgt spid="11"/>
+                                        </p:tgtEl>
+                                      </p:cBhvr>
+                                    </p:animEffect>
+                                    <p:set>
+                                      <p:cBhvr>
+                                        <p:cTn id="57" dur="1" fill="hold">
+                                          <p:stCondLst>
+                                            <p:cond delay="499"/>
+                                          </p:stCondLst>
+                                        </p:cTn>
+                                        <p:tgtEl>
+                                          <p:spTgt spid="11"/>
+                                        </p:tgtEl>
+                                        <p:attrNameLst>
+                                          <p:attrName>style.visibility</p:attrName>
+                                        </p:attrNameLst>
+                                      </p:cBhvr>
+                                      <p:to>
+                                        <p:strVal val="hidden"/>
+                                      </p:to>
+                                    </p:set>
+                                  </p:childTnLst>
+                                </p:cTn>
+                              </p:par>
+                              <p:par>
+                                <p:cTn id="58" presetID="10" presetClass="exit" presetSubtype="0" fill="hold" nodeType="withEffect">
+                                  <p:stCondLst>
+                                    <p:cond delay="0"/>
+                                  </p:stCondLst>
+                                  <p:childTnLst>
+                                    <p:animEffect transition="out" filter="fade">
+                                      <p:cBhvr>
+                                        <p:cTn id="59" dur="500"/>
+                                        <p:tgtEl>
+                                          <p:spTgt spid="18"/>
+                                        </p:tgtEl>
+                                      </p:cBhvr>
+                                    </p:animEffect>
+                                    <p:set>
+                                      <p:cBhvr>
+                                        <p:cTn id="60" dur="1" fill="hold">
+                                          <p:stCondLst>
+                                            <p:cond delay="499"/>
+                                          </p:stCondLst>
+                                        </p:cTn>
+                                        <p:tgtEl>
+                                          <p:spTgt spid="18"/>
+                                        </p:tgtEl>
+                                        <p:attrNameLst>
+                                          <p:attrName>style.visibility</p:attrName>
+                                        </p:attrNameLst>
+                                      </p:cBhvr>
+                                      <p:to>
+                                        <p:strVal val="hidden"/>
+                                      </p:to>
+                                    </p:set>
+                                  </p:childTnLst>
+                                </p:cTn>
+                              </p:par>
+                              <p:par>
+                                <p:cTn id="61" presetID="10" presetClass="exit" presetSubtype="0" fill="hold" grpId="1" nodeType="withEffect">
+                                  <p:stCondLst>
+                                    <p:cond delay="0"/>
+                                  </p:stCondLst>
+                                  <p:childTnLst>
+                                    <p:animEffect transition="out" filter="fade">
+                                      <p:cBhvr>
+                                        <p:cTn id="62" dur="500"/>
+                                        <p:tgtEl>
+                                          <p:spTgt spid="19"/>
+                                        </p:tgtEl>
+                                      </p:cBhvr>
+                                    </p:animEffect>
+                                    <p:set>
+                                      <p:cBhvr>
+                                        <p:cTn id="63" dur="1" fill="hold">
+                                          <p:stCondLst>
+                                            <p:cond delay="499"/>
+                                          </p:stCondLst>
+                                        </p:cTn>
+                                        <p:tgtEl>
+                                          <p:spTgt spid="19"/>
+                                        </p:tgtEl>
+                                        <p:attrNameLst>
+                                          <p:attrName>style.visibility</p:attrName>
+                                        </p:attrNameLst>
+                                      </p:cBhvr>
+                                      <p:to>
+                                        <p:strVal val="hidden"/>
+                                      </p:to>
+                                    </p:set>
+                                  </p:childTnLst>
+                                </p:cTn>
+                              </p:par>
+                            </p:childTnLst>
+                          </p:cTn>
+                        </p:par>
+                        <p:par>
+                          <p:cTn id="64" fill="hold">
                             <p:stCondLst>
                               <p:cond delay="500"/>
                             </p:stCondLst>
                             <p:childTnLst>
                               <p:par>
-                                <p:cTn id="15" presetID="10" presetClass="entr" presetSubtype="0" fill="hold" grpId="0" nodeType="afterEffect">
+                                <p:cTn id="65" presetID="10" presetClass="exit" presetSubtype="0" fill="hold" nodeType="afterEffect">
+                                  <p:stCondLst>
+                                    <p:cond delay="0"/>
+                                  </p:stCondLst>
+                                  <p:childTnLst>
+                                    <p:animEffect transition="out" filter="fade">
+                                      <p:cBhvr>
+                                        <p:cTn id="66" dur="500"/>
+                                        <p:tgtEl>
+                                          <p:spTgt spid="16"/>
+                                        </p:tgtEl>
+                                      </p:cBhvr>
+                                    </p:animEffect>
+                                    <p:set>
+                                      <p:cBhvr>
+                                        <p:cTn id="67" dur="1" fill="hold">
+                                          <p:stCondLst>
+                                            <p:cond delay="499"/>
+                                          </p:stCondLst>
+                                        </p:cTn>
+                                        <p:tgtEl>
+                                          <p:spTgt spid="16"/>
+                                        </p:tgtEl>
+                                        <p:attrNameLst>
+                                          <p:attrName>style.visibility</p:attrName>
+                                        </p:attrNameLst>
+                                      </p:cBhvr>
+                                      <p:to>
+                                        <p:strVal val="hidden"/>
+                                      </p:to>
+                                    </p:set>
+                                  </p:childTnLst>
+                                </p:cTn>
+                              </p:par>
+                            </p:childTnLst>
+                          </p:cTn>
+                        </p:par>
+                        <p:par>
+                          <p:cTn id="68" fill="hold">
+                            <p:stCondLst>
+                              <p:cond delay="1000"/>
+                            </p:stCondLst>
+                            <p:childTnLst>
+                              <p:par>
+                                <p:cTn id="69" presetID="22" presetClass="entr" presetSubtype="2" fill="hold" nodeType="afterEffect">
                                   <p:stCondLst>
                                     <p:cond delay="0"/>
                                   </p:stCondLst>
                                   <p:childTnLst>
                                     <p:set>
                                       <p:cBhvr>
-                                        <p:cTn id="16" dur="1" fill="hold">
+                                        <p:cTn id="70" dur="1" fill="hold">
                                           <p:stCondLst>
                                             <p:cond delay="0"/>
                                           </p:stCondLst>
                                         </p:cTn>
                                         <p:tgtEl>
-                                          <p:spTgt spid="9"/>
+                                          <p:spTgt spid="24"/>
+                                        </p:tgtEl>
+                                        <p:attrNameLst>
+                                          <p:attrName>style.visibility</p:attrName>
+                                        </p:attrNameLst>
+                                      </p:cBhvr>
+                                      <p:to>
+                                        <p:strVal val="visible"/>
+                                      </p:to>
+                                    </p:set>
+                                    <p:animEffect transition="in" filter="wipe(right)">
+                                      <p:cBhvr>
+                                        <p:cTn id="71" dur="1000"/>
+                                        <p:tgtEl>
+                                          <p:spTgt spid="24"/>
+                                        </p:tgtEl>
+                                      </p:cBhvr>
+                                    </p:animEffect>
+                                  </p:childTnLst>
+                                </p:cTn>
+                              </p:par>
+                            </p:childTnLst>
+                          </p:cTn>
+                        </p:par>
+                        <p:par>
+                          <p:cTn id="72" fill="hold">
+                            <p:stCondLst>
+                              <p:cond delay="2000"/>
+                            </p:stCondLst>
+                            <p:childTnLst>
+                              <p:par>
+                                <p:cTn id="73" presetID="10" presetClass="entr" presetSubtype="0" fill="hold" nodeType="afterEffect">
+                                  <p:stCondLst>
+                                    <p:cond delay="0"/>
+                                  </p:stCondLst>
+                                  <p:childTnLst>
+                                    <p:set>
+                                      <p:cBhvr>
+                                        <p:cTn id="74" dur="1" fill="hold">
+                                          <p:stCondLst>
+                                            <p:cond delay="0"/>
+                                          </p:stCondLst>
+                                        </p:cTn>
+                                        <p:tgtEl>
+                                          <p:spTgt spid="23"/>
                                         </p:tgtEl>
                                         <p:attrNameLst>
                                           <p:attrName>style.visibility</p:attrName>
@@ -15097,30 +11472,39 @@
                                     </p:set>
                                     <p:animEffect transition="in" filter="fade">
                                       <p:cBhvr>
-                                        <p:cTn id="17" dur="500"/>
-                                        <p:tgtEl>
-                                          <p:spTgt spid="9"/>
+                                        <p:cTn id="75" dur="500"/>
+                                        <p:tgtEl>
+                                          <p:spTgt spid="23"/>
                                         </p:tgtEl>
                                       </p:cBhvr>
                                     </p:animEffect>
                                   </p:childTnLst>
                                 </p:cTn>
                               </p:par>
+                            </p:childTnLst>
+                          </p:cTn>
+                        </p:par>
+                        <p:par>
+                          <p:cTn id="76" fill="hold">
+                            <p:stCondLst>
+                              <p:cond delay="2500"/>
+                            </p:stCondLst>
+                            <p:childTnLst>
                               <p:par>
-                                <p:cTn id="18" presetID="10" presetClass="entr" presetSubtype="0" fill="hold" nodeType="withEffect">
+                                <p:cTn id="77" presetID="10" presetClass="entr" presetSubtype="0" fill="hold" nodeType="afterEffect">
                                   <p:stCondLst>
                                     <p:cond delay="0"/>
                                   </p:stCondLst>
                                   <p:childTnLst>
                                     <p:set>
                                       <p:cBhvr>
-                                        <p:cTn id="19" dur="1" fill="hold">
+                                        <p:cTn id="78" dur="1" fill="hold">
                                           <p:stCondLst>
                                             <p:cond delay="0"/>
                                           </p:stCondLst>
                                         </p:cTn>
                                         <p:tgtEl>
-                                          <p:spTgt spid="18"/>
+                                          <p:spTgt spid="25"/>
                                         </p:tgtEl>
                                         <p:attrNameLst>
                                           <p:attrName>style.visibility</p:attrName>
@@ -15132,47 +11516,225 @@
                                     </p:set>
                                     <p:animEffect transition="in" filter="fade">
                                       <p:cBhvr>
-                                        <p:cTn id="20" dur="500"/>
-                                        <p:tgtEl>
-                                          <p:spTgt spid="18"/>
+                                        <p:cTn id="79" dur="500"/>
+                                        <p:tgtEl>
+                                          <p:spTgt spid="25"/>
                                         </p:tgtEl>
                                       </p:cBhvr>
                                     </p:animEffect>
                                   </p:childTnLst>
                                 </p:cTn>
                               </p:par>
+                            </p:childTnLst>
+                          </p:cTn>
+                        </p:par>
+                        <p:par>
+                          <p:cTn id="80" fill="hold">
+                            <p:stCondLst>
+                              <p:cond delay="3000"/>
+                            </p:stCondLst>
+                            <p:childTnLst>
                               <p:par>
-                                <p:cTn id="21" presetID="10" presetClass="entr" presetSubtype="0" fill="hold" nodeType="withEffect">
+                                <p:cTn id="81" presetID="8" presetClass="emph" presetSubtype="0" repeatCount="indefinite" fill="hold" nodeType="afterEffect">
                                   <p:stCondLst>
                                     <p:cond delay="0"/>
                                   </p:stCondLst>
                                   <p:childTnLst>
+                                    <p:animRot by="21600000">
+                                      <p:cBhvr>
+                                        <p:cTn id="82" dur="1000" fill="hold"/>
+                                        <p:tgtEl>
+                                          <p:spTgt spid="25"/>
+                                        </p:tgtEl>
+                                        <p:attrNameLst>
+                                          <p:attrName>r</p:attrName>
+                                        </p:attrNameLst>
+                                      </p:cBhvr>
+                                    </p:animRot>
+                                  </p:childTnLst>
+                                </p:cTn>
+                              </p:par>
+                            </p:childTnLst>
+                          </p:cTn>
+                        </p:par>
+                        <p:par>
+                          <p:cTn id="83" fill="hold">
+                            <p:stCondLst>
+                              <p:cond delay="4000"/>
+                            </p:stCondLst>
+                            <p:childTnLst>
+                              <p:par>
+                                <p:cTn id="84" presetID="10" presetClass="exit" presetSubtype="0" fill="hold" nodeType="afterEffect">
+                                  <p:stCondLst>
+                                    <p:cond delay="0"/>
+                                  </p:stCondLst>
+                                  <p:childTnLst>
+                                    <p:animEffect transition="out" filter="fade">
+                                      <p:cBhvr>
+                                        <p:cTn id="85" dur="500"/>
+                                        <p:tgtEl>
+                                          <p:spTgt spid="13"/>
+                                        </p:tgtEl>
+                                      </p:cBhvr>
+                                    </p:animEffect>
                                     <p:set>
                                       <p:cBhvr>
-                                        <p:cTn id="22" dur="1" fill="hold">
+                                        <p:cTn id="86" dur="1" fill="hold">
                                           <p:stCondLst>
-                                            <p:cond delay="0"/>
+                                            <p:cond delay="499"/>
                                           </p:stCondLst>
                                         </p:cTn>
                                         <p:tgtEl>
-                                          <p:spTgt spid="16"/>
+                                          <p:spTgt spid="13"/>
                                         </p:tgtEl>
                                         <p:attrNameLst>
                                           <p:attrName>style.visibility</p:attrName>
                                         </p:attrNameLst>
                                       </p:cBhvr>
                                       <p:to>
-                                        <p:strVal val="visible"/>
+                                        <p:strVal val="hidden"/>
                                       </p:to>
                                     </p:set>
-                                    <p:animEffect transition="in" filter="fade">
-                                      <p:cBhvr>
-                                        <p:cTn id="23" dur="500"/>
+                                  </p:childTnLst>
+                                </p:cTn>
+                              </p:par>
+                              <p:par>
+                                <p:cTn id="87" presetID="10" presetClass="exit" presetSubtype="0" fill="hold" nodeType="withEffect">
+                                  <p:stCondLst>
+                                    <p:cond delay="0"/>
+                                  </p:stCondLst>
+                                  <p:childTnLst>
+                                    <p:animEffect transition="out" filter="fade">
+                                      <p:cBhvr>
+                                        <p:cTn id="88" dur="500"/>
+                                        <p:tgtEl>
+                                          <p:spTgt spid="14"/>
+                                        </p:tgtEl>
+                                      </p:cBhvr>
+                                    </p:animEffect>
+                                    <p:set>
+                                      <p:cBhvr>
+                                        <p:cTn id="89" dur="1" fill="hold">
+                                          <p:stCondLst>
+                                            <p:cond delay="499"/>
+                                          </p:stCondLst>
+                                        </p:cTn>
+                                        <p:tgtEl>
+                                          <p:spTgt spid="14"/>
+                                        </p:tgtEl>
+                                        <p:attrNameLst>
+                                          <p:attrName>style.visibility</p:attrName>
+                                        </p:attrNameLst>
+                                      </p:cBhvr>
+                                      <p:to>
+                                        <p:strVal val="hidden"/>
+                                      </p:to>
+                                    </p:set>
+                                  </p:childTnLst>
+                                </p:cTn>
+                              </p:par>
+                              <p:par>
+                                <p:cTn id="90" presetID="10" presetClass="exit" presetSubtype="0" fill="hold" nodeType="withEffect">
+                                  <p:stCondLst>
+                                    <p:cond delay="0"/>
+                                  </p:stCondLst>
+                                  <p:childTnLst>
+                                    <p:animEffect transition="out" filter="fade">
+                                      <p:cBhvr>
+                                        <p:cTn id="91" dur="500"/>
+                                        <p:tgtEl>
+                                          <p:spTgt spid="15"/>
+                                        </p:tgtEl>
+                                      </p:cBhvr>
+                                    </p:animEffect>
+                                    <p:set>
+                                      <p:cBhvr>
+                                        <p:cTn id="92" dur="1" fill="hold">
+                                          <p:stCondLst>
+                                            <p:cond delay="499"/>
+                                          </p:stCondLst>
+                                        </p:cTn>
+                                        <p:tgtEl>
+                                          <p:spTgt spid="15"/>
+                                        </p:tgtEl>
+                                        <p:attrNameLst>
+                                          <p:attrName>style.visibility</p:attrName>
+                                        </p:attrNameLst>
+                                      </p:cBhvr>
+                                      <p:to>
+                                        <p:strVal val="hidden"/>
+                                      </p:to>
+                                    </p:set>
+                                  </p:childTnLst>
+                                </p:cTn>
+                              </p:par>
+                              <p:par>
+                                <p:cTn id="93" presetID="10" presetClass="exit" presetSubtype="0" fill="hold" nodeType="withEffect">
+                                  <p:stCondLst>
+                                    <p:cond delay="0"/>
+                                  </p:stCondLst>
+                                  <p:childTnLst>
+                                    <p:animEffect transition="out" filter="fade">
+                                      <p:cBhvr>
+                                        <p:cTn id="94" dur="500"/>
                                         <p:tgtEl>
                                           <p:spTgt spid="16"/>
                                         </p:tgtEl>
                                       </p:cBhvr>
                                     </p:animEffect>
+                                    <p:set>
+                                      <p:cBhvr>
+                                        <p:cTn id="95" dur="1" fill="hold">
+                                          <p:stCondLst>
+                                            <p:cond delay="499"/>
+                                          </p:stCondLst>
+                                        </p:cTn>
+                                        <p:tgtEl>
+                                          <p:spTgt spid="16"/>
+                                        </p:tgtEl>
+                                        <p:attrNameLst>
+                                          <p:attrName>style.visibility</p:attrName>
+                                        </p:attrNameLst>
+                                      </p:cBhvr>
+                                      <p:to>
+                                        <p:strVal val="hidden"/>
+                                      </p:to>
+                                    </p:set>
+                                  </p:childTnLst>
+                                </p:cTn>
+                              </p:par>
+                              <p:par>
+                                <p:cTn id="96" presetID="10" presetClass="exit" presetSubtype="0" fill="hold" nodeType="withEffect">
+                                  <p:stCondLst>
+                                    <p:cond delay="0"/>
+                                  </p:stCondLst>
+                                  <p:childTnLst>
+                                    <p:animEffect transition="out" filter="fade">
+                                      <p:cBhvr>
+                                        <p:cTn id="97" dur="500"/>
+                                        <p:tgtEl>
+                                          <p:spTgt spid="24"/>
+                                        </p:tgtEl>
+                                      </p:cBhvr>
+                                    </p:animEffect>
+                                    <p:set>
+                                      <p:cBhvr>
+                                        <p:cTn id="98" dur="1" fill="hold">
+                                          <p:stCondLst>
+                                            <p:cond delay="499"/>
+                                          </p:stCondLst>
+                                        </p:cTn>
+                                        <p:tgtEl>
+                                          <p:spTgt spid="24"/>
+                                        </p:tgtEl>
+                                        <p:attrNameLst>
+                                          <p:attrName>style.visibility</p:attrName>
+                                        </p:attrNameLst>
+                                      </p:cBhvr>
+                                      <p:to>
+                                        <p:strVal val="hidden"/>
+                                      </p:to>
+                                    </p:set>
                                   </p:childTnLst>
                                 </p:cTn>
                               </p:par>
@@ -15204,8 +11766,12 @@
       </p:par>
     </p:tnLst>
     <p:bldLst>
-      <p:bldP spid="8" grpId="0"/>
-      <p:bldP spid="9" grpId="0"/>
+      <p:bldP spid="10" grpId="0"/>
+      <p:bldP spid="10" grpId="1"/>
+      <p:bldP spid="12" grpId="0"/>
+      <p:bldP spid="12" grpId="1"/>
+      <p:bldP spid="19" grpId="0"/>
+      <p:bldP spid="19" grpId="1"/>
     </p:bldLst>
   </p:timing>
 </p:sld>
